--- a/NIST_Data_Leakage_Case/NIST_Data_Leakage_01_Registry.pptx
+++ b/NIST_Data_Leakage_Case/NIST_Data_Leakage_01_Registry.pptx
@@ -5,7 +5,7 @@
     <p:sldMasterId id="2147483648" r:id="rId1"/>
   </p:sldMasterIdLst>
   <p:notesMasterIdLst>
-    <p:notesMasterId r:id="rId53"/>
+    <p:notesMasterId r:id="rId56"/>
   </p:notesMasterIdLst>
   <p:sldIdLst>
     <p:sldId id="256" r:id="rId2"/>
@@ -45,20 +45,23 @@
     <p:sldId id="331" r:id="rId36"/>
     <p:sldId id="330" r:id="rId37"/>
     <p:sldId id="305" r:id="rId38"/>
-    <p:sldId id="310" r:id="rId39"/>
-    <p:sldId id="311" r:id="rId40"/>
-    <p:sldId id="312" r:id="rId41"/>
-    <p:sldId id="313" r:id="rId42"/>
-    <p:sldId id="315" r:id="rId43"/>
-    <p:sldId id="323" r:id="rId44"/>
-    <p:sldId id="320" r:id="rId45"/>
-    <p:sldId id="317" r:id="rId46"/>
-    <p:sldId id="321" r:id="rId47"/>
-    <p:sldId id="318" r:id="rId48"/>
-    <p:sldId id="322" r:id="rId49"/>
-    <p:sldId id="324" r:id="rId50"/>
-    <p:sldId id="325" r:id="rId51"/>
-    <p:sldId id="326" r:id="rId52"/>
+    <p:sldId id="332" r:id="rId39"/>
+    <p:sldId id="310" r:id="rId40"/>
+    <p:sldId id="311" r:id="rId41"/>
+    <p:sldId id="312" r:id="rId42"/>
+    <p:sldId id="313" r:id="rId43"/>
+    <p:sldId id="315" r:id="rId44"/>
+    <p:sldId id="323" r:id="rId45"/>
+    <p:sldId id="320" r:id="rId46"/>
+    <p:sldId id="317" r:id="rId47"/>
+    <p:sldId id="321" r:id="rId48"/>
+    <p:sldId id="318" r:id="rId49"/>
+    <p:sldId id="322" r:id="rId50"/>
+    <p:sldId id="324" r:id="rId51"/>
+    <p:sldId id="325" r:id="rId52"/>
+    <p:sldId id="333" r:id="rId53"/>
+    <p:sldId id="334" r:id="rId54"/>
+    <p:sldId id="326" r:id="rId55"/>
   </p:sldIdLst>
   <p:sldSz cx="12192000" cy="6858000"/>
   <p:notesSz cx="6858000" cy="9144000"/>
@@ -168,10 +171,7 @@
 <file path=ppt/revisionInfo.xml><?xml version="1.0" encoding="utf-8"?>
 <p1510:revInfo xmlns:a="http://schemas.openxmlformats.org/drawingml/2006/main" xmlns:r="http://schemas.openxmlformats.org/officeDocument/2006/relationships" xmlns:p1510="http://schemas.microsoft.com/office/powerpoint/2015/10/main">
   <p1510:revLst>
-    <p1510:client id="{1145B16C-5E93-681B-B9BA-C7C9CDE20735}" v="10" dt="2020-10-22T20:25:25.022"/>
-    <p1510:client id="{1CD4744B-46E9-485E-8B11-DDA791EF49FF}" v="7" dt="2020-10-19T08:22:19.562"/>
-    <p1510:client id="{958F2B95-A119-46FD-A9C8-D15EFF7E5855}" v="1" dt="2020-10-26T10:32:09.184"/>
-    <p1510:client id="{B83D6D4A-8526-ED03-5564-28094B8B860F}" v="1" dt="2020-10-14T02:33:05.698"/>
+    <p1510:client id="{E98A395E-CF36-43EA-B9C0-D0679CEA9B84}" v="8" dt="2021-02-11T22:57:43.140"/>
   </p1510:revLst>
 </p1510:revInfo>
 </file>
@@ -203,24 +203,283 @@
     </pc:docChg>
   </pc:docChgLst>
   <pc:docChgLst>
-    <pc:chgData name="Richard Wheeless" userId="S::id63la41@ubalt.edu::edf7d7f9-5d95-4eec-886d-0f745236a21b" providerId="AD" clId="Web-{1145B16C-5E93-681B-B9BA-C7C9CDE20735}"/>
-    <pc:docChg chg="modSld">
-      <pc:chgData name="Richard Wheeless" userId="S::id63la41@ubalt.edu::edf7d7f9-5d95-4eec-886d-0f745236a21b" providerId="AD" clId="Web-{1145B16C-5E93-681B-B9BA-C7C9CDE20735}" dt="2020-10-22T20:25:25.022" v="9" actId="1076"/>
+    <pc:chgData name="Richard Wheeless" userId="S::id63la41@ubalt.edu::edf7d7f9-5d95-4eec-886d-0f745236a21b" providerId="AD" clId="Web-{958F2B95-A119-46FD-A9C8-D15EFF7E5855}"/>
+    <pc:docChg chg="sldOrd">
+      <pc:chgData name="Richard Wheeless" userId="S::id63la41@ubalt.edu::edf7d7f9-5d95-4eec-886d-0f745236a21b" providerId="AD" clId="Web-{958F2B95-A119-46FD-A9C8-D15EFF7E5855}" dt="2020-10-26T10:32:09.184" v="0"/>
       <pc:docMkLst>
         <pc:docMk/>
       </pc:docMkLst>
-      <pc:sldChg chg="modSp">
-        <pc:chgData name="Richard Wheeless" userId="S::id63la41@ubalt.edu::edf7d7f9-5d95-4eec-886d-0f745236a21b" providerId="AD" clId="Web-{1145B16C-5E93-681B-B9BA-C7C9CDE20735}" dt="2020-10-22T20:25:25.022" v="9" actId="1076"/>
+      <pc:sldChg chg="ord">
+        <pc:chgData name="Richard Wheeless" userId="S::id63la41@ubalt.edu::edf7d7f9-5d95-4eec-886d-0f745236a21b" providerId="AD" clId="Web-{958F2B95-A119-46FD-A9C8-D15EFF7E5855}" dt="2020-10-26T10:32:09.184" v="0"/>
+        <pc:sldMkLst>
+          <pc:docMk/>
+          <pc:sldMk cId="3280354511" sldId="273"/>
+        </pc:sldMkLst>
+      </pc:sldChg>
+    </pc:docChg>
+  </pc:docChgLst>
+  <pc:docChgLst>
+    <pc:chgData name="Weifeng Xu" userId="e7aed605-a3dd-4d5a-a692-a87037af107b" providerId="ADAL" clId="{E98A395E-CF36-43EA-B9C0-D0679CEA9B84}"/>
+    <pc:docChg chg="undo custSel addSld modSld">
+      <pc:chgData name="Weifeng Xu" userId="e7aed605-a3dd-4d5a-a692-a87037af107b" providerId="ADAL" clId="{E98A395E-CF36-43EA-B9C0-D0679CEA9B84}" dt="2021-03-25T23:10:09.620" v="253" actId="20577"/>
+      <pc:docMkLst>
+        <pc:docMk/>
+      </pc:docMkLst>
+      <pc:sldChg chg="modNotesTx">
+        <pc:chgData name="Weifeng Xu" userId="e7aed605-a3dd-4d5a-a692-a87037af107b" providerId="ADAL" clId="{E98A395E-CF36-43EA-B9C0-D0679CEA9B84}" dt="2021-01-26T20:11:15.536" v="40" actId="20577"/>
+        <pc:sldMkLst>
+          <pc:docMk/>
+          <pc:sldMk cId="832048036" sldId="267"/>
+        </pc:sldMkLst>
+      </pc:sldChg>
+      <pc:sldChg chg="modNotesTx">
+        <pc:chgData name="Weifeng Xu" userId="e7aed605-a3dd-4d5a-a692-a87037af107b" providerId="ADAL" clId="{E98A395E-CF36-43EA-B9C0-D0679CEA9B84}" dt="2021-02-03T16:10:17.730" v="57" actId="20577"/>
+        <pc:sldMkLst>
+          <pc:docMk/>
+          <pc:sldMk cId="2151308299" sldId="271"/>
+        </pc:sldMkLst>
+      </pc:sldChg>
+      <pc:sldChg chg="modNotesTx">
+        <pc:chgData name="Weifeng Xu" userId="e7aed605-a3dd-4d5a-a692-a87037af107b" providerId="ADAL" clId="{E98A395E-CF36-43EA-B9C0-D0679CEA9B84}" dt="2021-03-25T23:10:09.620" v="253" actId="20577"/>
         <pc:sldMkLst>
           <pc:docMk/>
           <pc:sldMk cId="244327251" sldId="272"/>
         </pc:sldMkLst>
-        <pc:picChg chg="mod">
-          <ac:chgData name="Richard Wheeless" userId="S::id63la41@ubalt.edu::edf7d7f9-5d95-4eec-886d-0f745236a21b" providerId="AD" clId="Web-{1145B16C-5E93-681B-B9BA-C7C9CDE20735}" dt="2020-10-22T20:25:25.022" v="9" actId="1076"/>
+      </pc:sldChg>
+      <pc:sldChg chg="addSp modSp mod">
+        <pc:chgData name="Weifeng Xu" userId="e7aed605-a3dd-4d5a-a692-a87037af107b" providerId="ADAL" clId="{E98A395E-CF36-43EA-B9C0-D0679CEA9B84}" dt="2021-02-03T16:19:13.616" v="75" actId="1076"/>
+        <pc:sldMkLst>
+          <pc:docMk/>
+          <pc:sldMk cId="3872856624" sldId="276"/>
+        </pc:sldMkLst>
+        <pc:spChg chg="add mod">
+          <ac:chgData name="Weifeng Xu" userId="e7aed605-a3dd-4d5a-a692-a87037af107b" providerId="ADAL" clId="{E98A395E-CF36-43EA-B9C0-D0679CEA9B84}" dt="2021-02-03T16:19:13.616" v="75" actId="1076"/>
+          <ac:spMkLst>
+            <pc:docMk/>
+            <pc:sldMk cId="3872856624" sldId="276"/>
+            <ac:spMk id="9" creationId="{FD073585-A036-466C-B01F-A816589870BE}"/>
+          </ac:spMkLst>
+        </pc:spChg>
+      </pc:sldChg>
+      <pc:sldChg chg="addSp modSp mod">
+        <pc:chgData name="Weifeng Xu" userId="e7aed605-a3dd-4d5a-a692-a87037af107b" providerId="ADAL" clId="{E98A395E-CF36-43EA-B9C0-D0679CEA9B84}" dt="2021-02-03T16:15:10.121" v="65" actId="1076"/>
+        <pc:sldMkLst>
+          <pc:docMk/>
+          <pc:sldMk cId="895386555" sldId="277"/>
+        </pc:sldMkLst>
+        <pc:spChg chg="mod">
+          <ac:chgData name="Weifeng Xu" userId="e7aed605-a3dd-4d5a-a692-a87037af107b" providerId="ADAL" clId="{E98A395E-CF36-43EA-B9C0-D0679CEA9B84}" dt="2021-01-28T14:24:42.701" v="41" actId="313"/>
+          <ac:spMkLst>
+            <pc:docMk/>
+            <pc:sldMk cId="895386555" sldId="277"/>
+            <ac:spMk id="2" creationId="{00000000-0000-0000-0000-000000000000}"/>
+          </ac:spMkLst>
+        </pc:spChg>
+        <pc:spChg chg="add mod">
+          <ac:chgData name="Weifeng Xu" userId="e7aed605-a3dd-4d5a-a692-a87037af107b" providerId="ADAL" clId="{E98A395E-CF36-43EA-B9C0-D0679CEA9B84}" dt="2021-02-03T16:15:10.121" v="65" actId="1076"/>
+          <ac:spMkLst>
+            <pc:docMk/>
+            <pc:sldMk cId="895386555" sldId="277"/>
+            <ac:spMk id="10" creationId="{E616D071-559E-402E-8676-29AB4427FA95}"/>
+          </ac:spMkLst>
+        </pc:spChg>
+      </pc:sldChg>
+      <pc:sldChg chg="modSp mod">
+        <pc:chgData name="Weifeng Xu" userId="e7aed605-a3dd-4d5a-a692-a87037af107b" providerId="ADAL" clId="{E98A395E-CF36-43EA-B9C0-D0679CEA9B84}" dt="2021-03-04T02:31:02.443" v="242" actId="114"/>
+        <pc:sldMkLst>
+          <pc:docMk/>
+          <pc:sldMk cId="3838184164" sldId="298"/>
+        </pc:sldMkLst>
+        <pc:spChg chg="mod">
+          <ac:chgData name="Weifeng Xu" userId="e7aed605-a3dd-4d5a-a692-a87037af107b" providerId="ADAL" clId="{E98A395E-CF36-43EA-B9C0-D0679CEA9B84}" dt="2021-03-04T02:31:02.443" v="242" actId="114"/>
+          <ac:spMkLst>
+            <pc:docMk/>
+            <pc:sldMk cId="3838184164" sldId="298"/>
+            <ac:spMk id="5" creationId="{00000000-0000-0000-0000-000000000000}"/>
+          </ac:spMkLst>
+        </pc:spChg>
+      </pc:sldChg>
+      <pc:sldChg chg="modSp mod">
+        <pc:chgData name="Weifeng Xu" userId="e7aed605-a3dd-4d5a-a692-a87037af107b" providerId="ADAL" clId="{E98A395E-CF36-43EA-B9C0-D0679CEA9B84}" dt="2021-02-03T16:34:05.132" v="81" actId="20577"/>
+        <pc:sldMkLst>
+          <pc:docMk/>
+          <pc:sldMk cId="4172948646" sldId="303"/>
+        </pc:sldMkLst>
+        <pc:spChg chg="mod">
+          <ac:chgData name="Weifeng Xu" userId="e7aed605-a3dd-4d5a-a692-a87037af107b" providerId="ADAL" clId="{E98A395E-CF36-43EA-B9C0-D0679CEA9B84}" dt="2021-02-03T16:34:05.132" v="81" actId="20577"/>
+          <ac:spMkLst>
+            <pc:docMk/>
+            <pc:sldMk cId="4172948646" sldId="303"/>
+            <ac:spMk id="2" creationId="{00000000-0000-0000-0000-000000000000}"/>
+          </ac:spMkLst>
+        </pc:spChg>
+      </pc:sldChg>
+      <pc:sldChg chg="delSp modSp mod">
+        <pc:chgData name="Weifeng Xu" userId="e7aed605-a3dd-4d5a-a692-a87037af107b" providerId="ADAL" clId="{E98A395E-CF36-43EA-B9C0-D0679CEA9B84}" dt="2021-02-03T17:00:03.936" v="131" actId="6549"/>
+        <pc:sldMkLst>
+          <pc:docMk/>
+          <pc:sldMk cId="160249081" sldId="305"/>
+        </pc:sldMkLst>
+        <pc:spChg chg="mod">
+          <ac:chgData name="Weifeng Xu" userId="e7aed605-a3dd-4d5a-a692-a87037af107b" providerId="ADAL" clId="{E98A395E-CF36-43EA-B9C0-D0679CEA9B84}" dt="2021-02-03T17:00:03.936" v="131" actId="6549"/>
+          <ac:spMkLst>
+            <pc:docMk/>
+            <pc:sldMk cId="160249081" sldId="305"/>
+            <ac:spMk id="3" creationId="{00000000-0000-0000-0000-000000000000}"/>
+          </ac:spMkLst>
+        </pc:spChg>
+        <pc:picChg chg="del">
+          <ac:chgData name="Weifeng Xu" userId="e7aed605-a3dd-4d5a-a692-a87037af107b" providerId="ADAL" clId="{E98A395E-CF36-43EA-B9C0-D0679CEA9B84}" dt="2021-02-03T16:53:26.614" v="83" actId="478"/>
           <ac:picMkLst>
             <pc:docMk/>
-            <pc:sldMk cId="244327251" sldId="272"/>
+            <pc:sldMk cId="160249081" sldId="305"/>
             <ac:picMk id="4" creationId="{00000000-0000-0000-0000-000000000000}"/>
+          </ac:picMkLst>
+        </pc:picChg>
+      </pc:sldChg>
+      <pc:sldChg chg="modSp">
+        <pc:chgData name="Weifeng Xu" userId="e7aed605-a3dd-4d5a-a692-a87037af107b" providerId="ADAL" clId="{E98A395E-CF36-43EA-B9C0-D0679CEA9B84}" dt="2021-02-11T22:57:41.409" v="240" actId="20578"/>
+        <pc:sldMkLst>
+          <pc:docMk/>
+          <pc:sldMk cId="3472541401" sldId="306"/>
+        </pc:sldMkLst>
+        <pc:spChg chg="mod">
+          <ac:chgData name="Weifeng Xu" userId="e7aed605-a3dd-4d5a-a692-a87037af107b" providerId="ADAL" clId="{E98A395E-CF36-43EA-B9C0-D0679CEA9B84}" dt="2021-02-11T22:57:41.409" v="240" actId="20578"/>
+          <ac:spMkLst>
+            <pc:docMk/>
+            <pc:sldMk cId="3472541401" sldId="306"/>
+            <ac:spMk id="5" creationId="{00000000-0000-0000-0000-000000000000}"/>
+          </ac:spMkLst>
+        </pc:spChg>
+      </pc:sldChg>
+      <pc:sldChg chg="modSp mod">
+        <pc:chgData name="Weifeng Xu" userId="e7aed605-a3dd-4d5a-a692-a87037af107b" providerId="ADAL" clId="{E98A395E-CF36-43EA-B9C0-D0679CEA9B84}" dt="2021-02-10T15:23:56.055" v="151" actId="20577"/>
+        <pc:sldMkLst>
+          <pc:docMk/>
+          <pc:sldMk cId="891461191" sldId="308"/>
+        </pc:sldMkLst>
+        <pc:spChg chg="mod">
+          <ac:chgData name="Weifeng Xu" userId="e7aed605-a3dd-4d5a-a692-a87037af107b" providerId="ADAL" clId="{E98A395E-CF36-43EA-B9C0-D0679CEA9B84}" dt="2021-02-10T15:23:56.055" v="151" actId="20577"/>
+          <ac:spMkLst>
+            <pc:docMk/>
+            <pc:sldMk cId="891461191" sldId="308"/>
+            <ac:spMk id="5" creationId="{00000000-0000-0000-0000-000000000000}"/>
+          </ac:spMkLst>
+        </pc:spChg>
+      </pc:sldChg>
+      <pc:sldChg chg="modSp mod">
+        <pc:chgData name="Weifeng Xu" userId="e7aed605-a3dd-4d5a-a692-a87037af107b" providerId="ADAL" clId="{E98A395E-CF36-43EA-B9C0-D0679CEA9B84}" dt="2021-02-10T15:30:53.397" v="153" actId="207"/>
+        <pc:sldMkLst>
+          <pc:docMk/>
+          <pc:sldMk cId="3328989461" sldId="309"/>
+        </pc:sldMkLst>
+        <pc:spChg chg="mod">
+          <ac:chgData name="Weifeng Xu" userId="e7aed605-a3dd-4d5a-a692-a87037af107b" providerId="ADAL" clId="{E98A395E-CF36-43EA-B9C0-D0679CEA9B84}" dt="2021-02-10T15:30:53.397" v="153" actId="207"/>
+          <ac:spMkLst>
+            <pc:docMk/>
+            <pc:sldMk cId="3328989461" sldId="309"/>
+            <ac:spMk id="5" creationId="{00000000-0000-0000-0000-000000000000}"/>
+          </ac:spMkLst>
+        </pc:spChg>
+      </pc:sldChg>
+      <pc:sldChg chg="delSp modSp add mod modClrScheme chgLayout">
+        <pc:chgData name="Weifeng Xu" userId="e7aed605-a3dd-4d5a-a692-a87037af107b" providerId="ADAL" clId="{E98A395E-CF36-43EA-B9C0-D0679CEA9B84}" dt="2021-02-03T16:57:22.491" v="116" actId="14100"/>
+        <pc:sldMkLst>
+          <pc:docMk/>
+          <pc:sldMk cId="3120167251" sldId="332"/>
+        </pc:sldMkLst>
+        <pc:spChg chg="del mod">
+          <ac:chgData name="Weifeng Xu" userId="e7aed605-a3dd-4d5a-a692-a87037af107b" providerId="ADAL" clId="{E98A395E-CF36-43EA-B9C0-D0679CEA9B84}" dt="2021-02-03T16:53:41.710" v="86" actId="700"/>
+          <ac:spMkLst>
+            <pc:docMk/>
+            <pc:sldMk cId="3120167251" sldId="332"/>
+            <ac:spMk id="2" creationId="{00000000-0000-0000-0000-000000000000}"/>
+          </ac:spMkLst>
+        </pc:spChg>
+        <pc:spChg chg="del mod">
+          <ac:chgData name="Weifeng Xu" userId="e7aed605-a3dd-4d5a-a692-a87037af107b" providerId="ADAL" clId="{E98A395E-CF36-43EA-B9C0-D0679CEA9B84}" dt="2021-02-03T16:53:41.710" v="86" actId="700"/>
+          <ac:spMkLst>
+            <pc:docMk/>
+            <pc:sldMk cId="3120167251" sldId="332"/>
+            <ac:spMk id="3" creationId="{00000000-0000-0000-0000-000000000000}"/>
+          </ac:spMkLst>
+        </pc:spChg>
+        <pc:picChg chg="mod">
+          <ac:chgData name="Weifeng Xu" userId="e7aed605-a3dd-4d5a-a692-a87037af107b" providerId="ADAL" clId="{E98A395E-CF36-43EA-B9C0-D0679CEA9B84}" dt="2021-02-03T16:57:22.491" v="116" actId="14100"/>
+          <ac:picMkLst>
+            <pc:docMk/>
+            <pc:sldMk cId="3120167251" sldId="332"/>
+            <ac:picMk id="4" creationId="{00000000-0000-0000-0000-000000000000}"/>
+          </ac:picMkLst>
+        </pc:picChg>
+      </pc:sldChg>
+      <pc:sldChg chg="addSp delSp modSp new mod setBg modNotesTx">
+        <pc:chgData name="Weifeng Xu" userId="e7aed605-a3dd-4d5a-a692-a87037af107b" providerId="ADAL" clId="{E98A395E-CF36-43EA-B9C0-D0679CEA9B84}" dt="2021-02-10T15:59:43.470" v="190"/>
+        <pc:sldMkLst>
+          <pc:docMk/>
+          <pc:sldMk cId="1441657013" sldId="333"/>
+        </pc:sldMkLst>
+        <pc:spChg chg="add mod">
+          <ac:chgData name="Weifeng Xu" userId="e7aed605-a3dd-4d5a-a692-a87037af107b" providerId="ADAL" clId="{E98A395E-CF36-43EA-B9C0-D0679CEA9B84}" dt="2021-02-10T15:58:55.471" v="187" actId="20577"/>
+          <ac:spMkLst>
+            <pc:docMk/>
+            <pc:sldMk cId="1441657013" sldId="333"/>
+            <ac:spMk id="4" creationId="{19645B9C-CB3A-46F4-AE98-4E9F7140F21C}"/>
+          </ac:spMkLst>
+        </pc:spChg>
+        <pc:spChg chg="add del mod">
+          <ac:chgData name="Weifeng Xu" userId="e7aed605-a3dd-4d5a-a692-a87037af107b" providerId="ADAL" clId="{E98A395E-CF36-43EA-B9C0-D0679CEA9B84}" dt="2021-02-10T15:59:30.456" v="189"/>
+          <ac:spMkLst>
+            <pc:docMk/>
+            <pc:sldMk cId="1441657013" sldId="333"/>
+            <ac:spMk id="5" creationId="{71230443-5D2C-4181-A424-773A88DDB49D}"/>
+          </ac:spMkLst>
+        </pc:spChg>
+        <pc:picChg chg="add mod">
+          <ac:chgData name="Weifeng Xu" userId="e7aed605-a3dd-4d5a-a692-a87037af107b" providerId="ADAL" clId="{E98A395E-CF36-43EA-B9C0-D0679CEA9B84}" dt="2021-02-10T15:58:27.988" v="157" actId="26606"/>
+          <ac:picMkLst>
+            <pc:docMk/>
+            <pc:sldMk cId="1441657013" sldId="333"/>
+            <ac:picMk id="3" creationId="{CFBAF4AD-D958-47A7-8F4E-2B44FBA25F82}"/>
+          </ac:picMkLst>
+        </pc:picChg>
+      </pc:sldChg>
+      <pc:sldChg chg="addSp modSp new mod modNotesTx">
+        <pc:chgData name="Weifeng Xu" userId="e7aed605-a3dd-4d5a-a692-a87037af107b" providerId="ADAL" clId="{E98A395E-CF36-43EA-B9C0-D0679CEA9B84}" dt="2021-02-10T16:13:27.114" v="239" actId="108"/>
+        <pc:sldMkLst>
+          <pc:docMk/>
+          <pc:sldMk cId="1117069617" sldId="334"/>
+        </pc:sldMkLst>
+        <pc:spChg chg="add mod">
+          <ac:chgData name="Weifeng Xu" userId="e7aed605-a3dd-4d5a-a692-a87037af107b" providerId="ADAL" clId="{E98A395E-CF36-43EA-B9C0-D0679CEA9B84}" dt="2021-02-10T16:13:03.750" v="216" actId="20577"/>
+          <ac:spMkLst>
+            <pc:docMk/>
+            <pc:sldMk cId="1117069617" sldId="334"/>
+            <ac:spMk id="6" creationId="{49F4746A-0481-434F-A7E8-053B5BC0333D}"/>
+          </ac:spMkLst>
+        </pc:spChg>
+        <pc:spChg chg="add mod">
+          <ac:chgData name="Weifeng Xu" userId="e7aed605-a3dd-4d5a-a692-a87037af107b" providerId="ADAL" clId="{E98A395E-CF36-43EA-B9C0-D0679CEA9B84}" dt="2021-02-10T16:13:27.114" v="239" actId="108"/>
+          <ac:spMkLst>
+            <pc:docMk/>
+            <pc:sldMk cId="1117069617" sldId="334"/>
+            <ac:spMk id="7" creationId="{39B07126-26C2-435E-BBDA-EA909F9F5E47}"/>
+          </ac:spMkLst>
+        </pc:spChg>
+        <pc:picChg chg="add mod">
+          <ac:chgData name="Weifeng Xu" userId="e7aed605-a3dd-4d5a-a692-a87037af107b" providerId="ADAL" clId="{E98A395E-CF36-43EA-B9C0-D0679CEA9B84}" dt="2021-02-10T16:12:56.496" v="208" actId="1076"/>
+          <ac:picMkLst>
+            <pc:docMk/>
+            <pc:sldMk cId="1117069617" sldId="334"/>
+            <ac:picMk id="3" creationId="{C3656311-DE6A-4B23-9C8B-BD07DF113708}"/>
+          </ac:picMkLst>
+        </pc:picChg>
+        <pc:picChg chg="add mod">
+          <ac:chgData name="Weifeng Xu" userId="e7aed605-a3dd-4d5a-a692-a87037af107b" providerId="ADAL" clId="{E98A395E-CF36-43EA-B9C0-D0679CEA9B84}" dt="2021-02-10T16:12:20.953" v="203" actId="1076"/>
+          <ac:picMkLst>
+            <pc:docMk/>
+            <pc:sldMk cId="1117069617" sldId="334"/>
+            <ac:picMk id="5" creationId="{7EB0EABC-4739-472A-A502-2277A87AC609}"/>
           </ac:picMkLst>
         </pc:picChg>
       </pc:sldChg>
@@ -259,18 +518,26 @@
     </pc:docChg>
   </pc:docChgLst>
   <pc:docChgLst>
-    <pc:chgData name="Richard Wheeless" userId="S::id63la41@ubalt.edu::edf7d7f9-5d95-4eec-886d-0f745236a21b" providerId="AD" clId="Web-{958F2B95-A119-46FD-A9C8-D15EFF7E5855}"/>
-    <pc:docChg chg="sldOrd">
-      <pc:chgData name="Richard Wheeless" userId="S::id63la41@ubalt.edu::edf7d7f9-5d95-4eec-886d-0f745236a21b" providerId="AD" clId="Web-{958F2B95-A119-46FD-A9C8-D15EFF7E5855}" dt="2020-10-26T10:32:09.184" v="0"/>
+    <pc:chgData name="Richard Wheeless" userId="S::id63la41@ubalt.edu::edf7d7f9-5d95-4eec-886d-0f745236a21b" providerId="AD" clId="Web-{1145B16C-5E93-681B-B9BA-C7C9CDE20735}"/>
+    <pc:docChg chg="modSld">
+      <pc:chgData name="Richard Wheeless" userId="S::id63la41@ubalt.edu::edf7d7f9-5d95-4eec-886d-0f745236a21b" providerId="AD" clId="Web-{1145B16C-5E93-681B-B9BA-C7C9CDE20735}" dt="2020-10-22T20:25:25.022" v="9" actId="1076"/>
       <pc:docMkLst>
         <pc:docMk/>
       </pc:docMkLst>
-      <pc:sldChg chg="ord">
-        <pc:chgData name="Richard Wheeless" userId="S::id63la41@ubalt.edu::edf7d7f9-5d95-4eec-886d-0f745236a21b" providerId="AD" clId="Web-{958F2B95-A119-46FD-A9C8-D15EFF7E5855}" dt="2020-10-26T10:32:09.184" v="0"/>
+      <pc:sldChg chg="modSp">
+        <pc:chgData name="Richard Wheeless" userId="S::id63la41@ubalt.edu::edf7d7f9-5d95-4eec-886d-0f745236a21b" providerId="AD" clId="Web-{1145B16C-5E93-681B-B9BA-C7C9CDE20735}" dt="2020-10-22T20:25:25.022" v="9" actId="1076"/>
         <pc:sldMkLst>
           <pc:docMk/>
-          <pc:sldMk cId="3280354511" sldId="273"/>
+          <pc:sldMk cId="244327251" sldId="272"/>
         </pc:sldMkLst>
+        <pc:picChg chg="mod">
+          <ac:chgData name="Richard Wheeless" userId="S::id63la41@ubalt.edu::edf7d7f9-5d95-4eec-886d-0f745236a21b" providerId="AD" clId="Web-{1145B16C-5E93-681B-B9BA-C7C9CDE20735}" dt="2020-10-22T20:25:25.022" v="9" actId="1076"/>
+          <ac:picMkLst>
+            <pc:docMk/>
+            <pc:sldMk cId="244327251" sldId="272"/>
+            <ac:picMk id="4" creationId="{00000000-0000-0000-0000-000000000000}"/>
+          </ac:picMkLst>
+        </pc:picChg>
       </pc:sldChg>
     </pc:docChg>
   </pc:docChgLst>
@@ -359,7 +626,7 @@
           <a:p>
             <a:fld id="{EE41F6E3-57F9-402E-BDBA-5B2DE11C8530}" type="datetimeFigureOut">
               <a:rPr lang="en-US" smtClean="0"/>
-              <a:t>12/20/2020</a:t>
+              <a:t>3/25/2021</a:t>
             </a:fld>
             <a:endParaRPr lang="en-US"/>
           </a:p>
@@ -688,7 +955,7 @@
               <a:defRPr/>
             </a:pPr>
             <a:r>
-              <a:rPr lang="en-US" dirty="0" smtClean="0"/>
+              <a:rPr lang="en-US" dirty="0"/>
               <a:t>https://www.cfreds.nist.gov/data_leakage_case/data-leakage-case.html</a:t>
             </a:r>
           </a:p>
@@ -778,14 +1045,13 @@
           <a:lstStyle/>
           <a:p>
             <a:r>
-              <a:rPr lang="en-US" dirty="0" smtClean="0"/>
-              <a:t>rip.pl -r SOFTWARE -p </a:t>
-            </a:r>
-            <a:r>
-              <a:rPr lang="en-US" smtClean="0"/>
-              <a:t>winver</a:t>
-            </a:r>
-            <a:endParaRPr lang="en-US"/>
+              <a:rPr lang="en-US" dirty="0" err="1"/>
+              <a:t>fsstat</a:t>
+            </a:r>
+            <a:r>
+              <a:rPr lang="en-US" dirty="0"/>
+              <a:t> -b 512 -o 206848 cfreds_2015_data_leakage_pc.dd</a:t>
+            </a:r>
           </a:p>
         </p:txBody>
       </p:sp>
@@ -806,7 +1072,7 @@
           <a:p>
             <a:fld id="{DDBF98C7-164A-4723-84F0-B1E4B080DDEC}" type="slidenum">
               <a:rPr lang="en-US" smtClean="0"/>
-              <a:t>11</a:t>
+              <a:t>10</a:t>
             </a:fld>
             <a:endParaRPr lang="en-US"/>
           </a:p>
@@ -815,7 +1081,7 @@
     </p:spTree>
     <p:extLst>
       <p:ext uri="{BB962C8B-B14F-4D97-AF65-F5344CB8AC3E}">
-        <p14:creationId xmlns:p14="http://schemas.microsoft.com/office/powerpoint/2010/main" val="645038025"/>
+        <p14:creationId xmlns:p14="http://schemas.microsoft.com/office/powerpoint/2010/main" val="1931072807"/>
       </p:ext>
     </p:extLst>
   </p:cSld>
@@ -870,316 +1136,13 @@
           <a:lstStyle/>
           <a:p>
             <a:r>
-              <a:rPr lang="en-US" sz="1200" b="0" i="0" kern="1200" dirty="0" err="1" smtClean="0">
-                <a:solidFill>
-                  <a:schemeClr val="tx1"/>
-                </a:solidFill>
-                <a:effectLst/>
-                <a:latin typeface="+mn-lt"/>
-                <a:ea typeface="+mn-ea"/>
-                <a:cs typeface="+mn-cs"/>
-              </a:rPr>
-              <a:t>fls</a:t>
-            </a:r>
-            <a:r>
-              <a:rPr lang="en-US" sz="1200" b="0" i="0" kern="1200" dirty="0" smtClean="0">
-                <a:solidFill>
-                  <a:schemeClr val="tx1"/>
-                </a:solidFill>
-                <a:effectLst/>
-                <a:latin typeface="+mn-lt"/>
-                <a:ea typeface="+mn-ea"/>
-                <a:cs typeface="+mn-cs"/>
-              </a:rPr>
-              <a:t> -o 206848 cfreds_2015_data_leakage_pc.dd</a:t>
-            </a:r>
-          </a:p>
-          <a:p>
-            <a:r>
-              <a:rPr lang="en-US" sz="1200" b="0" i="0" kern="1200" dirty="0" smtClean="0">
-                <a:solidFill>
-                  <a:schemeClr val="tx1"/>
-                </a:solidFill>
-                <a:effectLst/>
-                <a:latin typeface="+mn-lt"/>
-                <a:ea typeface="+mn-ea"/>
-                <a:cs typeface="+mn-cs"/>
-              </a:rPr>
-              <a:t>The </a:t>
-            </a:r>
-            <a:r>
-              <a:rPr lang="en-US" sz="1200" b="0" i="0" kern="1200" dirty="0">
-                <a:solidFill>
-                  <a:schemeClr val="tx1"/>
-                </a:solidFill>
-                <a:effectLst/>
-                <a:latin typeface="+mn-lt"/>
-                <a:ea typeface="+mn-ea"/>
-                <a:cs typeface="+mn-cs"/>
-              </a:rPr>
-              <a:t>'-l' argument causes the "long" format with more details. </a:t>
-            </a:r>
-          </a:p>
-          <a:p>
-            <a:r>
-              <a:rPr lang="en-US" sz="1200" b="0" i="0" kern="1200" dirty="0">
-                <a:solidFill>
-                  <a:schemeClr val="tx1"/>
-                </a:solidFill>
-                <a:effectLst/>
-                <a:latin typeface="+mn-lt"/>
-                <a:ea typeface="+mn-ea"/>
-                <a:cs typeface="+mn-cs"/>
-              </a:rPr>
-              <a:t>file type as reported in file name and metadata structure (see above)</a:t>
-            </a:r>
-          </a:p>
-          <a:p>
-            <a:r>
-              <a:rPr lang="en-US" sz="1200" b="0" i="0" u="none" strike="noStrike" kern="1200" dirty="0">
-                <a:solidFill>
-                  <a:schemeClr val="tx1"/>
-                </a:solidFill>
-                <a:effectLst/>
-                <a:latin typeface="+mn-lt"/>
-                <a:ea typeface="+mn-ea"/>
-                <a:cs typeface="+mn-cs"/>
-                <a:hlinkClick r:id="rId3" tooltip="Metadata Address"/>
-              </a:rPr>
-              <a:t>Metadata Address</a:t>
-            </a:r>
-            <a:endParaRPr lang="en-US" sz="1200" b="0" i="0" kern="1200" dirty="0">
-              <a:solidFill>
-                <a:schemeClr val="tx1"/>
-              </a:solidFill>
-              <a:effectLst/>
-              <a:latin typeface="+mn-lt"/>
-              <a:ea typeface="+mn-ea"/>
-              <a:cs typeface="+mn-cs"/>
-            </a:endParaRPr>
-          </a:p>
-          <a:p>
-            <a:r>
-              <a:rPr lang="en-US" sz="1200" b="0" i="0" kern="1200" dirty="0">
-                <a:solidFill>
-                  <a:schemeClr val="tx1"/>
-                </a:solidFill>
-                <a:effectLst/>
-                <a:latin typeface="+mn-lt"/>
-                <a:ea typeface="+mn-ea"/>
-                <a:cs typeface="+mn-cs"/>
-              </a:rPr>
-              <a:t>name</a:t>
-            </a:r>
-          </a:p>
-          <a:p>
-            <a:r>
-              <a:rPr lang="en-US" sz="1200" b="0" i="0" kern="1200" dirty="0" err="1">
-                <a:solidFill>
-                  <a:schemeClr val="tx1"/>
-                </a:solidFill>
-                <a:effectLst/>
-                <a:latin typeface="+mn-lt"/>
-                <a:ea typeface="+mn-ea"/>
-                <a:cs typeface="+mn-cs"/>
-              </a:rPr>
-              <a:t>mtime</a:t>
-            </a:r>
-            <a:r>
-              <a:rPr lang="en-US" sz="1200" b="0" i="0" kern="1200" dirty="0">
-                <a:solidFill>
-                  <a:schemeClr val="tx1"/>
-                </a:solidFill>
-                <a:effectLst/>
-                <a:latin typeface="+mn-lt"/>
-                <a:ea typeface="+mn-ea"/>
-                <a:cs typeface="+mn-cs"/>
-              </a:rPr>
-              <a:t> (last modified time)</a:t>
-            </a:r>
-          </a:p>
-          <a:p>
-            <a:r>
-              <a:rPr lang="en-US" sz="1200" b="0" i="0" kern="1200" dirty="0" err="1">
-                <a:solidFill>
-                  <a:schemeClr val="tx1"/>
-                </a:solidFill>
-                <a:effectLst/>
-                <a:latin typeface="+mn-lt"/>
-                <a:ea typeface="+mn-ea"/>
-                <a:cs typeface="+mn-cs"/>
-              </a:rPr>
-              <a:t>atime</a:t>
-            </a:r>
-            <a:r>
-              <a:rPr lang="en-US" sz="1200" b="0" i="0" kern="1200" dirty="0">
-                <a:solidFill>
-                  <a:schemeClr val="tx1"/>
-                </a:solidFill>
-                <a:effectLst/>
-                <a:latin typeface="+mn-lt"/>
-                <a:ea typeface="+mn-ea"/>
-                <a:cs typeface="+mn-cs"/>
-              </a:rPr>
-              <a:t> (last accessed time)</a:t>
-            </a:r>
-          </a:p>
-          <a:p>
-            <a:r>
-              <a:rPr lang="en-US" sz="1200" b="0" i="0" kern="1200" dirty="0" err="1">
-                <a:solidFill>
-                  <a:schemeClr val="tx1"/>
-                </a:solidFill>
-                <a:effectLst/>
-                <a:latin typeface="+mn-lt"/>
-                <a:ea typeface="+mn-ea"/>
-                <a:cs typeface="+mn-cs"/>
-              </a:rPr>
-              <a:t>ctime</a:t>
-            </a:r>
-            <a:r>
-              <a:rPr lang="en-US" sz="1200" b="0" i="0" kern="1200" dirty="0">
-                <a:solidFill>
-                  <a:schemeClr val="tx1"/>
-                </a:solidFill>
-                <a:effectLst/>
-                <a:latin typeface="+mn-lt"/>
-                <a:ea typeface="+mn-ea"/>
-                <a:cs typeface="+mn-cs"/>
-              </a:rPr>
-              <a:t> (last changed time)</a:t>
-            </a:r>
-          </a:p>
-          <a:p>
-            <a:r>
-              <a:rPr lang="en-US" sz="1200" b="0" i="0" kern="1200" dirty="0" err="1">
-                <a:solidFill>
-                  <a:schemeClr val="tx1"/>
-                </a:solidFill>
-                <a:effectLst/>
-                <a:latin typeface="+mn-lt"/>
-                <a:ea typeface="+mn-ea"/>
-                <a:cs typeface="+mn-cs"/>
-              </a:rPr>
-              <a:t>crtime</a:t>
-            </a:r>
-            <a:r>
-              <a:rPr lang="en-US" sz="1200" b="0" i="0" kern="1200" dirty="0">
-                <a:solidFill>
-                  <a:schemeClr val="tx1"/>
-                </a:solidFill>
-                <a:effectLst/>
-                <a:latin typeface="+mn-lt"/>
-                <a:ea typeface="+mn-ea"/>
-                <a:cs typeface="+mn-cs"/>
-              </a:rPr>
-              <a:t> (created time)</a:t>
-            </a:r>
-          </a:p>
-          <a:p>
-            <a:r>
-              <a:rPr lang="en-US" sz="1200" b="0" i="0" kern="1200" dirty="0">
-                <a:solidFill>
-                  <a:schemeClr val="tx1"/>
-                </a:solidFill>
-                <a:effectLst/>
-                <a:latin typeface="+mn-lt"/>
-                <a:ea typeface="+mn-ea"/>
-                <a:cs typeface="+mn-cs"/>
-              </a:rPr>
-              <a:t>size (in bytes)</a:t>
-            </a:r>
-          </a:p>
-          <a:p>
-            <a:r>
-              <a:rPr lang="en-US" sz="1200" b="0" i="0" kern="1200" dirty="0" err="1">
-                <a:solidFill>
-                  <a:schemeClr val="tx1"/>
-                </a:solidFill>
-                <a:effectLst/>
-                <a:latin typeface="+mn-lt"/>
-                <a:ea typeface="+mn-ea"/>
-                <a:cs typeface="+mn-cs"/>
-              </a:rPr>
-              <a:t>uid</a:t>
-            </a:r>
-            <a:r>
-              <a:rPr lang="en-US" sz="1200" b="0" i="0" kern="1200" dirty="0">
-                <a:solidFill>
-                  <a:schemeClr val="tx1"/>
-                </a:solidFill>
-                <a:effectLst/>
-                <a:latin typeface="+mn-lt"/>
-                <a:ea typeface="+mn-ea"/>
-                <a:cs typeface="+mn-cs"/>
-              </a:rPr>
-              <a:t> (User ID)</a:t>
-            </a:r>
-          </a:p>
-          <a:p>
-            <a:r>
-              <a:rPr lang="en-US" sz="1200" b="0" i="0" kern="1200" dirty="0" err="1">
-                <a:solidFill>
-                  <a:schemeClr val="tx1"/>
-                </a:solidFill>
-                <a:effectLst/>
-                <a:latin typeface="+mn-lt"/>
-                <a:ea typeface="+mn-ea"/>
-                <a:cs typeface="+mn-cs"/>
-              </a:rPr>
-              <a:t>gid</a:t>
-            </a:r>
-            <a:r>
-              <a:rPr lang="en-US" sz="1200" b="0" i="0" kern="1200" dirty="0">
-                <a:solidFill>
-                  <a:schemeClr val="tx1"/>
-                </a:solidFill>
-                <a:effectLst/>
-                <a:latin typeface="+mn-lt"/>
-                <a:ea typeface="+mn-ea"/>
-                <a:cs typeface="+mn-cs"/>
-              </a:rPr>
-              <a:t> (Group ID)</a:t>
-            </a:r>
-          </a:p>
-          <a:p>
-            <a:endParaRPr lang="en-US" sz="1200" b="0" i="0" kern="1200" dirty="0">
-              <a:solidFill>
-                <a:schemeClr val="tx1"/>
-              </a:solidFill>
-              <a:effectLst/>
-              <a:latin typeface="+mn-lt"/>
-              <a:ea typeface="+mn-ea"/>
-              <a:cs typeface="+mn-cs"/>
-            </a:endParaRPr>
-          </a:p>
-          <a:p>
-            <a:r>
-              <a:rPr lang="en-US" sz="1200" b="0" i="0" kern="1200" dirty="0">
-                <a:solidFill>
-                  <a:schemeClr val="tx1"/>
-                </a:solidFill>
-                <a:effectLst/>
-                <a:latin typeface="+mn-lt"/>
-                <a:ea typeface="+mn-ea"/>
-                <a:cs typeface="+mn-cs"/>
-              </a:rPr>
-              <a:t>https://wiki.sleuthkit.org/index.php?title=Fls#-l_format</a:t>
-            </a:r>
-          </a:p>
-          <a:p>
-            <a:endParaRPr lang="en-US" sz="1200" b="0" i="0" kern="1200" dirty="0">
-              <a:solidFill>
-                <a:schemeClr val="tx1"/>
-              </a:solidFill>
-              <a:effectLst/>
-              <a:latin typeface="+mn-lt"/>
-              <a:ea typeface="+mn-ea"/>
-              <a:cs typeface="+mn-cs"/>
-            </a:endParaRPr>
-          </a:p>
-          <a:p>
-            <a:endParaRPr lang="en-US" dirty="0"/>
+              <a:rPr lang="en-US" dirty="0"/>
+              <a:t>rip.pl -r SOFTWARE -p </a:t>
+            </a:r>
+            <a:r>
+              <a:rPr lang="en-US"/>
+              <a:t>winver</a:t>
+            </a:r>
           </a:p>
         </p:txBody>
       </p:sp>
@@ -1200,7 +1163,7 @@
           <a:p>
             <a:fld id="{DDBF98C7-164A-4723-84F0-B1E4B080DDEC}" type="slidenum">
               <a:rPr lang="en-US" smtClean="0"/>
-              <a:t>12</a:t>
+              <a:t>11</a:t>
             </a:fld>
             <a:endParaRPr lang="en-US"/>
           </a:p>
@@ -1209,7 +1172,7 @@
     </p:spTree>
     <p:extLst>
       <p:ext uri="{BB962C8B-B14F-4D97-AF65-F5344CB8AC3E}">
-        <p14:creationId xmlns:p14="http://schemas.microsoft.com/office/powerpoint/2010/main" val="839065108"/>
+        <p14:creationId xmlns:p14="http://schemas.microsoft.com/office/powerpoint/2010/main" val="645038025"/>
       </p:ext>
     </p:extLst>
   </p:cSld>
@@ -1263,6 +1226,388 @@
           <a:bodyPr/>
           <a:lstStyle/>
           <a:p>
+            <a:r>
+              <a:rPr lang="en-US" sz="1200" b="0" i="0" kern="1200" dirty="0" err="1">
+                <a:solidFill>
+                  <a:schemeClr val="tx1"/>
+                </a:solidFill>
+                <a:effectLst/>
+                <a:latin typeface="+mn-lt"/>
+                <a:ea typeface="+mn-ea"/>
+                <a:cs typeface="+mn-cs"/>
+              </a:rPr>
+              <a:t>fls</a:t>
+            </a:r>
+            <a:r>
+              <a:rPr lang="en-US" sz="1200" b="0" i="0" kern="1200" dirty="0">
+                <a:solidFill>
+                  <a:schemeClr val="tx1"/>
+                </a:solidFill>
+                <a:effectLst/>
+                <a:latin typeface="+mn-lt"/>
+                <a:ea typeface="+mn-ea"/>
+                <a:cs typeface="+mn-cs"/>
+              </a:rPr>
+              <a:t> -o 206848 cfreds_2015_data_leakage_pc.dd</a:t>
+            </a:r>
+          </a:p>
+          <a:p>
+            <a:r>
+              <a:rPr lang="en-US" sz="1200" b="0" i="0" kern="1200" dirty="0">
+                <a:solidFill>
+                  <a:schemeClr val="tx1"/>
+                </a:solidFill>
+                <a:effectLst/>
+                <a:latin typeface="+mn-lt"/>
+                <a:ea typeface="+mn-ea"/>
+                <a:cs typeface="+mn-cs"/>
+              </a:rPr>
+              <a:t>The '-l' argument causes the "long" format with more details. </a:t>
+            </a:r>
+          </a:p>
+          <a:p>
+            <a:r>
+              <a:rPr lang="en-US" sz="1200" b="0" i="0" kern="1200" dirty="0">
+                <a:solidFill>
+                  <a:schemeClr val="tx1"/>
+                </a:solidFill>
+                <a:effectLst/>
+                <a:latin typeface="+mn-lt"/>
+                <a:ea typeface="+mn-ea"/>
+                <a:cs typeface="+mn-cs"/>
+              </a:rPr>
+              <a:t>file type as reported in file name and metadata structure (see above)</a:t>
+            </a:r>
+          </a:p>
+          <a:p>
+            <a:r>
+              <a:rPr lang="en-US" sz="1200" b="0" i="0" u="none" strike="noStrike" kern="1200" dirty="0">
+                <a:solidFill>
+                  <a:schemeClr val="tx1"/>
+                </a:solidFill>
+                <a:effectLst/>
+                <a:latin typeface="+mn-lt"/>
+                <a:ea typeface="+mn-ea"/>
+                <a:cs typeface="+mn-cs"/>
+                <a:hlinkClick r:id="rId3" tooltip="Metadata Address"/>
+              </a:rPr>
+              <a:t>Metadata Address</a:t>
+            </a:r>
+            <a:endParaRPr lang="en-US" sz="1200" b="0" i="0" kern="1200" dirty="0">
+              <a:solidFill>
+                <a:schemeClr val="tx1"/>
+              </a:solidFill>
+              <a:effectLst/>
+              <a:latin typeface="+mn-lt"/>
+              <a:ea typeface="+mn-ea"/>
+              <a:cs typeface="+mn-cs"/>
+            </a:endParaRPr>
+          </a:p>
+          <a:p>
+            <a:r>
+              <a:rPr lang="en-US" sz="1200" b="0" i="0" kern="1200" dirty="0">
+                <a:solidFill>
+                  <a:schemeClr val="tx1"/>
+                </a:solidFill>
+                <a:effectLst/>
+                <a:latin typeface="+mn-lt"/>
+                <a:ea typeface="+mn-ea"/>
+                <a:cs typeface="+mn-cs"/>
+              </a:rPr>
+              <a:t>name</a:t>
+            </a:r>
+          </a:p>
+          <a:p>
+            <a:r>
+              <a:rPr lang="en-US" sz="1200" b="0" i="0" kern="1200" dirty="0" err="1">
+                <a:solidFill>
+                  <a:schemeClr val="tx1"/>
+                </a:solidFill>
+                <a:effectLst/>
+                <a:latin typeface="+mn-lt"/>
+                <a:ea typeface="+mn-ea"/>
+                <a:cs typeface="+mn-cs"/>
+              </a:rPr>
+              <a:t>mtime</a:t>
+            </a:r>
+            <a:r>
+              <a:rPr lang="en-US" sz="1200" b="0" i="0" kern="1200" dirty="0">
+                <a:solidFill>
+                  <a:schemeClr val="tx1"/>
+                </a:solidFill>
+                <a:effectLst/>
+                <a:latin typeface="+mn-lt"/>
+                <a:ea typeface="+mn-ea"/>
+                <a:cs typeface="+mn-cs"/>
+              </a:rPr>
+              <a:t> (last modified time, change content)</a:t>
+            </a:r>
+          </a:p>
+          <a:p>
+            <a:r>
+              <a:rPr lang="en-US" sz="1200" b="0" i="0" kern="1200" dirty="0" err="1">
+                <a:solidFill>
+                  <a:schemeClr val="tx1"/>
+                </a:solidFill>
+                <a:effectLst/>
+                <a:latin typeface="+mn-lt"/>
+                <a:ea typeface="+mn-ea"/>
+                <a:cs typeface="+mn-cs"/>
+              </a:rPr>
+              <a:t>atime</a:t>
+            </a:r>
+            <a:r>
+              <a:rPr lang="en-US" sz="1200" b="0" i="0" kern="1200" dirty="0">
+                <a:solidFill>
+                  <a:schemeClr val="tx1"/>
+                </a:solidFill>
+                <a:effectLst/>
+                <a:latin typeface="+mn-lt"/>
+                <a:ea typeface="+mn-ea"/>
+                <a:cs typeface="+mn-cs"/>
+              </a:rPr>
+              <a:t> (last accessed time)</a:t>
+            </a:r>
+          </a:p>
+          <a:p>
+            <a:r>
+              <a:rPr lang="en-US" sz="1200" b="0" i="0" kern="1200" dirty="0" err="1">
+                <a:solidFill>
+                  <a:schemeClr val="tx1"/>
+                </a:solidFill>
+                <a:effectLst/>
+                <a:latin typeface="+mn-lt"/>
+                <a:ea typeface="+mn-ea"/>
+                <a:cs typeface="+mn-cs"/>
+              </a:rPr>
+              <a:t>ctime</a:t>
+            </a:r>
+            <a:r>
+              <a:rPr lang="en-US" sz="1200" b="0" i="0" kern="1200" dirty="0">
+                <a:solidFill>
+                  <a:schemeClr val="tx1"/>
+                </a:solidFill>
+                <a:effectLst/>
+                <a:latin typeface="+mn-lt"/>
+                <a:ea typeface="+mn-ea"/>
+                <a:cs typeface="+mn-cs"/>
+              </a:rPr>
+              <a:t> (last changed time)</a:t>
+            </a:r>
+          </a:p>
+          <a:p>
+            <a:r>
+              <a:rPr lang="en-US" sz="1200" b="0" i="0" kern="1200" dirty="0" err="1">
+                <a:solidFill>
+                  <a:schemeClr val="tx1"/>
+                </a:solidFill>
+                <a:effectLst/>
+                <a:latin typeface="+mn-lt"/>
+                <a:ea typeface="+mn-ea"/>
+                <a:cs typeface="+mn-cs"/>
+              </a:rPr>
+              <a:t>crtime</a:t>
+            </a:r>
+            <a:r>
+              <a:rPr lang="en-US" sz="1200" b="0" i="0" kern="1200" dirty="0">
+                <a:solidFill>
+                  <a:schemeClr val="tx1"/>
+                </a:solidFill>
+                <a:effectLst/>
+                <a:latin typeface="+mn-lt"/>
+                <a:ea typeface="+mn-ea"/>
+                <a:cs typeface="+mn-cs"/>
+              </a:rPr>
+              <a:t> (created time)</a:t>
+            </a:r>
+          </a:p>
+          <a:p>
+            <a:r>
+              <a:rPr lang="en-US" sz="1200" b="0" i="0" kern="1200" dirty="0">
+                <a:solidFill>
+                  <a:schemeClr val="tx1"/>
+                </a:solidFill>
+                <a:effectLst/>
+                <a:latin typeface="+mn-lt"/>
+                <a:ea typeface="+mn-ea"/>
+                <a:cs typeface="+mn-cs"/>
+              </a:rPr>
+              <a:t>size (in bytes)</a:t>
+            </a:r>
+          </a:p>
+          <a:p>
+            <a:r>
+              <a:rPr lang="en-US" sz="1200" b="0" i="0" kern="1200" dirty="0" err="1">
+                <a:solidFill>
+                  <a:schemeClr val="tx1"/>
+                </a:solidFill>
+                <a:effectLst/>
+                <a:latin typeface="+mn-lt"/>
+                <a:ea typeface="+mn-ea"/>
+                <a:cs typeface="+mn-cs"/>
+              </a:rPr>
+              <a:t>uid</a:t>
+            </a:r>
+            <a:r>
+              <a:rPr lang="en-US" sz="1200" b="0" i="0" kern="1200" dirty="0">
+                <a:solidFill>
+                  <a:schemeClr val="tx1"/>
+                </a:solidFill>
+                <a:effectLst/>
+                <a:latin typeface="+mn-lt"/>
+                <a:ea typeface="+mn-ea"/>
+                <a:cs typeface="+mn-cs"/>
+              </a:rPr>
+              <a:t> (User ID)</a:t>
+            </a:r>
+          </a:p>
+          <a:p>
+            <a:r>
+              <a:rPr lang="en-US" sz="1200" b="0" i="0" kern="1200" dirty="0" err="1">
+                <a:solidFill>
+                  <a:schemeClr val="tx1"/>
+                </a:solidFill>
+                <a:effectLst/>
+                <a:latin typeface="+mn-lt"/>
+                <a:ea typeface="+mn-ea"/>
+                <a:cs typeface="+mn-cs"/>
+              </a:rPr>
+              <a:t>gid</a:t>
+            </a:r>
+            <a:r>
+              <a:rPr lang="en-US" sz="1200" b="0" i="0" kern="1200" dirty="0">
+                <a:solidFill>
+                  <a:schemeClr val="tx1"/>
+                </a:solidFill>
+                <a:effectLst/>
+                <a:latin typeface="+mn-lt"/>
+                <a:ea typeface="+mn-ea"/>
+                <a:cs typeface="+mn-cs"/>
+              </a:rPr>
+              <a:t> (Group ID)</a:t>
+            </a:r>
+          </a:p>
+          <a:p>
+            <a:endParaRPr lang="en-US" sz="1200" b="0" i="0" kern="1200" dirty="0">
+              <a:solidFill>
+                <a:schemeClr val="tx1"/>
+              </a:solidFill>
+              <a:effectLst/>
+              <a:latin typeface="+mn-lt"/>
+              <a:ea typeface="+mn-ea"/>
+              <a:cs typeface="+mn-cs"/>
+            </a:endParaRPr>
+          </a:p>
+          <a:p>
+            <a:r>
+              <a:rPr lang="en-US" sz="1200" b="0" i="0" kern="1200" dirty="0">
+                <a:solidFill>
+                  <a:schemeClr val="tx1"/>
+                </a:solidFill>
+                <a:effectLst/>
+                <a:latin typeface="+mn-lt"/>
+                <a:ea typeface="+mn-ea"/>
+                <a:cs typeface="+mn-cs"/>
+              </a:rPr>
+              <a:t>https://wiki.sleuthkit.org/index.php?title=Fls#-l_format</a:t>
+            </a:r>
+          </a:p>
+          <a:p>
+            <a:endParaRPr lang="en-US" sz="1200" b="0" i="0" kern="1200" dirty="0">
+              <a:solidFill>
+                <a:schemeClr val="tx1"/>
+              </a:solidFill>
+              <a:effectLst/>
+              <a:latin typeface="+mn-lt"/>
+              <a:ea typeface="+mn-ea"/>
+              <a:cs typeface="+mn-cs"/>
+            </a:endParaRPr>
+          </a:p>
+          <a:p>
+            <a:endParaRPr lang="en-US" dirty="0"/>
+          </a:p>
+        </p:txBody>
+      </p:sp>
+      <p:sp>
+        <p:nvSpPr>
+          <p:cNvPr id="4" name="Slide Number Placeholder 3"/>
+          <p:cNvSpPr>
+            <a:spLocks noGrp="1"/>
+          </p:cNvSpPr>
+          <p:nvPr>
+            <p:ph type="sldNum" sz="quarter" idx="10"/>
+          </p:nvPr>
+        </p:nvSpPr>
+        <p:spPr/>
+        <p:txBody>
+          <a:bodyPr/>
+          <a:lstStyle/>
+          <a:p>
+            <a:fld id="{DDBF98C7-164A-4723-84F0-B1E4B080DDEC}" type="slidenum">
+              <a:rPr lang="en-US" smtClean="0"/>
+              <a:t>12</a:t>
+            </a:fld>
+            <a:endParaRPr lang="en-US"/>
+          </a:p>
+        </p:txBody>
+      </p:sp>
+    </p:spTree>
+    <p:extLst>
+      <p:ext uri="{BB962C8B-B14F-4D97-AF65-F5344CB8AC3E}">
+        <p14:creationId xmlns:p14="http://schemas.microsoft.com/office/powerpoint/2010/main" val="839065108"/>
+      </p:ext>
+    </p:extLst>
+  </p:cSld>
+  <p:clrMapOvr>
+    <a:masterClrMapping/>
+  </p:clrMapOvr>
+</p:notes>
+</file>
+
+<file path=ppt/notesSlides/notesSlide13.xml><?xml version="1.0" encoding="utf-8"?>
+<p:notes xmlns:a="http://schemas.openxmlformats.org/drawingml/2006/main" xmlns:r="http://schemas.openxmlformats.org/officeDocument/2006/relationships" xmlns:p="http://schemas.openxmlformats.org/presentationml/2006/main">
+  <p:cSld>
+    <p:spTree>
+      <p:nvGrpSpPr>
+        <p:cNvPr id="1" name=""/>
+        <p:cNvGrpSpPr/>
+        <p:nvPr/>
+      </p:nvGrpSpPr>
+      <p:grpSpPr>
+        <a:xfrm>
+          <a:off x="0" y="0"/>
+          <a:ext cx="0" cy="0"/>
+          <a:chOff x="0" y="0"/>
+          <a:chExt cx="0" cy="0"/>
+        </a:xfrm>
+      </p:grpSpPr>
+      <p:sp>
+        <p:nvSpPr>
+          <p:cNvPr id="2" name="Slide Image Placeholder 1"/>
+          <p:cNvSpPr>
+            <a:spLocks noGrp="1" noRot="1" noChangeAspect="1"/>
+          </p:cNvSpPr>
+          <p:nvPr>
+            <p:ph type="sldImg"/>
+          </p:nvPr>
+        </p:nvSpPr>
+        <p:spPr/>
+      </p:sp>
+      <p:sp>
+        <p:nvSpPr>
+          <p:cNvPr id="3" name="Notes Placeholder 2"/>
+          <p:cNvSpPr>
+            <a:spLocks noGrp="1"/>
+          </p:cNvSpPr>
+          <p:nvPr>
+            <p:ph type="body" idx="1"/>
+          </p:nvPr>
+        </p:nvSpPr>
+        <p:spPr/>
+        <p:txBody>
+          <a:bodyPr/>
+          <a:lstStyle/>
+          <a:p>
             <a:pPr marL="0" marR="0" lvl="0" indent="0" algn="l" defTabSz="914400" rtl="0" eaLnBrk="1" fontAlgn="auto" latinLnBrk="0" hangingPunct="1">
               <a:lnSpc>
                 <a:spcPct val="100000"/>
@@ -1290,124 +1635,8 @@
                 <a:ea typeface="+mn-ea"/>
                 <a:cs typeface="+mn-cs"/>
               </a:rPr>
-              <a:t>https://</a:t>
-            </a:r>
-            <a:r>
-              <a:rPr lang="en-US" sz="1200" b="0" i="0" kern="1200" dirty="0" smtClean="0">
-                <a:solidFill>
-                  <a:schemeClr val="tx1"/>
-                </a:solidFill>
-                <a:effectLst/>
-                <a:latin typeface="+mn-lt"/>
-                <a:ea typeface="+mn-ea"/>
-                <a:cs typeface="+mn-cs"/>
-              </a:rPr>
-              <a:t>syang.io/2015/01/30/Sleuth-Kit-05.html</a:t>
-            </a:r>
-          </a:p>
-          <a:p>
-            <a:pPr marL="0" marR="0" lvl="0" indent="0" algn="l" defTabSz="914400" rtl="0" eaLnBrk="1" fontAlgn="auto" latinLnBrk="0" hangingPunct="1">
-              <a:lnSpc>
-                <a:spcPct val="100000"/>
-              </a:lnSpc>
-              <a:spcBef>
-                <a:spcPts val="0"/>
-              </a:spcBef>
-              <a:spcAft>
-                <a:spcPts val="0"/>
-              </a:spcAft>
-              <a:buClrTx/>
-              <a:buSzTx/>
-              <a:buFontTx/>
-              <a:buNone/>
-              <a:tabLst/>
-              <a:defRPr/>
-            </a:pPr>
-            <a:endParaRPr lang="en-US" sz="1200" b="0" i="0" kern="1200" dirty="0" smtClean="0">
-              <a:solidFill>
-                <a:schemeClr val="tx1"/>
-              </a:solidFill>
-              <a:effectLst/>
-              <a:latin typeface="+mn-lt"/>
-              <a:ea typeface="+mn-ea"/>
-              <a:cs typeface="+mn-cs"/>
-            </a:endParaRPr>
-          </a:p>
-          <a:p>
-            <a:pPr marL="0" marR="0" lvl="0" indent="0" algn="l" defTabSz="914400" rtl="0" eaLnBrk="1" fontAlgn="auto" latinLnBrk="0" hangingPunct="1">
-              <a:lnSpc>
-                <a:spcPct val="100000"/>
-              </a:lnSpc>
-              <a:spcBef>
-                <a:spcPts val="0"/>
-              </a:spcBef>
-              <a:spcAft>
-                <a:spcPts val="0"/>
-              </a:spcAft>
-              <a:buClrTx/>
-              <a:buSzTx/>
-              <a:buFontTx/>
-              <a:buNone/>
-              <a:tabLst/>
-              <a:defRPr/>
-            </a:pPr>
-            <a:r>
-              <a:rPr lang="en-US" sz="1200" b="0" i="0" kern="1200" dirty="0" err="1" smtClean="0">
-                <a:solidFill>
-                  <a:schemeClr val="tx1"/>
-                </a:solidFill>
-                <a:effectLst/>
-                <a:latin typeface="+mn-lt"/>
-                <a:ea typeface="+mn-ea"/>
-                <a:cs typeface="+mn-cs"/>
-              </a:rPr>
-              <a:t>fls</a:t>
-            </a:r>
-            <a:r>
-              <a:rPr lang="en-US" sz="1200" b="0" i="0" kern="1200" dirty="0" smtClean="0">
-                <a:solidFill>
-                  <a:schemeClr val="tx1"/>
-                </a:solidFill>
-                <a:effectLst/>
-                <a:latin typeface="+mn-lt"/>
-                <a:ea typeface="+mn-ea"/>
-                <a:cs typeface="+mn-cs"/>
-              </a:rPr>
-              <a:t> -</a:t>
-            </a:r>
-            <a:r>
-              <a:rPr lang="en-US" sz="1200" b="0" i="0" kern="1200" dirty="0" err="1" smtClean="0">
-                <a:solidFill>
-                  <a:schemeClr val="tx1"/>
-                </a:solidFill>
-                <a:effectLst/>
-                <a:latin typeface="+mn-lt"/>
-                <a:ea typeface="+mn-ea"/>
-                <a:cs typeface="+mn-cs"/>
-              </a:rPr>
-              <a:t>rdF</a:t>
-            </a:r>
-            <a:r>
-              <a:rPr lang="en-US" sz="1200" b="0" i="0" kern="1200" smtClean="0">
-                <a:solidFill>
-                  <a:schemeClr val="tx1"/>
-                </a:solidFill>
-                <a:effectLst/>
-                <a:latin typeface="+mn-lt"/>
-                <a:ea typeface="+mn-ea"/>
-                <a:cs typeface="+mn-cs"/>
-              </a:rPr>
-              <a:t> -o 206848 cfreds_2015_data_leakage_pc.dd</a:t>
-            </a:r>
-            <a:endParaRPr lang="en-US" sz="1200" b="0" i="0" kern="1200" dirty="0" smtClean="0">
-              <a:solidFill>
-                <a:schemeClr val="tx1"/>
-              </a:solidFill>
-              <a:effectLst/>
-              <a:latin typeface="+mn-lt"/>
-              <a:ea typeface="+mn-ea"/>
-              <a:cs typeface="+mn-cs"/>
-            </a:endParaRPr>
+              <a:t>https://syang.io/2015/01/30/Sleuth-Kit-05.html</a:t>
+            </a:r>
           </a:p>
           <a:p>
             <a:pPr marL="0" marR="0" lvl="0" indent="0" algn="l" defTabSz="914400" rtl="0" eaLnBrk="1" fontAlgn="auto" latinLnBrk="0" hangingPunct="1">
@@ -1438,6 +1667,101 @@
             </a:endParaRPr>
           </a:p>
           <a:p>
+            <a:pPr marL="0" marR="0" lvl="0" indent="0" algn="l" defTabSz="914400" rtl="0" eaLnBrk="1" fontAlgn="auto" latinLnBrk="0" hangingPunct="1">
+              <a:lnSpc>
+                <a:spcPct val="100000"/>
+              </a:lnSpc>
+              <a:spcBef>
+                <a:spcPts val="0"/>
+              </a:spcBef>
+              <a:spcAft>
+                <a:spcPts val="0"/>
+              </a:spcAft>
+              <a:buClrTx/>
+              <a:buSzTx/>
+              <a:buFontTx/>
+              <a:buNone/>
+              <a:tabLst/>
+              <a:defRPr/>
+            </a:pPr>
+            <a:r>
+              <a:rPr lang="en-US" sz="1200" b="0" i="0" kern="1200" dirty="0" err="1">
+                <a:solidFill>
+                  <a:schemeClr val="tx1"/>
+                </a:solidFill>
+                <a:effectLst/>
+                <a:latin typeface="+mn-lt"/>
+                <a:ea typeface="+mn-ea"/>
+                <a:cs typeface="+mn-cs"/>
+              </a:rPr>
+              <a:t>fls</a:t>
+            </a:r>
+            <a:r>
+              <a:rPr lang="en-US" sz="1200" b="0" i="0" kern="1200" dirty="0">
+                <a:solidFill>
+                  <a:schemeClr val="tx1"/>
+                </a:solidFill>
+                <a:effectLst/>
+                <a:latin typeface="+mn-lt"/>
+                <a:ea typeface="+mn-ea"/>
+                <a:cs typeface="+mn-cs"/>
+              </a:rPr>
+              <a:t> -</a:t>
+            </a:r>
+            <a:r>
+              <a:rPr lang="en-US" sz="1200" b="0" i="0" kern="1200" dirty="0" err="1">
+                <a:solidFill>
+                  <a:schemeClr val="tx1"/>
+                </a:solidFill>
+                <a:effectLst/>
+                <a:latin typeface="+mn-lt"/>
+                <a:ea typeface="+mn-ea"/>
+                <a:cs typeface="+mn-cs"/>
+              </a:rPr>
+              <a:t>rdF</a:t>
+            </a:r>
+            <a:r>
+              <a:rPr lang="en-US" sz="1200" b="0" i="0" kern="1200" dirty="0">
+                <a:solidFill>
+                  <a:schemeClr val="tx1"/>
+                </a:solidFill>
+                <a:effectLst/>
+                <a:latin typeface="+mn-lt"/>
+                <a:ea typeface="+mn-ea"/>
+                <a:cs typeface="+mn-cs"/>
+              </a:rPr>
+              <a:t> -o 206848 cfreds_2015_data_leakage_pc.dd </a:t>
+            </a:r>
+          </a:p>
+          <a:p>
+            <a:pPr marL="0" marR="0" lvl="0" indent="0" algn="l" defTabSz="914400" rtl="0" eaLnBrk="1" fontAlgn="auto" latinLnBrk="0" hangingPunct="1">
+              <a:lnSpc>
+                <a:spcPct val="100000"/>
+              </a:lnSpc>
+              <a:spcBef>
+                <a:spcPts val="0"/>
+              </a:spcBef>
+              <a:spcAft>
+                <a:spcPts val="0"/>
+              </a:spcAft>
+              <a:buClrTx/>
+              <a:buSzTx/>
+              <a:buFontTx/>
+              <a:buNone/>
+              <a:tabLst/>
+              <a:defRPr/>
+            </a:pPr>
+            <a:endParaRPr lang="en-US" sz="1200" b="0" i="0" kern="1200" dirty="0">
+              <a:solidFill>
+                <a:schemeClr val="tx1"/>
+              </a:solidFill>
+              <a:effectLst/>
+              <a:latin typeface="+mn-lt"/>
+              <a:ea typeface="+mn-ea"/>
+              <a:cs typeface="+mn-cs"/>
+            </a:endParaRPr>
+          </a:p>
+          <a:p>
             <a:endParaRPr lang="en-US" dirty="0"/>
           </a:p>
         </p:txBody>
@@ -1469,105 +1793,6 @@
     <p:extLst>
       <p:ext uri="{BB962C8B-B14F-4D97-AF65-F5344CB8AC3E}">
         <p14:creationId xmlns:p14="http://schemas.microsoft.com/office/powerpoint/2010/main" val="2523784615"/>
-      </p:ext>
-    </p:extLst>
-  </p:cSld>
-  <p:clrMapOvr>
-    <a:masterClrMapping/>
-  </p:clrMapOvr>
-</p:notes>
-</file>
-
-<file path=ppt/notesSlides/notesSlide13.xml><?xml version="1.0" encoding="utf-8"?>
-<p:notes xmlns:a="http://schemas.openxmlformats.org/drawingml/2006/main" xmlns:r="http://schemas.openxmlformats.org/officeDocument/2006/relationships" xmlns:p="http://schemas.openxmlformats.org/presentationml/2006/main">
-  <p:cSld>
-    <p:spTree>
-      <p:nvGrpSpPr>
-        <p:cNvPr id="1" name=""/>
-        <p:cNvGrpSpPr/>
-        <p:nvPr/>
-      </p:nvGrpSpPr>
-      <p:grpSpPr>
-        <a:xfrm>
-          <a:off x="0" y="0"/>
-          <a:ext cx="0" cy="0"/>
-          <a:chOff x="0" y="0"/>
-          <a:chExt cx="0" cy="0"/>
-        </a:xfrm>
-      </p:grpSpPr>
-      <p:sp>
-        <p:nvSpPr>
-          <p:cNvPr id="2" name="Slide Image Placeholder 1"/>
-          <p:cNvSpPr>
-            <a:spLocks noGrp="1" noRot="1" noChangeAspect="1"/>
-          </p:cNvSpPr>
-          <p:nvPr>
-            <p:ph type="sldImg"/>
-          </p:nvPr>
-        </p:nvSpPr>
-        <p:spPr/>
-      </p:sp>
-      <p:sp>
-        <p:nvSpPr>
-          <p:cNvPr id="3" name="Notes Placeholder 2"/>
-          <p:cNvSpPr>
-            <a:spLocks noGrp="1"/>
-          </p:cNvSpPr>
-          <p:nvPr>
-            <p:ph type="body" idx="1"/>
-          </p:nvPr>
-        </p:nvSpPr>
-        <p:spPr/>
-        <p:txBody>
-          <a:bodyPr/>
-          <a:lstStyle/>
-          <a:p>
-            <a:r>
-              <a:rPr lang="en-US" dirty="0"/>
-              <a:t>https://raw.githubusercontent.com/siftgrab/siftgrab/master/regripper.conf/RegRipper30-apt-git-Install.sh</a:t>
-            </a:r>
-          </a:p>
-          <a:p>
-            <a:r>
-              <a:rPr lang="en-US" dirty="0"/>
-              <a:t>https://medium.com/@stdout_/installing-regripper-v2-8-on-ubuntu-26dc8bc8a2d3</a:t>
-            </a:r>
-          </a:p>
-          <a:p>
-            <a:r>
-              <a:rPr lang="en-US" dirty="0"/>
-              <a:t>https://github.com/keydet89/RegRipper3.0</a:t>
-            </a:r>
-          </a:p>
-        </p:txBody>
-      </p:sp>
-      <p:sp>
-        <p:nvSpPr>
-          <p:cNvPr id="4" name="Slide Number Placeholder 3"/>
-          <p:cNvSpPr>
-            <a:spLocks noGrp="1"/>
-          </p:cNvSpPr>
-          <p:nvPr>
-            <p:ph type="sldNum" sz="quarter" idx="10"/>
-          </p:nvPr>
-        </p:nvSpPr>
-        <p:spPr/>
-        <p:txBody>
-          <a:bodyPr/>
-          <a:lstStyle/>
-          <a:p>
-            <a:fld id="{DDBF98C7-164A-4723-84F0-B1E4B080DDEC}" type="slidenum">
-              <a:rPr lang="en-US" smtClean="0"/>
-              <a:t>15</a:t>
-            </a:fld>
-            <a:endParaRPr lang="en-US"/>
-          </a:p>
-        </p:txBody>
-      </p:sp>
-    </p:spTree>
-    <p:extLst>
-      <p:ext uri="{BB962C8B-B14F-4D97-AF65-F5344CB8AC3E}">
-        <p14:creationId xmlns:p14="http://schemas.microsoft.com/office/powerpoint/2010/main" val="1750558777"/>
       </p:ext>
     </p:extLst>
   </p:cSld>
@@ -1622,26 +1847,21 @@
           <a:lstStyle/>
           <a:p>
             <a:r>
-              <a:rPr lang="en-US" dirty="0" smtClean="0"/>
-              <a:t>rip.pl -r SAM -P </a:t>
-            </a:r>
-            <a:r>
-              <a:rPr lang="en-US" dirty="0" err="1" smtClean="0"/>
-              <a:t>samparse</a:t>
-            </a:r>
-            <a:r>
-              <a:rPr lang="en-US" dirty="0" smtClean="0"/>
-              <a:t> | grep -E "</a:t>
-            </a:r>
-            <a:r>
-              <a:rPr lang="en-US" dirty="0" err="1" smtClean="0"/>
-              <a:t>Username|Created|Date</a:t>
-            </a:r>
-            <a:r>
-              <a:rPr lang="en-US" dirty="0" smtClean="0"/>
-              <a:t>"</a:t>
-            </a:r>
-            <a:endParaRPr lang="en-US" dirty="0"/>
+              <a:rPr lang="en-US" dirty="0"/>
+              <a:t>https://raw.githubusercontent.com/siftgrab/siftgrab/master/regripper.conf/RegRipper30-apt-git-Install.sh</a:t>
+            </a:r>
+          </a:p>
+          <a:p>
+            <a:r>
+              <a:rPr lang="en-US" dirty="0"/>
+              <a:t>https://medium.com/@stdout_/installing-regripper-v2-8-on-ubuntu-26dc8bc8a2d3</a:t>
+            </a:r>
+          </a:p>
+          <a:p>
+            <a:r>
+              <a:rPr lang="en-US" dirty="0"/>
+              <a:t>https://github.com/keydet89/RegRipper3.0</a:t>
+            </a:r>
           </a:p>
         </p:txBody>
       </p:sp>
@@ -1662,7 +1882,7 @@
           <a:p>
             <a:fld id="{DDBF98C7-164A-4723-84F0-B1E4B080DDEC}" type="slidenum">
               <a:rPr lang="en-US" smtClean="0"/>
-              <a:t>22</a:t>
+              <a:t>15</a:t>
             </a:fld>
             <a:endParaRPr lang="en-US"/>
           </a:p>
@@ -1671,7 +1891,7 @@
     </p:spTree>
     <p:extLst>
       <p:ext uri="{BB962C8B-B14F-4D97-AF65-F5344CB8AC3E}">
-        <p14:creationId xmlns:p14="http://schemas.microsoft.com/office/powerpoint/2010/main" val="4280160123"/>
+        <p14:creationId xmlns:p14="http://schemas.microsoft.com/office/powerpoint/2010/main" val="1750558777"/>
       </p:ext>
     </p:extLst>
   </p:cSld>
@@ -1727,7 +1947,23 @@
           <a:p>
             <a:r>
               <a:rPr lang="en-US" dirty="0"/>
-              <a:t>https://pentestlab.blog/tag/lsa/#:~:text=LSA%20Secrets%20is%20a%20registry,host%2C%20local%20security%20policy%20etc.&amp;text=Registry%20keys%20of%20interest%20are,as%20they%20contain%20password%20hashes.</a:t>
+              <a:t>rip.pl -r SAM -P </a:t>
+            </a:r>
+            <a:r>
+              <a:rPr lang="en-US" dirty="0" err="1"/>
+              <a:t>samparse</a:t>
+            </a:r>
+            <a:r>
+              <a:rPr lang="en-US" dirty="0"/>
+              <a:t> | grep -E "</a:t>
+            </a:r>
+            <a:r>
+              <a:rPr lang="en-US" dirty="0" err="1"/>
+              <a:t>Username|Created|Date</a:t>
+            </a:r>
+            <a:r>
+              <a:rPr lang="en-US" dirty="0"/>
+              <a:t>"</a:t>
             </a:r>
           </a:p>
         </p:txBody>
@@ -1749,7 +1985,7 @@
           <a:p>
             <a:fld id="{DDBF98C7-164A-4723-84F0-B1E4B080DDEC}" type="slidenum">
               <a:rPr lang="en-US" smtClean="0"/>
-              <a:t>23</a:t>
+              <a:t>22</a:t>
             </a:fld>
             <a:endParaRPr lang="en-US"/>
           </a:p>
@@ -1758,7 +1994,7 @@
     </p:spTree>
     <p:extLst>
       <p:ext uri="{BB962C8B-B14F-4D97-AF65-F5344CB8AC3E}">
-        <p14:creationId xmlns:p14="http://schemas.microsoft.com/office/powerpoint/2010/main" val="3975339883"/>
+        <p14:creationId xmlns:p14="http://schemas.microsoft.com/office/powerpoint/2010/main" val="4280160123"/>
       </p:ext>
     </p:extLst>
   </p:cSld>
@@ -1813,10 +2049,9 @@
           <a:lstStyle/>
           <a:p>
             <a:r>
-              <a:rPr lang="en-US" dirty="0" smtClean="0"/>
-              <a:t>rip.pl -r SYSTEM -P shutdown</a:t>
-            </a:r>
-            <a:endParaRPr lang="en-US" dirty="0"/>
+              <a:rPr lang="en-US" dirty="0"/>
+              <a:t>https://pentestlab.blog/tag/lsa/#:~:text=LSA%20Secrets%20is%20a%20registry,host%2C%20local%20security%20policy%20etc.&amp;text=Registry%20keys%20of%20interest%20are,as%20they%20contain%20password%20hashes.</a:t>
+            </a:r>
           </a:p>
         </p:txBody>
       </p:sp>
@@ -1837,7 +2072,7 @@
           <a:p>
             <a:fld id="{DDBF98C7-164A-4723-84F0-B1E4B080DDEC}" type="slidenum">
               <a:rPr lang="en-US" smtClean="0"/>
-              <a:t>26</a:t>
+              <a:t>23</a:t>
             </a:fld>
             <a:endParaRPr lang="en-US"/>
           </a:p>
@@ -1846,7 +2081,7 @@
     </p:spTree>
     <p:extLst>
       <p:ext uri="{BB962C8B-B14F-4D97-AF65-F5344CB8AC3E}">
-        <p14:creationId xmlns:p14="http://schemas.microsoft.com/office/powerpoint/2010/main" val="1086994827"/>
+        <p14:creationId xmlns:p14="http://schemas.microsoft.com/office/powerpoint/2010/main" val="3975339883"/>
       </p:ext>
     </p:extLst>
   </p:cSld>
@@ -1901,10 +2136,9 @@
           <a:lstStyle/>
           <a:p>
             <a:r>
-              <a:rPr lang="pl-PL" dirty="0" smtClean="0"/>
-              <a:t>rip.pl -r SYSTEM -P nic2</a:t>
-            </a:r>
-            <a:endParaRPr lang="en-US" dirty="0"/>
+              <a:rPr lang="en-US" dirty="0"/>
+              <a:t>rip.pl -r SYSTEM -P shutdown</a:t>
+            </a:r>
           </a:p>
         </p:txBody>
       </p:sp>
@@ -1925,7 +2159,7 @@
           <a:p>
             <a:fld id="{DDBF98C7-164A-4723-84F0-B1E4B080DDEC}" type="slidenum">
               <a:rPr lang="en-US" smtClean="0"/>
-              <a:t>27</a:t>
+              <a:t>26</a:t>
             </a:fld>
             <a:endParaRPr lang="en-US"/>
           </a:p>
@@ -1934,7 +2168,7 @@
     </p:spTree>
     <p:extLst>
       <p:ext uri="{BB962C8B-B14F-4D97-AF65-F5344CB8AC3E}">
-        <p14:creationId xmlns:p14="http://schemas.microsoft.com/office/powerpoint/2010/main" val="2365787187"/>
+        <p14:creationId xmlns:p14="http://schemas.microsoft.com/office/powerpoint/2010/main" val="1086994827"/>
       </p:ext>
     </p:extLst>
   </p:cSld>
@@ -1989,8 +2223,8 @@
           <a:lstStyle/>
           <a:p>
             <a:r>
-              <a:rPr lang="en-US" dirty="0" smtClean="0"/>
-              <a:t>rip.pl -r SOFTWARE -p uninstall | head -n 12</a:t>
+              <a:rPr lang="pl-PL" dirty="0"/>
+              <a:t>rip.pl -r SYSTEM -P nic2</a:t>
             </a:r>
             <a:endParaRPr lang="en-US" dirty="0"/>
           </a:p>
@@ -2013,7 +2247,7 @@
           <a:p>
             <a:fld id="{DDBF98C7-164A-4723-84F0-B1E4B080DDEC}" type="slidenum">
               <a:rPr lang="en-US" smtClean="0"/>
-              <a:t>29</a:t>
+              <a:t>27</a:t>
             </a:fld>
             <a:endParaRPr lang="en-US"/>
           </a:p>
@@ -2022,7 +2256,7 @@
     </p:spTree>
     <p:extLst>
       <p:ext uri="{BB962C8B-B14F-4D97-AF65-F5344CB8AC3E}">
-        <p14:creationId xmlns:p14="http://schemas.microsoft.com/office/powerpoint/2010/main" val="1416257069"/>
+        <p14:creationId xmlns:p14="http://schemas.microsoft.com/office/powerpoint/2010/main" val="2365787187"/>
       </p:ext>
     </p:extLst>
   </p:cSld>
@@ -2077,10 +2311,9 @@
           <a:lstStyle/>
           <a:p>
             <a:r>
-              <a:rPr lang="en-US" dirty="0" smtClean="0"/>
-              <a:t>https://www.fireeye.com/blog/threat-research/2015/06/caching_out_the_val.html#:~:text=These%20Application%20Compatibility%20Cache%20(%E2%80%9CShimcache,compatibility%20issues%20with%20executed%20programs.</a:t>
-            </a:r>
-            <a:endParaRPr lang="en-US" dirty="0"/>
+              <a:rPr lang="en-US" dirty="0"/>
+              <a:t>rip.pl -r SOFTWARE -p uninstall | head -n 12</a:t>
+            </a:r>
           </a:p>
         </p:txBody>
       </p:sp>
@@ -2101,7 +2334,7 @@
           <a:p>
             <a:fld id="{DDBF98C7-164A-4723-84F0-B1E4B080DDEC}" type="slidenum">
               <a:rPr lang="en-US" smtClean="0"/>
-              <a:t>31</a:t>
+              <a:t>29</a:t>
             </a:fld>
             <a:endParaRPr lang="en-US"/>
           </a:p>
@@ -2110,7 +2343,7 @@
     </p:spTree>
     <p:extLst>
       <p:ext uri="{BB962C8B-B14F-4D97-AF65-F5344CB8AC3E}">
-        <p14:creationId xmlns:p14="http://schemas.microsoft.com/office/powerpoint/2010/main" val="2265175430"/>
+        <p14:creationId xmlns:p14="http://schemas.microsoft.com/office/powerpoint/2010/main" val="1416257069"/>
       </p:ext>
     </p:extLst>
   </p:cSld>
@@ -2264,20 +2497,9 @@
           <a:lstStyle/>
           <a:p>
             <a:r>
-              <a:rPr lang="en-US" dirty="0" smtClean="0"/>
-              <a:t>https://www.fireeye.com/blog/threat-research/2015/06/caching_out_the_val.html#:~:text=These%20Application%20Compatibility%20Cache%20(%E2%80%9CShimcache,compatibility%20issues%20with%20executed%20programs</a:t>
-            </a:r>
-            <a:r>
-              <a:rPr lang="en-US" dirty="0" smtClean="0"/>
-              <a:t>.</a:t>
-            </a:r>
-          </a:p>
-          <a:p>
-            <a:r>
-              <a:rPr lang="en-US" dirty="0" smtClean="0"/>
-              <a:t>https://lifars.com/wp-content/uploads/2017/03/Technical_tool_Amcache_Shimcache.pdf</a:t>
-            </a:r>
-            <a:endParaRPr lang="en-US" dirty="0"/>
+              <a:rPr lang="en-US" dirty="0"/>
+              <a:t>https://www.fireeye.com/blog/threat-research/2015/06/caching_out_the_val.html#:~:text=These%20Application%20Compatibility%20Cache%20(%E2%80%9CShimcache,compatibility%20issues%20with%20executed%20programs.</a:t>
+            </a:r>
           </a:p>
         </p:txBody>
       </p:sp>
@@ -2298,7 +2520,7 @@
           <a:p>
             <a:fld id="{DDBF98C7-164A-4723-84F0-B1E4B080DDEC}" type="slidenum">
               <a:rPr lang="en-US" smtClean="0"/>
-              <a:t>32</a:t>
+              <a:t>31</a:t>
             </a:fld>
             <a:endParaRPr lang="en-US"/>
           </a:p>
@@ -2307,7 +2529,7 @@
     </p:spTree>
     <p:extLst>
       <p:ext uri="{BB962C8B-B14F-4D97-AF65-F5344CB8AC3E}">
-        <p14:creationId xmlns:p14="http://schemas.microsoft.com/office/powerpoint/2010/main" val="330646049"/>
+        <p14:creationId xmlns:p14="http://schemas.microsoft.com/office/powerpoint/2010/main" val="2265175430"/>
       </p:ext>
     </p:extLst>
   </p:cSld>
@@ -2362,10 +2584,15 @@
           <a:lstStyle/>
           <a:p>
             <a:r>
-              <a:rPr lang="de-DE" dirty="0" smtClean="0"/>
-              <a:t>rip.pl -r SYSTEM -p shimcache</a:t>
-            </a:r>
-            <a:endParaRPr lang="en-US" dirty="0"/>
+              <a:rPr lang="en-US" dirty="0"/>
+              <a:t>https://www.fireeye.com/blog/threat-research/2015/06/caching_out_the_val.html#:~:text=These%20Application%20Compatibility%20Cache%20(%E2%80%9CShimcache,compatibility%20issues%20with%20executed%20programs.</a:t>
+            </a:r>
+          </a:p>
+          <a:p>
+            <a:r>
+              <a:rPr lang="en-US" dirty="0"/>
+              <a:t>https://lifars.com/wp-content/uploads/2017/03/Technical_tool_Amcache_Shimcache.pdf</a:t>
+            </a:r>
           </a:p>
         </p:txBody>
       </p:sp>
@@ -2386,7 +2613,7 @@
           <a:p>
             <a:fld id="{DDBF98C7-164A-4723-84F0-B1E4B080DDEC}" type="slidenum">
               <a:rPr lang="en-US" smtClean="0"/>
-              <a:t>33</a:t>
+              <a:t>32</a:t>
             </a:fld>
             <a:endParaRPr lang="en-US"/>
           </a:p>
@@ -2395,7 +2622,7 @@
     </p:spTree>
     <p:extLst>
       <p:ext uri="{BB962C8B-B14F-4D97-AF65-F5344CB8AC3E}">
-        <p14:creationId xmlns:p14="http://schemas.microsoft.com/office/powerpoint/2010/main" val="4162121236"/>
+        <p14:creationId xmlns:p14="http://schemas.microsoft.com/office/powerpoint/2010/main" val="330646049"/>
       </p:ext>
     </p:extLst>
   </p:cSld>
@@ -2450,18 +2677,8 @@
           <a:lstStyle/>
           <a:p>
             <a:r>
-              <a:rPr lang="en-US" dirty="0" smtClean="0"/>
-              <a:t>https://</a:t>
-            </a:r>
-            <a:r>
-              <a:rPr lang="en-US" dirty="0" smtClean="0"/>
-              <a:t>www.ssi.gouv.fr/uploads/2019/01/anssi-coriin_2019-analysis_amcache.pdf</a:t>
-            </a:r>
-          </a:p>
-          <a:p>
-            <a:r>
-              <a:rPr lang="en-US" dirty="0" smtClean="0"/>
-              <a:t>http://journeyintoir.blogspot.com/2013/12/revealing-recentfilecachebcf-file.html</a:t>
+              <a:rPr lang="de-DE" dirty="0"/>
+              <a:t>rip.pl -r SYSTEM -p shimcache</a:t>
             </a:r>
             <a:endParaRPr lang="en-US" dirty="0"/>
           </a:p>
@@ -2484,7 +2701,7 @@
           <a:p>
             <a:fld id="{DDBF98C7-164A-4723-84F0-B1E4B080DDEC}" type="slidenum">
               <a:rPr lang="en-US" smtClean="0"/>
-              <a:t>34</a:t>
+              <a:t>33</a:t>
             </a:fld>
             <a:endParaRPr lang="en-US"/>
           </a:p>
@@ -2493,7 +2710,7 @@
     </p:spTree>
     <p:extLst>
       <p:ext uri="{BB962C8B-B14F-4D97-AF65-F5344CB8AC3E}">
-        <p14:creationId xmlns:p14="http://schemas.microsoft.com/office/powerpoint/2010/main" val="820830735"/>
+        <p14:creationId xmlns:p14="http://schemas.microsoft.com/office/powerpoint/2010/main" val="4162121236"/>
       </p:ext>
     </p:extLst>
   </p:cSld>
@@ -2548,48 +2765,15 @@
           <a:lstStyle/>
           <a:p>
             <a:r>
-              <a:rPr lang="en-US" dirty="0" err="1" smtClean="0"/>
-              <a:t>fls</a:t>
-            </a:r>
-            <a:r>
-              <a:rPr lang="en-US" dirty="0" smtClean="0"/>
-              <a:t> -</a:t>
-            </a:r>
-            <a:r>
-              <a:rPr lang="en-US" dirty="0" err="1" smtClean="0"/>
-              <a:t>rF</a:t>
-            </a:r>
-            <a:r>
-              <a:rPr lang="en-US" dirty="0" smtClean="0"/>
-              <a:t> -o 206848 cfreds_2015_data_leakage_pc.dd | grep -</a:t>
-            </a:r>
-            <a:r>
-              <a:rPr lang="en-US" dirty="0" err="1" smtClean="0"/>
-              <a:t>Ei</a:t>
-            </a:r>
-            <a:r>
-              <a:rPr lang="en-US" dirty="0" smtClean="0"/>
-              <a:t> '</a:t>
-            </a:r>
-            <a:r>
-              <a:rPr lang="en-US" dirty="0" err="1" smtClean="0"/>
-              <a:t>RecentFileCache</a:t>
-            </a:r>
-            <a:r>
-              <a:rPr lang="en-US" dirty="0" smtClean="0"/>
-              <a:t>‘</a:t>
-            </a:r>
-          </a:p>
-          <a:p>
-            <a:r>
-              <a:rPr lang="en-US" dirty="0" err="1" smtClean="0"/>
-              <a:t>icat</a:t>
-            </a:r>
-            <a:r>
-              <a:rPr lang="en-US" dirty="0" smtClean="0"/>
-              <a:t> -o 206848 cfreds_2015_data_leakage_pc.dd 16029 </a:t>
-            </a:r>
-            <a:endParaRPr lang="en-US" dirty="0"/>
+              <a:rPr lang="en-US" dirty="0"/>
+              <a:t>https://www.ssi.gouv.fr/uploads/2019/01/anssi-coriin_2019-analysis_amcache.pdf</a:t>
+            </a:r>
+          </a:p>
+          <a:p>
+            <a:r>
+              <a:rPr lang="en-US" dirty="0"/>
+              <a:t>http://journeyintoir.blogspot.com/2013/12/revealing-recentfilecachebcf-file.html</a:t>
+            </a:r>
           </a:p>
         </p:txBody>
       </p:sp>
@@ -2610,7 +2794,7 @@
           <a:p>
             <a:fld id="{DDBF98C7-164A-4723-84F0-B1E4B080DDEC}" type="slidenum">
               <a:rPr lang="en-US" smtClean="0"/>
-              <a:t>35</a:t>
+              <a:t>34</a:t>
             </a:fld>
             <a:endParaRPr lang="en-US"/>
           </a:p>
@@ -2619,7 +2803,7 @@
     </p:spTree>
     <p:extLst>
       <p:ext uri="{BB962C8B-B14F-4D97-AF65-F5344CB8AC3E}">
-        <p14:creationId xmlns:p14="http://schemas.microsoft.com/office/powerpoint/2010/main" val="204666491"/>
+        <p14:creationId xmlns:p14="http://schemas.microsoft.com/office/powerpoint/2010/main" val="820830735"/>
       </p:ext>
     </p:extLst>
   </p:cSld>
@@ -2674,10 +2858,47 @@
           <a:lstStyle/>
           <a:p>
             <a:r>
-              <a:rPr lang="en-US" dirty="0" smtClean="0"/>
-              <a:t>https://www.ssi.gouv.fr/uploads/2019/01/anssi-coriin_2019-analysis_amcache.pdf</a:t>
-            </a:r>
-            <a:endParaRPr lang="en-US" dirty="0"/>
+              <a:rPr lang="en-US" dirty="0" err="1"/>
+              <a:t>fls</a:t>
+            </a:r>
+            <a:r>
+              <a:rPr lang="en-US" dirty="0"/>
+              <a:t> -</a:t>
+            </a:r>
+            <a:r>
+              <a:rPr lang="en-US" dirty="0" err="1"/>
+              <a:t>rF</a:t>
+            </a:r>
+            <a:r>
+              <a:rPr lang="en-US" dirty="0"/>
+              <a:t> -o 206848 cfreds_2015_data_leakage_pc.dd | grep -</a:t>
+            </a:r>
+            <a:r>
+              <a:rPr lang="en-US" dirty="0" err="1"/>
+              <a:t>Ei</a:t>
+            </a:r>
+            <a:r>
+              <a:rPr lang="en-US" dirty="0"/>
+              <a:t> '</a:t>
+            </a:r>
+            <a:r>
+              <a:rPr lang="en-US" dirty="0" err="1"/>
+              <a:t>RecentFileCache</a:t>
+            </a:r>
+            <a:r>
+              <a:rPr lang="en-US" dirty="0"/>
+              <a:t>‘</a:t>
+            </a:r>
+          </a:p>
+          <a:p>
+            <a:r>
+              <a:rPr lang="en-US" dirty="0" err="1"/>
+              <a:t>icat</a:t>
+            </a:r>
+            <a:r>
+              <a:rPr lang="en-US" dirty="0"/>
+              <a:t> -o 206848 cfreds_2015_data_leakage_pc.dd 16029 </a:t>
+            </a:r>
           </a:p>
         </p:txBody>
       </p:sp>
@@ -2698,7 +2919,7 @@
           <a:p>
             <a:fld id="{DDBF98C7-164A-4723-84F0-B1E4B080DDEC}" type="slidenum">
               <a:rPr lang="en-US" smtClean="0"/>
-              <a:t>36</a:t>
+              <a:t>35</a:t>
             </a:fld>
             <a:endParaRPr lang="en-US"/>
           </a:p>
@@ -2707,7 +2928,7 @@
     </p:spTree>
     <p:extLst>
       <p:ext uri="{BB962C8B-B14F-4D97-AF65-F5344CB8AC3E}">
-        <p14:creationId xmlns:p14="http://schemas.microsoft.com/office/powerpoint/2010/main" val="206939081"/>
+        <p14:creationId xmlns:p14="http://schemas.microsoft.com/office/powerpoint/2010/main" val="204666491"/>
       </p:ext>
     </p:extLst>
   </p:cSld>
@@ -2761,7 +2982,10 @@
           <a:bodyPr/>
           <a:lstStyle/>
           <a:p>
-            <a:endParaRPr lang="en-US" dirty="0"/>
+            <a:r>
+              <a:rPr lang="en-US" dirty="0"/>
+              <a:t>https://www.ssi.gouv.fr/uploads/2019/01/anssi-coriin_2019-analysis_amcache.pdf</a:t>
+            </a:r>
           </a:p>
         </p:txBody>
       </p:sp>
@@ -2782,7 +3006,7 @@
           <a:p>
             <a:fld id="{DDBF98C7-164A-4723-84F0-B1E4B080DDEC}" type="slidenum">
               <a:rPr lang="en-US" smtClean="0"/>
-              <a:t>37</a:t>
+              <a:t>36</a:t>
             </a:fld>
             <a:endParaRPr lang="en-US"/>
           </a:p>
@@ -2791,7 +3015,7 @@
     </p:spTree>
     <p:extLst>
       <p:ext uri="{BB962C8B-B14F-4D97-AF65-F5344CB8AC3E}">
-        <p14:creationId xmlns:p14="http://schemas.microsoft.com/office/powerpoint/2010/main" val="2788731035"/>
+        <p14:creationId xmlns:p14="http://schemas.microsoft.com/office/powerpoint/2010/main" val="206939081"/>
       </p:ext>
     </p:extLst>
   </p:cSld>
@@ -2845,24 +3069,6 @@
           <a:bodyPr/>
           <a:lstStyle/>
           <a:p>
-            <a:r>
-              <a:rPr lang="en-US" dirty="0" smtClean="0"/>
-              <a:t>rip.pl -r NTUSER_informant.DAT -p </a:t>
-            </a:r>
-            <a:r>
-              <a:rPr lang="en-US" dirty="0" err="1" smtClean="0"/>
-              <a:t>userassist</a:t>
-            </a:r>
-            <a:r>
-              <a:rPr lang="en-US" dirty="0" smtClean="0"/>
-              <a:t> | head</a:t>
-            </a:r>
-          </a:p>
-          <a:p>
-            <a:r>
-              <a:rPr lang="en-US" dirty="0" smtClean="0"/>
-              <a:t>https://www.andreafortuna.org/2018/05/23/forensic-artifacts-evidences-of-program-execution-on-windows-systems/</a:t>
-            </a:r>
             <a:endParaRPr lang="en-US" dirty="0"/>
           </a:p>
         </p:txBody>
@@ -2884,7 +3090,7 @@
           <a:p>
             <a:fld id="{DDBF98C7-164A-4723-84F0-B1E4B080DDEC}" type="slidenum">
               <a:rPr lang="en-US" smtClean="0"/>
-              <a:t>38</a:t>
+              <a:t>37</a:t>
             </a:fld>
             <a:endParaRPr lang="en-US"/>
           </a:p>
@@ -2893,7 +3099,7 @@
     </p:spTree>
     <p:extLst>
       <p:ext uri="{BB962C8B-B14F-4D97-AF65-F5344CB8AC3E}">
-        <p14:creationId xmlns:p14="http://schemas.microsoft.com/office/powerpoint/2010/main" val="247623879"/>
+        <p14:creationId xmlns:p14="http://schemas.microsoft.com/office/powerpoint/2010/main" val="2788731035"/>
       </p:ext>
     </p:extLst>
   </p:cSld>
@@ -2947,10 +3153,6 @@
           <a:bodyPr/>
           <a:lstStyle/>
           <a:p>
-            <a:r>
-              <a:rPr lang="en-US" dirty="0" smtClean="0"/>
-              <a:t>https://countuponsecurity.com/2016/05/16/digital-forensics-prefetch-artifacts/</a:t>
-            </a:r>
             <a:endParaRPr lang="en-US" dirty="0"/>
           </a:p>
         </p:txBody>
@@ -2972,7 +3174,7 @@
           <a:p>
             <a:fld id="{DDBF98C7-164A-4723-84F0-B1E4B080DDEC}" type="slidenum">
               <a:rPr lang="en-US" smtClean="0"/>
-              <a:t>40</a:t>
+              <a:t>38</a:t>
             </a:fld>
             <a:endParaRPr lang="en-US"/>
           </a:p>
@@ -2981,7 +3183,7 @@
     </p:spTree>
     <p:extLst>
       <p:ext uri="{BB962C8B-B14F-4D97-AF65-F5344CB8AC3E}">
-        <p14:creationId xmlns:p14="http://schemas.microsoft.com/office/powerpoint/2010/main" val="3977398992"/>
+        <p14:creationId xmlns:p14="http://schemas.microsoft.com/office/powerpoint/2010/main" val="399322938"/>
       </p:ext>
     </p:extLst>
   </p:cSld>
@@ -3035,34 +3237,24 @@
           <a:bodyPr/>
           <a:lstStyle/>
           <a:p>
-            <a:pPr marL="0" marR="0" lvl="0" indent="0" algn="l" defTabSz="914400" rtl="0" eaLnBrk="1" fontAlgn="auto" latinLnBrk="0" hangingPunct="1">
-              <a:lnSpc>
-                <a:spcPct val="100000"/>
-              </a:lnSpc>
-              <a:spcBef>
-                <a:spcPts val="0"/>
-              </a:spcBef>
-              <a:spcAft>
-                <a:spcPts val="0"/>
-              </a:spcAft>
-              <a:buClrTx/>
-              <a:buSzTx/>
-              <a:buFontTx/>
-              <a:buNone/>
-              <a:tabLst/>
-              <a:defRPr/>
-            </a:pPr>
-            <a:r>
-              <a:rPr lang="en-US" dirty="0" err="1" smtClean="0"/>
-              <a:t>sudo</a:t>
-            </a:r>
-            <a:r>
-              <a:rPr lang="en-US" dirty="0" smtClean="0"/>
-              <a:t> apt-get install tree</a:t>
-            </a:r>
-          </a:p>
-          <a:p>
-            <a:endParaRPr lang="en-US" dirty="0"/>
+            <a:r>
+              <a:rPr lang="en-US" dirty="0"/>
+              <a:t>rip.pl -r NTUSER_informant.DAT -p </a:t>
+            </a:r>
+            <a:r>
+              <a:rPr lang="en-US" dirty="0" err="1"/>
+              <a:t>userassist</a:t>
+            </a:r>
+            <a:r>
+              <a:rPr lang="en-US" dirty="0"/>
+              <a:t> | head</a:t>
+            </a:r>
+          </a:p>
+          <a:p>
+            <a:r>
+              <a:rPr lang="en-US" dirty="0"/>
+              <a:t>https://www.andreafortuna.org/2018/05/23/forensic-artifacts-evidences-of-program-execution-on-windows-systems/</a:t>
+            </a:r>
           </a:p>
         </p:txBody>
       </p:sp>
@@ -3083,7 +3275,7 @@
           <a:p>
             <a:fld id="{DDBF98C7-164A-4723-84F0-B1E4B080DDEC}" type="slidenum">
               <a:rPr lang="en-US" smtClean="0"/>
-              <a:t>43</a:t>
+              <a:t>39</a:t>
             </a:fld>
             <a:endParaRPr lang="en-US"/>
           </a:p>
@@ -3092,7 +3284,7 @@
     </p:spTree>
     <p:extLst>
       <p:ext uri="{BB962C8B-B14F-4D97-AF65-F5344CB8AC3E}">
-        <p14:creationId xmlns:p14="http://schemas.microsoft.com/office/powerpoint/2010/main" val="65179169"/>
+        <p14:creationId xmlns:p14="http://schemas.microsoft.com/office/powerpoint/2010/main" val="247623879"/>
       </p:ext>
     </p:extLst>
   </p:cSld>
@@ -3146,30 +3338,10 @@
           <a:bodyPr/>
           <a:lstStyle/>
           <a:p>
-            <a:pPr marL="0" marR="0" lvl="0" indent="0" algn="l" defTabSz="914400" rtl="0" eaLnBrk="1" fontAlgn="auto" latinLnBrk="0" hangingPunct="1">
-              <a:lnSpc>
-                <a:spcPct val="100000"/>
-              </a:lnSpc>
-              <a:spcBef>
-                <a:spcPts val="0"/>
-              </a:spcBef>
-              <a:spcAft>
-                <a:spcPts val="0"/>
-              </a:spcAft>
-              <a:buClrTx/>
-              <a:buSzTx/>
-              <a:buFontTx/>
-              <a:buNone/>
-              <a:tabLst/>
-              <a:defRPr/>
-            </a:pPr>
-            <a:r>
-              <a:rPr lang="en-US" dirty="0" smtClean="0"/>
-              <a:t>python windowsprefetch/prefetch.py -f ../Prefetch/CHROME.EXE-D999B1BA.pf -c</a:t>
-            </a:r>
-          </a:p>
-          <a:p>
-            <a:endParaRPr lang="en-US" dirty="0"/>
+            <a:r>
+              <a:rPr lang="en-US" dirty="0"/>
+              <a:t>https://countuponsecurity.com/2016/05/16/digital-forensics-prefetch-artifacts/</a:t>
+            </a:r>
           </a:p>
         </p:txBody>
       </p:sp>
@@ -3190,7 +3362,7 @@
           <a:p>
             <a:fld id="{DDBF98C7-164A-4723-84F0-B1E4B080DDEC}" type="slidenum">
               <a:rPr lang="en-US" smtClean="0"/>
-              <a:t>44</a:t>
+              <a:t>41</a:t>
             </a:fld>
             <a:endParaRPr lang="en-US"/>
           </a:p>
@@ -3199,7 +3371,7 @@
     </p:spTree>
     <p:extLst>
       <p:ext uri="{BB962C8B-B14F-4D97-AF65-F5344CB8AC3E}">
-        <p14:creationId xmlns:p14="http://schemas.microsoft.com/office/powerpoint/2010/main" val="1264529723"/>
+        <p14:creationId xmlns:p14="http://schemas.microsoft.com/office/powerpoint/2010/main" val="3977398992"/>
       </p:ext>
     </p:extLst>
   </p:cSld>
@@ -3253,6 +3425,35 @@
           <a:bodyPr/>
           <a:lstStyle/>
           <a:p>
+            <a:r>
+              <a:rPr lang="en-US" dirty="0"/>
+              <a:t>md5sum cfreds_2015_data_leakage_pc.dd</a:t>
+            </a:r>
+          </a:p>
+          <a:p>
+            <a:pPr marL="0" marR="0" lvl="0" indent="0" algn="l" defTabSz="914400" rtl="0" eaLnBrk="1" fontAlgn="auto" latinLnBrk="0" hangingPunct="1">
+              <a:lnSpc>
+                <a:spcPct val="100000"/>
+              </a:lnSpc>
+              <a:spcBef>
+                <a:spcPts val="0"/>
+              </a:spcBef>
+              <a:spcAft>
+                <a:spcPts val="0"/>
+              </a:spcAft>
+              <a:buClrTx/>
+              <a:buSzTx/>
+              <a:buFontTx/>
+              <a:buNone/>
+              <a:tabLst/>
+              <a:defRPr/>
+            </a:pPr>
+            <a:r>
+              <a:rPr lang="en-US" dirty="0"/>
+              <a:t>sha1sum cfreds_2015_data_leakage_pc.dd</a:t>
+            </a:r>
+          </a:p>
+          <a:p>
             <a:endParaRPr lang="en-US" dirty="0"/>
           </a:p>
         </p:txBody>
@@ -3264,7 +3465,7 @@
             <a:spLocks noGrp="1"/>
           </p:cNvSpPr>
           <p:nvPr>
-            <p:ph type="sldNum" sz="quarter" idx="10"/>
+            <p:ph type="sldNum" sz="quarter" idx="5"/>
           </p:nvPr>
         </p:nvSpPr>
         <p:spPr/>
@@ -3274,7 +3475,7 @@
           <a:p>
             <a:fld id="{DDBF98C7-164A-4723-84F0-B1E4B080DDEC}" type="slidenum">
               <a:rPr lang="en-US" smtClean="0"/>
-              <a:t>4</a:t>
+              <a:t>3</a:t>
             </a:fld>
             <a:endParaRPr lang="en-US"/>
           </a:p>
@@ -3283,7 +3484,7 @@
     </p:spTree>
     <p:extLst>
       <p:ext uri="{BB962C8B-B14F-4D97-AF65-F5344CB8AC3E}">
-        <p14:creationId xmlns:p14="http://schemas.microsoft.com/office/powerpoint/2010/main" val="3515498571"/>
+        <p14:creationId xmlns:p14="http://schemas.microsoft.com/office/powerpoint/2010/main" val="3281483149"/>
       </p:ext>
     </p:extLst>
   </p:cSld>
@@ -3337,35 +3538,34 @@
           <a:bodyPr/>
           <a:lstStyle/>
           <a:p>
-            <a:r>
-              <a:rPr lang="en-US" dirty="0" smtClean="0"/>
-              <a:t>ls -l ../</a:t>
-            </a:r>
-            <a:r>
-              <a:rPr lang="en-US" dirty="0" err="1" smtClean="0"/>
-              <a:t>Prefetch</a:t>
-            </a:r>
-            <a:r>
-              <a:rPr lang="en-US" dirty="0" smtClean="0"/>
-              <a:t>/ | grep -</a:t>
-            </a:r>
-            <a:r>
-              <a:rPr lang="en-US" dirty="0" err="1" smtClean="0"/>
-              <a:t>i</a:t>
-            </a:r>
-            <a:r>
-              <a:rPr lang="en-US" dirty="0" smtClean="0"/>
-              <a:t> chrome</a:t>
-            </a:r>
-          </a:p>
-          <a:p>
-            <a:r>
-              <a:rPr lang="en-US" dirty="0" smtClean="0"/>
-              <a:t>python windowsprefetch/prefetch.py -f ../Prefetch/CHROME.EXE-D999B1BA.pf -c</a:t>
-            </a:r>
-          </a:p>
-          <a:p>
-            <a:endParaRPr lang="en-US" dirty="0" smtClean="0"/>
+            <a:pPr marL="0" marR="0" lvl="0" indent="0" algn="l" defTabSz="914400" rtl="0" eaLnBrk="1" fontAlgn="auto" latinLnBrk="0" hangingPunct="1">
+              <a:lnSpc>
+                <a:spcPct val="100000"/>
+              </a:lnSpc>
+              <a:spcBef>
+                <a:spcPts val="0"/>
+              </a:spcBef>
+              <a:spcAft>
+                <a:spcPts val="0"/>
+              </a:spcAft>
+              <a:buClrTx/>
+              <a:buSzTx/>
+              <a:buFontTx/>
+              <a:buNone/>
+              <a:tabLst/>
+              <a:defRPr/>
+            </a:pPr>
+            <a:r>
+              <a:rPr lang="en-US" dirty="0" err="1"/>
+              <a:t>sudo</a:t>
+            </a:r>
+            <a:r>
+              <a:rPr lang="en-US" dirty="0"/>
+              <a:t> apt-get install tree</a:t>
+            </a:r>
+          </a:p>
+          <a:p>
+            <a:endParaRPr lang="en-US" dirty="0"/>
           </a:p>
         </p:txBody>
       </p:sp>
@@ -3386,7 +3586,7 @@
           <a:p>
             <a:fld id="{DDBF98C7-164A-4723-84F0-B1E4B080DDEC}" type="slidenum">
               <a:rPr lang="en-US" smtClean="0"/>
-              <a:t>45</a:t>
+              <a:t>44</a:t>
             </a:fld>
             <a:endParaRPr lang="en-US"/>
           </a:p>
@@ -3395,7 +3595,7 @@
     </p:spTree>
     <p:extLst>
       <p:ext uri="{BB962C8B-B14F-4D97-AF65-F5344CB8AC3E}">
-        <p14:creationId xmlns:p14="http://schemas.microsoft.com/office/powerpoint/2010/main" val="4072228070"/>
+        <p14:creationId xmlns:p14="http://schemas.microsoft.com/office/powerpoint/2010/main" val="65179169"/>
       </p:ext>
     </p:extLst>
   </p:cSld>
@@ -3449,18 +3649,141 @@
           <a:bodyPr/>
           <a:lstStyle/>
           <a:p>
-            <a:r>
-              <a:rPr lang="en-US" dirty="0" smtClean="0"/>
-              <a:t>python windowsprefetch/prefetch.py -d ../</a:t>
-            </a:r>
-            <a:r>
-              <a:rPr lang="en-US" dirty="0" err="1" smtClean="0"/>
+            <a:pPr marL="0" marR="0" lvl="0" indent="0" algn="l" defTabSz="914400" rtl="0" eaLnBrk="1" fontAlgn="auto" latinLnBrk="0" hangingPunct="1">
+              <a:lnSpc>
+                <a:spcPct val="100000"/>
+              </a:lnSpc>
+              <a:spcBef>
+                <a:spcPts val="0"/>
+              </a:spcBef>
+              <a:spcAft>
+                <a:spcPts val="0"/>
+              </a:spcAft>
+              <a:buClrTx/>
+              <a:buSzTx/>
+              <a:buFontTx/>
+              <a:buNone/>
+              <a:tabLst/>
+              <a:defRPr/>
+            </a:pPr>
+            <a:r>
+              <a:rPr lang="en-US" dirty="0"/>
+              <a:t>python windowsprefetch/prefetch.py -f ../Prefetch/CHROME.EXE-D999B1BA.pf -c</a:t>
+            </a:r>
+          </a:p>
+          <a:p>
+            <a:endParaRPr lang="en-US" dirty="0"/>
+          </a:p>
+        </p:txBody>
+      </p:sp>
+      <p:sp>
+        <p:nvSpPr>
+          <p:cNvPr id="4" name="Slide Number Placeholder 3"/>
+          <p:cNvSpPr>
+            <a:spLocks noGrp="1"/>
+          </p:cNvSpPr>
+          <p:nvPr>
+            <p:ph type="sldNum" sz="quarter" idx="10"/>
+          </p:nvPr>
+        </p:nvSpPr>
+        <p:spPr/>
+        <p:txBody>
+          <a:bodyPr/>
+          <a:lstStyle/>
+          <a:p>
+            <a:fld id="{DDBF98C7-164A-4723-84F0-B1E4B080DDEC}" type="slidenum">
+              <a:rPr lang="en-US" smtClean="0"/>
+              <a:t>45</a:t>
+            </a:fld>
+            <a:endParaRPr lang="en-US"/>
+          </a:p>
+        </p:txBody>
+      </p:sp>
+    </p:spTree>
+    <p:extLst>
+      <p:ext uri="{BB962C8B-B14F-4D97-AF65-F5344CB8AC3E}">
+        <p14:creationId xmlns:p14="http://schemas.microsoft.com/office/powerpoint/2010/main" val="1264529723"/>
+      </p:ext>
+    </p:extLst>
+  </p:cSld>
+  <p:clrMapOvr>
+    <a:masterClrMapping/>
+  </p:clrMapOvr>
+</p:notes>
+</file>
+
+<file path=ppt/notesSlides/notesSlide32.xml><?xml version="1.0" encoding="utf-8"?>
+<p:notes xmlns:a="http://schemas.openxmlformats.org/drawingml/2006/main" xmlns:r="http://schemas.openxmlformats.org/officeDocument/2006/relationships" xmlns:p="http://schemas.openxmlformats.org/presentationml/2006/main">
+  <p:cSld>
+    <p:spTree>
+      <p:nvGrpSpPr>
+        <p:cNvPr id="1" name=""/>
+        <p:cNvGrpSpPr/>
+        <p:nvPr/>
+      </p:nvGrpSpPr>
+      <p:grpSpPr>
+        <a:xfrm>
+          <a:off x="0" y="0"/>
+          <a:ext cx="0" cy="0"/>
+          <a:chOff x="0" y="0"/>
+          <a:chExt cx="0" cy="0"/>
+        </a:xfrm>
+      </p:grpSpPr>
+      <p:sp>
+        <p:nvSpPr>
+          <p:cNvPr id="2" name="Slide Image Placeholder 1"/>
+          <p:cNvSpPr>
+            <a:spLocks noGrp="1" noRot="1" noChangeAspect="1"/>
+          </p:cNvSpPr>
+          <p:nvPr>
+            <p:ph type="sldImg"/>
+          </p:nvPr>
+        </p:nvSpPr>
+        <p:spPr/>
+      </p:sp>
+      <p:sp>
+        <p:nvSpPr>
+          <p:cNvPr id="3" name="Notes Placeholder 2"/>
+          <p:cNvSpPr>
+            <a:spLocks noGrp="1"/>
+          </p:cNvSpPr>
+          <p:nvPr>
+            <p:ph type="body" idx="1"/>
+          </p:nvPr>
+        </p:nvSpPr>
+        <p:spPr/>
+        <p:txBody>
+          <a:bodyPr/>
+          <a:lstStyle/>
+          <a:p>
+            <a:r>
+              <a:rPr lang="en-US" dirty="0"/>
+              <a:t>ls -l ../</a:t>
+            </a:r>
+            <a:r>
+              <a:rPr lang="en-US" dirty="0" err="1"/>
               <a:t>Prefetch</a:t>
             </a:r>
             <a:r>
-              <a:rPr lang="en-US" dirty="0" smtClean="0"/>
-              <a:t>/  -c | more</a:t>
-            </a:r>
+              <a:rPr lang="en-US" dirty="0"/>
+              <a:t>/ | grep -</a:t>
+            </a:r>
+            <a:r>
+              <a:rPr lang="en-US" dirty="0" err="1"/>
+              <a:t>i</a:t>
+            </a:r>
+            <a:r>
+              <a:rPr lang="en-US" dirty="0"/>
+              <a:t> chrome</a:t>
+            </a:r>
+          </a:p>
+          <a:p>
+            <a:r>
+              <a:rPr lang="en-US" dirty="0"/>
+              <a:t>python windowsprefetch/prefetch.py -f ../Prefetch/CHROME.EXE-D999B1BA.pf -c</a:t>
+            </a:r>
+          </a:p>
+          <a:p>
             <a:endParaRPr lang="en-US" dirty="0"/>
           </a:p>
         </p:txBody>
@@ -3491,7 +3814,311 @@
     </p:spTree>
     <p:extLst>
       <p:ext uri="{BB962C8B-B14F-4D97-AF65-F5344CB8AC3E}">
+        <p14:creationId xmlns:p14="http://schemas.microsoft.com/office/powerpoint/2010/main" val="4072228070"/>
+      </p:ext>
+    </p:extLst>
+  </p:cSld>
+  <p:clrMapOvr>
+    <a:masterClrMapping/>
+  </p:clrMapOvr>
+</p:notes>
+</file>
+
+<file path=ppt/notesSlides/notesSlide33.xml><?xml version="1.0" encoding="utf-8"?>
+<p:notes xmlns:a="http://schemas.openxmlformats.org/drawingml/2006/main" xmlns:r="http://schemas.openxmlformats.org/officeDocument/2006/relationships" xmlns:p="http://schemas.openxmlformats.org/presentationml/2006/main">
+  <p:cSld>
+    <p:spTree>
+      <p:nvGrpSpPr>
+        <p:cNvPr id="1" name=""/>
+        <p:cNvGrpSpPr/>
+        <p:nvPr/>
+      </p:nvGrpSpPr>
+      <p:grpSpPr>
+        <a:xfrm>
+          <a:off x="0" y="0"/>
+          <a:ext cx="0" cy="0"/>
+          <a:chOff x="0" y="0"/>
+          <a:chExt cx="0" cy="0"/>
+        </a:xfrm>
+      </p:grpSpPr>
+      <p:sp>
+        <p:nvSpPr>
+          <p:cNvPr id="2" name="Slide Image Placeholder 1"/>
+          <p:cNvSpPr>
+            <a:spLocks noGrp="1" noRot="1" noChangeAspect="1"/>
+          </p:cNvSpPr>
+          <p:nvPr>
+            <p:ph type="sldImg"/>
+          </p:nvPr>
+        </p:nvSpPr>
+        <p:spPr/>
+      </p:sp>
+      <p:sp>
+        <p:nvSpPr>
+          <p:cNvPr id="3" name="Notes Placeholder 2"/>
+          <p:cNvSpPr>
+            <a:spLocks noGrp="1"/>
+          </p:cNvSpPr>
+          <p:nvPr>
+            <p:ph type="body" idx="1"/>
+          </p:nvPr>
+        </p:nvSpPr>
+        <p:spPr/>
+        <p:txBody>
+          <a:bodyPr/>
+          <a:lstStyle/>
+          <a:p>
+            <a:r>
+              <a:rPr lang="en-US" dirty="0"/>
+              <a:t>python windowsprefetch/prefetch.py -d ../</a:t>
+            </a:r>
+            <a:r>
+              <a:rPr lang="en-US" dirty="0" err="1"/>
+              <a:t>Prefetch</a:t>
+            </a:r>
+            <a:r>
+              <a:rPr lang="en-US" dirty="0"/>
+              <a:t>/  -c | more</a:t>
+            </a:r>
+          </a:p>
+        </p:txBody>
+      </p:sp>
+      <p:sp>
+        <p:nvSpPr>
+          <p:cNvPr id="4" name="Slide Number Placeholder 3"/>
+          <p:cNvSpPr>
+            <a:spLocks noGrp="1"/>
+          </p:cNvSpPr>
+          <p:nvPr>
+            <p:ph type="sldNum" sz="quarter" idx="10"/>
+          </p:nvPr>
+        </p:nvSpPr>
+        <p:spPr/>
+        <p:txBody>
+          <a:bodyPr/>
+          <a:lstStyle/>
+          <a:p>
+            <a:fld id="{DDBF98C7-164A-4723-84F0-B1E4B080DDEC}" type="slidenum">
+              <a:rPr lang="en-US" smtClean="0"/>
+              <a:t>47</a:t>
+            </a:fld>
+            <a:endParaRPr lang="en-US"/>
+          </a:p>
+        </p:txBody>
+      </p:sp>
+    </p:spTree>
+    <p:extLst>
+      <p:ext uri="{BB962C8B-B14F-4D97-AF65-F5344CB8AC3E}">
         <p14:creationId xmlns:p14="http://schemas.microsoft.com/office/powerpoint/2010/main" val="3552748998"/>
+      </p:ext>
+    </p:extLst>
+  </p:cSld>
+  <p:clrMapOvr>
+    <a:masterClrMapping/>
+  </p:clrMapOvr>
+</p:notes>
+</file>
+
+<file path=ppt/notesSlides/notesSlide34.xml><?xml version="1.0" encoding="utf-8"?>
+<p:notes xmlns:a="http://schemas.openxmlformats.org/drawingml/2006/main" xmlns:r="http://schemas.openxmlformats.org/officeDocument/2006/relationships" xmlns:p="http://schemas.openxmlformats.org/presentationml/2006/main">
+  <p:cSld>
+    <p:spTree>
+      <p:nvGrpSpPr>
+        <p:cNvPr id="1" name=""/>
+        <p:cNvGrpSpPr/>
+        <p:nvPr/>
+      </p:nvGrpSpPr>
+      <p:grpSpPr>
+        <a:xfrm>
+          <a:off x="0" y="0"/>
+          <a:ext cx="0" cy="0"/>
+          <a:chOff x="0" y="0"/>
+          <a:chExt cx="0" cy="0"/>
+        </a:xfrm>
+      </p:grpSpPr>
+      <p:sp>
+        <p:nvSpPr>
+          <p:cNvPr id="2" name="Slide Image Placeholder 1"/>
+          <p:cNvSpPr>
+            <a:spLocks noGrp="1" noRot="1" noChangeAspect="1"/>
+          </p:cNvSpPr>
+          <p:nvPr>
+            <p:ph type="sldImg"/>
+          </p:nvPr>
+        </p:nvSpPr>
+        <p:spPr/>
+      </p:sp>
+      <p:sp>
+        <p:nvSpPr>
+          <p:cNvPr id="3" name="Notes Placeholder 2"/>
+          <p:cNvSpPr>
+            <a:spLocks noGrp="1"/>
+          </p:cNvSpPr>
+          <p:nvPr>
+            <p:ph type="body" idx="1"/>
+          </p:nvPr>
+        </p:nvSpPr>
+        <p:spPr/>
+        <p:txBody>
+          <a:bodyPr/>
+          <a:lstStyle/>
+          <a:p>
+            <a:r>
+              <a:rPr lang="en-US" dirty="0" err="1"/>
+              <a:t>fls</a:t>
+            </a:r>
+            <a:r>
+              <a:rPr lang="en-US" dirty="0"/>
+              <a:t> -</a:t>
+            </a:r>
+            <a:r>
+              <a:rPr lang="en-US" dirty="0" err="1"/>
+              <a:t>rF</a:t>
+            </a:r>
+            <a:r>
+              <a:rPr lang="en-US" dirty="0"/>
+              <a:t> -o 206848 cfreds_2015_data_leakage_pc.dd | grep -</a:t>
+            </a:r>
+            <a:r>
+              <a:rPr lang="en-US" dirty="0" err="1"/>
+              <a:t>i</a:t>
+            </a:r>
+            <a:r>
+              <a:rPr lang="en-US" dirty="0"/>
+              <a:t> usrclass.dat</a:t>
+            </a:r>
+          </a:p>
+        </p:txBody>
+      </p:sp>
+      <p:sp>
+        <p:nvSpPr>
+          <p:cNvPr id="4" name="Slide Number Placeholder 3"/>
+          <p:cNvSpPr>
+            <a:spLocks noGrp="1"/>
+          </p:cNvSpPr>
+          <p:nvPr>
+            <p:ph type="sldNum" sz="quarter" idx="5"/>
+          </p:nvPr>
+        </p:nvSpPr>
+        <p:spPr/>
+        <p:txBody>
+          <a:bodyPr/>
+          <a:lstStyle/>
+          <a:p>
+            <a:fld id="{DDBF98C7-164A-4723-84F0-B1E4B080DDEC}" type="slidenum">
+              <a:rPr lang="en-US" smtClean="0"/>
+              <a:t>52</a:t>
+            </a:fld>
+            <a:endParaRPr lang="en-US"/>
+          </a:p>
+        </p:txBody>
+      </p:sp>
+    </p:spTree>
+    <p:extLst>
+      <p:ext uri="{BB962C8B-B14F-4D97-AF65-F5344CB8AC3E}">
+        <p14:creationId xmlns:p14="http://schemas.microsoft.com/office/powerpoint/2010/main" val="2530402177"/>
+      </p:ext>
+    </p:extLst>
+  </p:cSld>
+  <p:clrMapOvr>
+    <a:masterClrMapping/>
+  </p:clrMapOvr>
+</p:notes>
+</file>
+
+<file path=ppt/notesSlides/notesSlide35.xml><?xml version="1.0" encoding="utf-8"?>
+<p:notes xmlns:a="http://schemas.openxmlformats.org/drawingml/2006/main" xmlns:r="http://schemas.openxmlformats.org/officeDocument/2006/relationships" xmlns:p="http://schemas.openxmlformats.org/presentationml/2006/main">
+  <p:cSld>
+    <p:spTree>
+      <p:nvGrpSpPr>
+        <p:cNvPr id="1" name=""/>
+        <p:cNvGrpSpPr/>
+        <p:nvPr/>
+      </p:nvGrpSpPr>
+      <p:grpSpPr>
+        <a:xfrm>
+          <a:off x="0" y="0"/>
+          <a:ext cx="0" cy="0"/>
+          <a:chOff x="0" y="0"/>
+          <a:chExt cx="0" cy="0"/>
+        </a:xfrm>
+      </p:grpSpPr>
+      <p:sp>
+        <p:nvSpPr>
+          <p:cNvPr id="2" name="Slide Image Placeholder 1"/>
+          <p:cNvSpPr>
+            <a:spLocks noGrp="1" noRot="1" noChangeAspect="1"/>
+          </p:cNvSpPr>
+          <p:nvPr>
+            <p:ph type="sldImg"/>
+          </p:nvPr>
+        </p:nvSpPr>
+        <p:spPr/>
+      </p:sp>
+      <p:sp>
+        <p:nvSpPr>
+          <p:cNvPr id="3" name="Notes Placeholder 2"/>
+          <p:cNvSpPr>
+            <a:spLocks noGrp="1"/>
+          </p:cNvSpPr>
+          <p:nvPr>
+            <p:ph type="body" idx="1"/>
+          </p:nvPr>
+        </p:nvSpPr>
+        <p:spPr/>
+        <p:txBody>
+          <a:bodyPr/>
+          <a:lstStyle/>
+          <a:p>
+            <a:r>
+              <a:rPr lang="en-US" dirty="0" err="1"/>
+              <a:t>icat</a:t>
+            </a:r>
+            <a:r>
+              <a:rPr lang="en-US" dirty="0"/>
+              <a:t> -o 206848 cfreds_2015_data_leakage_pc.dd 70107 &gt;  usrclass_informant.dat</a:t>
+            </a:r>
+          </a:p>
+          <a:p>
+            <a:r>
+              <a:rPr lang="en-US" dirty="0"/>
+              <a:t>rip.pl -r usrclass_informant.dat -p </a:t>
+            </a:r>
+            <a:r>
+              <a:rPr lang="en-US" dirty="0" err="1"/>
+              <a:t>muicache</a:t>
+            </a:r>
+            <a:endParaRPr lang="en-US" dirty="0"/>
+          </a:p>
+        </p:txBody>
+      </p:sp>
+      <p:sp>
+        <p:nvSpPr>
+          <p:cNvPr id="4" name="Slide Number Placeholder 3"/>
+          <p:cNvSpPr>
+            <a:spLocks noGrp="1"/>
+          </p:cNvSpPr>
+          <p:nvPr>
+            <p:ph type="sldNum" sz="quarter" idx="5"/>
+          </p:nvPr>
+        </p:nvSpPr>
+        <p:spPr/>
+        <p:txBody>
+          <a:bodyPr/>
+          <a:lstStyle/>
+          <a:p>
+            <a:fld id="{DDBF98C7-164A-4723-84F0-B1E4B080DDEC}" type="slidenum">
+              <a:rPr lang="en-US" smtClean="0"/>
+              <a:t>53</a:t>
+            </a:fld>
+            <a:endParaRPr lang="en-US"/>
+          </a:p>
+        </p:txBody>
+      </p:sp>
+    </p:spTree>
+    <p:extLst>
+      <p:ext uri="{BB962C8B-B14F-4D97-AF65-F5344CB8AC3E}">
+        <p14:creationId xmlns:p14="http://schemas.microsoft.com/office/powerpoint/2010/main" val="3784221324"/>
       </p:ext>
     </p:extLst>
   </p:cSld>
@@ -3545,97 +4172,6 @@
           <a:bodyPr/>
           <a:lstStyle/>
           <a:p>
-            <a:r>
-              <a:rPr lang="en-US" dirty="0"/>
-              <a:t>http://blog.hakzone.info/posts-and-articles/linux/disk-analysis-with-fdisk-mmls-fsstat-and-fls/</a:t>
-            </a:r>
-          </a:p>
-          <a:p>
-            <a:pPr marL="285750" indent="-285750">
-              <a:buFont typeface="Arial" panose="020B0604020202020204" pitchFamily="34" charset="0"/>
-              <a:buChar char="•"/>
-            </a:pPr>
-            <a:r>
-              <a:rPr lang="en-US" b="1" dirty="0">
-                <a:solidFill>
-                  <a:srgbClr val="222222"/>
-                </a:solidFill>
-                <a:latin typeface="Roboto"/>
-              </a:rPr>
-              <a:t>Block devices</a:t>
-            </a:r>
-            <a:r>
-              <a:rPr lang="en-US" dirty="0">
-                <a:solidFill>
-                  <a:srgbClr val="222222"/>
-                </a:solidFill>
-                <a:latin typeface="Roboto"/>
-              </a:rPr>
-              <a:t> are characterized by random access to data organized in fixed-size blocks. Examples of such devices are hard drives, CD-ROM drives, RAM disks, etc.</a:t>
-            </a:r>
-          </a:p>
-          <a:p>
-            <a:pPr marL="285750" indent="-285750">
-              <a:buFont typeface="Arial" panose="020B0604020202020204" pitchFamily="34" charset="0"/>
-              <a:buChar char="•"/>
-            </a:pPr>
-            <a:r>
-              <a:rPr lang="en-US" b="1" dirty="0" err="1">
-                <a:solidFill>
-                  <a:srgbClr val="222222"/>
-                </a:solidFill>
-                <a:latin typeface="Roboto"/>
-              </a:rPr>
-              <a:t>fdisk</a:t>
-            </a:r>
-            <a:r>
-              <a:rPr lang="en-US" dirty="0">
-                <a:solidFill>
-                  <a:srgbClr val="222222"/>
-                </a:solidFill>
-                <a:latin typeface="Roboto"/>
-              </a:rPr>
-              <a:t> also known as format disk is a dialog-driven </a:t>
-            </a:r>
-            <a:r>
-              <a:rPr lang="en-US" b="1" dirty="0">
-                <a:solidFill>
-                  <a:srgbClr val="222222"/>
-                </a:solidFill>
-                <a:latin typeface="Roboto"/>
-              </a:rPr>
-              <a:t>command</a:t>
-            </a:r>
-            <a:r>
-              <a:rPr lang="en-US" dirty="0">
-                <a:solidFill>
-                  <a:srgbClr val="222222"/>
-                </a:solidFill>
-                <a:latin typeface="Roboto"/>
-              </a:rPr>
-              <a:t> in </a:t>
-            </a:r>
-            <a:r>
-              <a:rPr lang="en-US" b="1" dirty="0">
-                <a:solidFill>
-                  <a:srgbClr val="222222"/>
-                </a:solidFill>
-                <a:latin typeface="Roboto"/>
-              </a:rPr>
-              <a:t>Linux</a:t>
-            </a:r>
-            <a:r>
-              <a:rPr lang="en-US" dirty="0">
-                <a:solidFill>
-                  <a:srgbClr val="222222"/>
-                </a:solidFill>
-                <a:latin typeface="Roboto"/>
-              </a:rPr>
-              <a:t> used for creating and manipulating disk partition table. It is used for the view, create, delete, change, resize, copy and move partitions on a hard drive using the dialog-driven interface.</a:t>
-            </a:r>
-            <a:endParaRPr lang="en-US" dirty="0"/>
-          </a:p>
-          <a:p>
             <a:endParaRPr lang="en-US" dirty="0"/>
           </a:p>
         </p:txBody>
@@ -3657,7 +4193,7 @@
           <a:p>
             <a:fld id="{DDBF98C7-164A-4723-84F0-B1E4B080DDEC}" type="slidenum">
               <a:rPr lang="en-US" smtClean="0"/>
-              <a:t>5</a:t>
+              <a:t>4</a:t>
             </a:fld>
             <a:endParaRPr lang="en-US"/>
           </a:p>
@@ -3666,7 +4202,7 @@
     </p:spTree>
     <p:extLst>
       <p:ext uri="{BB962C8B-B14F-4D97-AF65-F5344CB8AC3E}">
-        <p14:creationId xmlns:p14="http://schemas.microsoft.com/office/powerpoint/2010/main" val="2408135982"/>
+        <p14:creationId xmlns:p14="http://schemas.microsoft.com/office/powerpoint/2010/main" val="3515498571"/>
       </p:ext>
     </p:extLst>
   </p:cSld>
@@ -3721,89 +4257,96 @@
           <a:lstStyle/>
           <a:p>
             <a:r>
-              <a:rPr lang="en-US" sz="1200" b="0" i="0" kern="1200" dirty="0">
-                <a:solidFill>
-                  <a:schemeClr val="tx1"/>
-                </a:solidFill>
-                <a:effectLst/>
-                <a:latin typeface="+mn-lt"/>
-                <a:ea typeface="+mn-ea"/>
-                <a:cs typeface="+mn-cs"/>
-              </a:rPr>
-              <a:t>Similarly, the </a:t>
-            </a:r>
-            <a:r>
-              <a:rPr lang="en-US" sz="1200" b="0" i="0" kern="1200" dirty="0" err="1">
-                <a:solidFill>
-                  <a:schemeClr val="tx1"/>
-                </a:solidFill>
-                <a:effectLst/>
-                <a:latin typeface="+mn-lt"/>
-                <a:ea typeface="+mn-ea"/>
-                <a:cs typeface="+mn-cs"/>
-              </a:rPr>
-              <a:t>mmls</a:t>
-            </a:r>
-            <a:r>
-              <a:rPr lang="en-US" sz="1200" b="0" i="0" kern="1200" dirty="0">
-                <a:solidFill>
-                  <a:schemeClr val="tx1"/>
-                </a:solidFill>
-                <a:effectLst/>
-                <a:latin typeface="+mn-lt"/>
-                <a:ea typeface="+mn-ea"/>
-                <a:cs typeface="+mn-cs"/>
-              </a:rPr>
-              <a:t> tool can be used to display the partition layout of a volume system. However, </a:t>
-            </a:r>
-            <a:r>
-              <a:rPr lang="en-US" sz="1200" b="0" i="0" kern="1200" dirty="0" err="1">
-                <a:solidFill>
-                  <a:schemeClr val="tx1"/>
-                </a:solidFill>
-                <a:effectLst/>
-                <a:latin typeface="+mn-lt"/>
-                <a:ea typeface="+mn-ea"/>
-                <a:cs typeface="+mn-cs"/>
-              </a:rPr>
-              <a:t>mmls</a:t>
-            </a:r>
-            <a:r>
-              <a:rPr lang="en-US" sz="1200" b="0" i="0" kern="1200" dirty="0">
-                <a:solidFill>
-                  <a:schemeClr val="tx1"/>
-                </a:solidFill>
-                <a:effectLst/>
-                <a:latin typeface="+mn-lt"/>
-                <a:ea typeface="+mn-ea"/>
-                <a:cs typeface="+mn-cs"/>
-              </a:rPr>
-              <a:t> can be different by showing which sectors are not being used so that those can be searched for hidden data. In addition, </a:t>
-            </a:r>
-            <a:r>
-              <a:rPr lang="en-US" sz="1200" b="0" i="0" kern="1200" dirty="0" err="1">
-                <a:solidFill>
-                  <a:schemeClr val="tx1"/>
-                </a:solidFill>
-                <a:effectLst/>
-                <a:latin typeface="+mn-lt"/>
-                <a:ea typeface="+mn-ea"/>
-                <a:cs typeface="+mn-cs"/>
-              </a:rPr>
-              <a:t>mmls</a:t>
-            </a:r>
-            <a:r>
-              <a:rPr lang="en-US" sz="1200" b="0" i="0" kern="1200" dirty="0">
-                <a:solidFill>
-                  <a:schemeClr val="tx1"/>
-                </a:solidFill>
-                <a:effectLst/>
-                <a:latin typeface="+mn-lt"/>
-                <a:ea typeface="+mn-ea"/>
-                <a:cs typeface="+mn-cs"/>
-              </a:rPr>
-              <a:t> display info in sectors by default and if no options are used to filter the result then all volumes will be listed.</a:t>
-            </a:r>
+              <a:rPr lang="en-US" dirty="0"/>
+              <a:t>http://blog.hakzone.info/posts-and-articles/linux/disk-analysis-with-fdisk-mmls-fsstat-and-fls/</a:t>
+            </a:r>
+          </a:p>
+          <a:p>
+            <a:pPr marL="285750" indent="-285750">
+              <a:buFont typeface="Arial" panose="020B0604020202020204" pitchFamily="34" charset="0"/>
+              <a:buChar char="•"/>
+            </a:pPr>
+            <a:r>
+              <a:rPr lang="en-US" b="1" dirty="0">
+                <a:solidFill>
+                  <a:srgbClr val="222222"/>
+                </a:solidFill>
+                <a:latin typeface="Roboto"/>
+              </a:rPr>
+              <a:t>Block devices</a:t>
+            </a:r>
+            <a:r>
+              <a:rPr lang="en-US" dirty="0">
+                <a:solidFill>
+                  <a:srgbClr val="222222"/>
+                </a:solidFill>
+                <a:latin typeface="Roboto"/>
+              </a:rPr>
+              <a:t> are characterized by random access to data organized in fixed-size blocks. Examples of such devices are hard drives, CD-ROM drives, RAM disks, etc.</a:t>
+            </a:r>
+          </a:p>
+          <a:p>
+            <a:pPr marL="285750" indent="-285750">
+              <a:buFont typeface="Arial" panose="020B0604020202020204" pitchFamily="34" charset="0"/>
+              <a:buChar char="•"/>
+            </a:pPr>
+            <a:r>
+              <a:rPr lang="en-US" b="1" dirty="0" err="1">
+                <a:solidFill>
+                  <a:srgbClr val="222222"/>
+                </a:solidFill>
+                <a:latin typeface="Roboto"/>
+              </a:rPr>
+              <a:t>fdisk</a:t>
+            </a:r>
+            <a:r>
+              <a:rPr lang="en-US" dirty="0">
+                <a:solidFill>
+                  <a:srgbClr val="222222"/>
+                </a:solidFill>
+                <a:latin typeface="Roboto"/>
+              </a:rPr>
+              <a:t> also known as format disk is a dialog-driven </a:t>
+            </a:r>
+            <a:r>
+              <a:rPr lang="en-US" b="1" dirty="0">
+                <a:solidFill>
+                  <a:srgbClr val="222222"/>
+                </a:solidFill>
+                <a:latin typeface="Roboto"/>
+              </a:rPr>
+              <a:t>command</a:t>
+            </a:r>
+            <a:r>
+              <a:rPr lang="en-US" dirty="0">
+                <a:solidFill>
+                  <a:srgbClr val="222222"/>
+                </a:solidFill>
+                <a:latin typeface="Roboto"/>
+              </a:rPr>
+              <a:t> in </a:t>
+            </a:r>
+            <a:r>
+              <a:rPr lang="en-US" b="1" dirty="0">
+                <a:solidFill>
+                  <a:srgbClr val="222222"/>
+                </a:solidFill>
+                <a:latin typeface="Roboto"/>
+              </a:rPr>
+              <a:t>Linux</a:t>
+            </a:r>
+            <a:r>
+              <a:rPr lang="en-US" dirty="0">
+                <a:solidFill>
+                  <a:srgbClr val="222222"/>
+                </a:solidFill>
+                <a:latin typeface="Roboto"/>
+              </a:rPr>
+              <a:t> used for creating and manipulating disk partition table. It is used for the view, create, delete, change, resize, copy and move partitions on a hard drive using the dialog-driven interface.</a:t>
+            </a:r>
+            <a:endParaRPr lang="en-US" dirty="0"/>
+          </a:p>
+          <a:p>
             <a:endParaRPr lang="en-US" dirty="0"/>
           </a:p>
         </p:txBody>
@@ -3825,7 +4368,7 @@
           <a:p>
             <a:fld id="{DDBF98C7-164A-4723-84F0-B1E4B080DDEC}" type="slidenum">
               <a:rPr lang="en-US" smtClean="0"/>
-              <a:t>6</a:t>
+              <a:t>5</a:t>
             </a:fld>
             <a:endParaRPr lang="en-US"/>
           </a:p>
@@ -3834,7 +4377,7 @@
     </p:spTree>
     <p:extLst>
       <p:ext uri="{BB962C8B-B14F-4D97-AF65-F5344CB8AC3E}">
-        <p14:creationId xmlns:p14="http://schemas.microsoft.com/office/powerpoint/2010/main" val="4029213344"/>
+        <p14:creationId xmlns:p14="http://schemas.microsoft.com/office/powerpoint/2010/main" val="2408135982"/>
       </p:ext>
     </p:extLst>
   </p:cSld>
@@ -3888,6 +4431,90 @@
           <a:bodyPr/>
           <a:lstStyle/>
           <a:p>
+            <a:r>
+              <a:rPr lang="en-US" sz="1200" b="0" i="0" kern="1200" dirty="0">
+                <a:solidFill>
+                  <a:schemeClr val="tx1"/>
+                </a:solidFill>
+                <a:effectLst/>
+                <a:latin typeface="+mn-lt"/>
+                <a:ea typeface="+mn-ea"/>
+                <a:cs typeface="+mn-cs"/>
+              </a:rPr>
+              <a:t>Similarly, the </a:t>
+            </a:r>
+            <a:r>
+              <a:rPr lang="en-US" sz="1200" b="0" i="0" kern="1200" dirty="0" err="1">
+                <a:solidFill>
+                  <a:schemeClr val="tx1"/>
+                </a:solidFill>
+                <a:effectLst/>
+                <a:latin typeface="+mn-lt"/>
+                <a:ea typeface="+mn-ea"/>
+                <a:cs typeface="+mn-cs"/>
+              </a:rPr>
+              <a:t>mmls</a:t>
+            </a:r>
+            <a:r>
+              <a:rPr lang="en-US" sz="1200" b="0" i="0" kern="1200" dirty="0">
+                <a:solidFill>
+                  <a:schemeClr val="tx1"/>
+                </a:solidFill>
+                <a:effectLst/>
+                <a:latin typeface="+mn-lt"/>
+                <a:ea typeface="+mn-ea"/>
+                <a:cs typeface="+mn-cs"/>
+              </a:rPr>
+              <a:t> tool can be used to display the partition layout of a volume system. However, </a:t>
+            </a:r>
+            <a:r>
+              <a:rPr lang="en-US" sz="1200" b="0" i="0" kern="1200" dirty="0" err="1">
+                <a:solidFill>
+                  <a:schemeClr val="tx1"/>
+                </a:solidFill>
+                <a:effectLst/>
+                <a:latin typeface="+mn-lt"/>
+                <a:ea typeface="+mn-ea"/>
+                <a:cs typeface="+mn-cs"/>
+              </a:rPr>
+              <a:t>mmls</a:t>
+            </a:r>
+            <a:r>
+              <a:rPr lang="en-US" sz="1200" b="0" i="0" kern="1200" dirty="0">
+                <a:solidFill>
+                  <a:schemeClr val="tx1"/>
+                </a:solidFill>
+                <a:effectLst/>
+                <a:latin typeface="+mn-lt"/>
+                <a:ea typeface="+mn-ea"/>
+                <a:cs typeface="+mn-cs"/>
+              </a:rPr>
+              <a:t> can be different by showing which sectors are not being used so that those can be searched for hidden data. In addition, </a:t>
+            </a:r>
+            <a:r>
+              <a:rPr lang="en-US" sz="1200" b="0" i="0" kern="1200" dirty="0" err="1">
+                <a:solidFill>
+                  <a:schemeClr val="tx1"/>
+                </a:solidFill>
+                <a:effectLst/>
+                <a:latin typeface="+mn-lt"/>
+                <a:ea typeface="+mn-ea"/>
+                <a:cs typeface="+mn-cs"/>
+              </a:rPr>
+              <a:t>mmls</a:t>
+            </a:r>
+            <a:r>
+              <a:rPr lang="en-US" sz="1200" b="0" i="0" kern="1200" dirty="0">
+                <a:solidFill>
+                  <a:schemeClr val="tx1"/>
+                </a:solidFill>
+                <a:effectLst/>
+                <a:latin typeface="+mn-lt"/>
+                <a:ea typeface="+mn-ea"/>
+                <a:cs typeface="+mn-cs"/>
+              </a:rPr>
+              <a:t> display info in sectors by default and if no options are used to filter the result then all volumes will be listed.</a:t>
+            </a:r>
             <a:endParaRPr lang="en-US" dirty="0"/>
           </a:p>
         </p:txBody>
@@ -3909,7 +4536,7 @@
           <a:p>
             <a:fld id="{DDBF98C7-164A-4723-84F0-B1E4B080DDEC}" type="slidenum">
               <a:rPr lang="en-US" smtClean="0"/>
-              <a:t>7</a:t>
+              <a:t>6</a:t>
             </a:fld>
             <a:endParaRPr lang="en-US"/>
           </a:p>
@@ -3918,7 +4545,7 @@
     </p:spTree>
     <p:extLst>
       <p:ext uri="{BB962C8B-B14F-4D97-AF65-F5344CB8AC3E}">
-        <p14:creationId xmlns:p14="http://schemas.microsoft.com/office/powerpoint/2010/main" val="3879276852"/>
+        <p14:creationId xmlns:p14="http://schemas.microsoft.com/office/powerpoint/2010/main" val="4029213344"/>
       </p:ext>
     </p:extLst>
   </p:cSld>
@@ -3972,90 +4599,6 @@
           <a:bodyPr/>
           <a:lstStyle/>
           <a:p>
-            <a:r>
-              <a:rPr lang="en-US" sz="1200" b="0" i="0" kern="1200" dirty="0">
-                <a:solidFill>
-                  <a:schemeClr val="tx1"/>
-                </a:solidFill>
-                <a:effectLst/>
-                <a:latin typeface="+mn-lt"/>
-                <a:ea typeface="+mn-ea"/>
-                <a:cs typeface="+mn-cs"/>
-              </a:rPr>
-              <a:t>Similarly, the </a:t>
-            </a:r>
-            <a:r>
-              <a:rPr lang="en-US" sz="1200" b="0" i="0" kern="1200" dirty="0" err="1">
-                <a:solidFill>
-                  <a:schemeClr val="tx1"/>
-                </a:solidFill>
-                <a:effectLst/>
-                <a:latin typeface="+mn-lt"/>
-                <a:ea typeface="+mn-ea"/>
-                <a:cs typeface="+mn-cs"/>
-              </a:rPr>
-              <a:t>mmls</a:t>
-            </a:r>
-            <a:r>
-              <a:rPr lang="en-US" sz="1200" b="0" i="0" kern="1200" dirty="0">
-                <a:solidFill>
-                  <a:schemeClr val="tx1"/>
-                </a:solidFill>
-                <a:effectLst/>
-                <a:latin typeface="+mn-lt"/>
-                <a:ea typeface="+mn-ea"/>
-                <a:cs typeface="+mn-cs"/>
-              </a:rPr>
-              <a:t> tool can be used to display the partition layout of a volume system. However, </a:t>
-            </a:r>
-            <a:r>
-              <a:rPr lang="en-US" sz="1200" b="0" i="0" kern="1200" dirty="0" err="1">
-                <a:solidFill>
-                  <a:schemeClr val="tx1"/>
-                </a:solidFill>
-                <a:effectLst/>
-                <a:latin typeface="+mn-lt"/>
-                <a:ea typeface="+mn-ea"/>
-                <a:cs typeface="+mn-cs"/>
-              </a:rPr>
-              <a:t>mmls</a:t>
-            </a:r>
-            <a:r>
-              <a:rPr lang="en-US" sz="1200" b="0" i="0" kern="1200" dirty="0">
-                <a:solidFill>
-                  <a:schemeClr val="tx1"/>
-                </a:solidFill>
-                <a:effectLst/>
-                <a:latin typeface="+mn-lt"/>
-                <a:ea typeface="+mn-ea"/>
-                <a:cs typeface="+mn-cs"/>
-              </a:rPr>
-              <a:t> can be different by showing which sectors are not being used so that those can be searched for hidden data. In addition, </a:t>
-            </a:r>
-            <a:r>
-              <a:rPr lang="en-US" sz="1200" b="0" i="0" kern="1200" dirty="0" err="1">
-                <a:solidFill>
-                  <a:schemeClr val="tx1"/>
-                </a:solidFill>
-                <a:effectLst/>
-                <a:latin typeface="+mn-lt"/>
-                <a:ea typeface="+mn-ea"/>
-                <a:cs typeface="+mn-cs"/>
-              </a:rPr>
-              <a:t>mmls</a:t>
-            </a:r>
-            <a:r>
-              <a:rPr lang="en-US" sz="1200" b="0" i="0" kern="1200" dirty="0">
-                <a:solidFill>
-                  <a:schemeClr val="tx1"/>
-                </a:solidFill>
-                <a:effectLst/>
-                <a:latin typeface="+mn-lt"/>
-                <a:ea typeface="+mn-ea"/>
-                <a:cs typeface="+mn-cs"/>
-              </a:rPr>
-              <a:t> display info in sectors by default and if no options are used to filter the result then all volumes will be listed.</a:t>
-            </a:r>
             <a:endParaRPr lang="en-US" dirty="0"/>
           </a:p>
         </p:txBody>
@@ -4077,7 +4620,7 @@
           <a:p>
             <a:fld id="{DDBF98C7-164A-4723-84F0-B1E4B080DDEC}" type="slidenum">
               <a:rPr lang="en-US" smtClean="0"/>
-              <a:t>8</a:t>
+              <a:t>7</a:t>
             </a:fld>
             <a:endParaRPr lang="en-US"/>
           </a:p>
@@ -4086,7 +4629,7 @@
     </p:spTree>
     <p:extLst>
       <p:ext uri="{BB962C8B-B14F-4D97-AF65-F5344CB8AC3E}">
-        <p14:creationId xmlns:p14="http://schemas.microsoft.com/office/powerpoint/2010/main" val="3723074643"/>
+        <p14:creationId xmlns:p14="http://schemas.microsoft.com/office/powerpoint/2010/main" val="3879276852"/>
       </p:ext>
     </p:extLst>
   </p:cSld>
@@ -4141,12 +4684,88 @@
           <a:lstStyle/>
           <a:p>
             <a:r>
-              <a:rPr lang="en-US" dirty="0" err="1" smtClean="0"/>
-              <a:t>fsstat</a:t>
-            </a:r>
-            <a:r>
-              <a:rPr lang="en-US" dirty="0" smtClean="0"/>
-              <a:t> -b 512 -o 2048 cfreds_2015_data_leakage_pc.dd</a:t>
+              <a:rPr lang="en-US" sz="1200" b="0" i="0" kern="1200" dirty="0">
+                <a:solidFill>
+                  <a:schemeClr val="tx1"/>
+                </a:solidFill>
+                <a:effectLst/>
+                <a:latin typeface="+mn-lt"/>
+                <a:ea typeface="+mn-ea"/>
+                <a:cs typeface="+mn-cs"/>
+              </a:rPr>
+              <a:t>Similarly, the </a:t>
+            </a:r>
+            <a:r>
+              <a:rPr lang="en-US" sz="1200" b="0" i="0" kern="1200" dirty="0" err="1">
+                <a:solidFill>
+                  <a:schemeClr val="tx1"/>
+                </a:solidFill>
+                <a:effectLst/>
+                <a:latin typeface="+mn-lt"/>
+                <a:ea typeface="+mn-ea"/>
+                <a:cs typeface="+mn-cs"/>
+              </a:rPr>
+              <a:t>mmls</a:t>
+            </a:r>
+            <a:r>
+              <a:rPr lang="en-US" sz="1200" b="0" i="0" kern="1200" dirty="0">
+                <a:solidFill>
+                  <a:schemeClr val="tx1"/>
+                </a:solidFill>
+                <a:effectLst/>
+                <a:latin typeface="+mn-lt"/>
+                <a:ea typeface="+mn-ea"/>
+                <a:cs typeface="+mn-cs"/>
+              </a:rPr>
+              <a:t> tool can be used to display the partition layout of a volume system. However, </a:t>
+            </a:r>
+            <a:r>
+              <a:rPr lang="en-US" sz="1200" b="0" i="0" kern="1200" dirty="0" err="1">
+                <a:solidFill>
+                  <a:schemeClr val="tx1"/>
+                </a:solidFill>
+                <a:effectLst/>
+                <a:latin typeface="+mn-lt"/>
+                <a:ea typeface="+mn-ea"/>
+                <a:cs typeface="+mn-cs"/>
+              </a:rPr>
+              <a:t>mmls</a:t>
+            </a:r>
+            <a:r>
+              <a:rPr lang="en-US" sz="1200" b="0" i="0" kern="1200" dirty="0">
+                <a:solidFill>
+                  <a:schemeClr val="tx1"/>
+                </a:solidFill>
+                <a:effectLst/>
+                <a:latin typeface="+mn-lt"/>
+                <a:ea typeface="+mn-ea"/>
+                <a:cs typeface="+mn-cs"/>
+              </a:rPr>
+              <a:t> can be different by showing which sectors are not being used so that those can be searched for hidden data. In addition, </a:t>
+            </a:r>
+            <a:r>
+              <a:rPr lang="en-US" sz="1200" b="0" i="0" kern="1200" dirty="0" err="1">
+                <a:solidFill>
+                  <a:schemeClr val="tx1"/>
+                </a:solidFill>
+                <a:effectLst/>
+                <a:latin typeface="+mn-lt"/>
+                <a:ea typeface="+mn-ea"/>
+                <a:cs typeface="+mn-cs"/>
+              </a:rPr>
+              <a:t>mmls</a:t>
+            </a:r>
+            <a:r>
+              <a:rPr lang="en-US" sz="1200" b="0" i="0" kern="1200" dirty="0">
+                <a:solidFill>
+                  <a:schemeClr val="tx1"/>
+                </a:solidFill>
+                <a:effectLst/>
+                <a:latin typeface="+mn-lt"/>
+                <a:ea typeface="+mn-ea"/>
+                <a:cs typeface="+mn-cs"/>
+              </a:rPr>
+              <a:t> display info in sectors by default and if no options are used to filter the result then all volumes will be listed.</a:t>
             </a:r>
             <a:endParaRPr lang="en-US" dirty="0"/>
           </a:p>
@@ -4169,7 +4788,7 @@
           <a:p>
             <a:fld id="{DDBF98C7-164A-4723-84F0-B1E4B080DDEC}" type="slidenum">
               <a:rPr lang="en-US" smtClean="0"/>
-              <a:t>9</a:t>
+              <a:t>8</a:t>
             </a:fld>
             <a:endParaRPr lang="en-US"/>
           </a:p>
@@ -4178,7 +4797,7 @@
     </p:spTree>
     <p:extLst>
       <p:ext uri="{BB962C8B-B14F-4D97-AF65-F5344CB8AC3E}">
-        <p14:creationId xmlns:p14="http://schemas.microsoft.com/office/powerpoint/2010/main" val="2632015618"/>
+        <p14:creationId xmlns:p14="http://schemas.microsoft.com/office/powerpoint/2010/main" val="3723074643"/>
       </p:ext>
     </p:extLst>
   </p:cSld>
@@ -4233,14 +4852,13 @@
           <a:lstStyle/>
           <a:p>
             <a:r>
-              <a:rPr lang="en-US" dirty="0" err="1" smtClean="0"/>
+              <a:rPr lang="en-US" dirty="0" err="1"/>
               <a:t>fsstat</a:t>
             </a:r>
             <a:r>
-              <a:rPr lang="en-US" dirty="0" smtClean="0"/>
-              <a:t> -b 512 -o 206848 cfreds_2015_data_leakage_pc.dd</a:t>
-            </a:r>
-            <a:endParaRPr lang="en-US" dirty="0"/>
+              <a:rPr lang="en-US" dirty="0"/>
+              <a:t> -b 512 -o 2048 cfreds_2015_data_leakage_pc.dd</a:t>
+            </a:r>
           </a:p>
         </p:txBody>
       </p:sp>
@@ -4261,7 +4879,7 @@
           <a:p>
             <a:fld id="{DDBF98C7-164A-4723-84F0-B1E4B080DDEC}" type="slidenum">
               <a:rPr lang="en-US" smtClean="0"/>
-              <a:t>10</a:t>
+              <a:t>9</a:t>
             </a:fld>
             <a:endParaRPr lang="en-US"/>
           </a:p>
@@ -4270,7 +4888,7 @@
     </p:spTree>
     <p:extLst>
       <p:ext uri="{BB962C8B-B14F-4D97-AF65-F5344CB8AC3E}">
-        <p14:creationId xmlns:p14="http://schemas.microsoft.com/office/powerpoint/2010/main" val="1931072807"/>
+        <p14:creationId xmlns:p14="http://schemas.microsoft.com/office/powerpoint/2010/main" val="2632015618"/>
       </p:ext>
     </p:extLst>
   </p:cSld>
@@ -4409,7 +5027,7 @@
           <a:p>
             <a:fld id="{4263717A-E3C1-4BED-ABE0-B7069385E023}" type="datetimeFigureOut">
               <a:rPr lang="en-US" smtClean="0"/>
-              <a:t>12/20/2020</a:t>
+              <a:t>3/25/2021</a:t>
             </a:fld>
             <a:endParaRPr lang="en-US"/>
           </a:p>
@@ -4582,7 +5200,7 @@
           <a:p>
             <a:fld id="{4263717A-E3C1-4BED-ABE0-B7069385E023}" type="datetimeFigureOut">
               <a:rPr lang="en-US" smtClean="0"/>
-              <a:t>12/20/2020</a:t>
+              <a:t>3/25/2021</a:t>
             </a:fld>
             <a:endParaRPr lang="en-US"/>
           </a:p>
@@ -4760,7 +5378,7 @@
           <a:p>
             <a:fld id="{4263717A-E3C1-4BED-ABE0-B7069385E023}" type="datetimeFigureOut">
               <a:rPr lang="en-US" smtClean="0"/>
-              <a:t>12/20/2020</a:t>
+              <a:t>3/25/2021</a:t>
             </a:fld>
             <a:endParaRPr lang="en-US"/>
           </a:p>
@@ -4928,7 +5546,7 @@
           <a:p>
             <a:fld id="{4263717A-E3C1-4BED-ABE0-B7069385E023}" type="datetimeFigureOut">
               <a:rPr lang="en-US" smtClean="0"/>
-              <a:t>12/20/2020</a:t>
+              <a:t>3/25/2021</a:t>
             </a:fld>
             <a:endParaRPr lang="en-US"/>
           </a:p>
@@ -5173,7 +5791,7 @@
           <a:p>
             <a:fld id="{4263717A-E3C1-4BED-ABE0-B7069385E023}" type="datetimeFigureOut">
               <a:rPr lang="en-US" smtClean="0"/>
-              <a:t>12/20/2020</a:t>
+              <a:t>3/25/2021</a:t>
             </a:fld>
             <a:endParaRPr lang="en-US"/>
           </a:p>
@@ -5402,7 +6020,7 @@
           <a:p>
             <a:fld id="{4263717A-E3C1-4BED-ABE0-B7069385E023}" type="datetimeFigureOut">
               <a:rPr lang="en-US" smtClean="0"/>
-              <a:t>12/20/2020</a:t>
+              <a:t>3/25/2021</a:t>
             </a:fld>
             <a:endParaRPr lang="en-US"/>
           </a:p>
@@ -5766,7 +6384,7 @@
           <a:p>
             <a:fld id="{4263717A-E3C1-4BED-ABE0-B7069385E023}" type="datetimeFigureOut">
               <a:rPr lang="en-US" smtClean="0"/>
-              <a:t>12/20/2020</a:t>
+              <a:t>3/25/2021</a:t>
             </a:fld>
             <a:endParaRPr lang="en-US"/>
           </a:p>
@@ -5883,7 +6501,7 @@
           <a:p>
             <a:fld id="{4263717A-E3C1-4BED-ABE0-B7069385E023}" type="datetimeFigureOut">
               <a:rPr lang="en-US" smtClean="0"/>
-              <a:t>12/20/2020</a:t>
+              <a:t>3/25/2021</a:t>
             </a:fld>
             <a:endParaRPr lang="en-US"/>
           </a:p>
@@ -5978,7 +6596,7 @@
           <a:p>
             <a:fld id="{4263717A-E3C1-4BED-ABE0-B7069385E023}" type="datetimeFigureOut">
               <a:rPr lang="en-US" smtClean="0"/>
-              <a:t>12/20/2020</a:t>
+              <a:t>3/25/2021</a:t>
             </a:fld>
             <a:endParaRPr lang="en-US"/>
           </a:p>
@@ -6253,7 +6871,7 @@
           <a:p>
             <a:fld id="{4263717A-E3C1-4BED-ABE0-B7069385E023}" type="datetimeFigureOut">
               <a:rPr lang="en-US" smtClean="0"/>
-              <a:t>12/20/2020</a:t>
+              <a:t>3/25/2021</a:t>
             </a:fld>
             <a:endParaRPr lang="en-US"/>
           </a:p>
@@ -6505,7 +7123,7 @@
           <a:p>
             <a:fld id="{4263717A-E3C1-4BED-ABE0-B7069385E023}" type="datetimeFigureOut">
               <a:rPr lang="en-US" smtClean="0"/>
-              <a:t>12/20/2020</a:t>
+              <a:t>3/25/2021</a:t>
             </a:fld>
             <a:endParaRPr lang="en-US"/>
           </a:p>
@@ -6716,7 +7334,7 @@
           <a:p>
             <a:fld id="{4263717A-E3C1-4BED-ABE0-B7069385E023}" type="datetimeFigureOut">
               <a:rPr lang="en-US" smtClean="0"/>
-              <a:t>12/20/2020</a:t>
+              <a:t>3/25/2021</a:t>
             </a:fld>
             <a:endParaRPr lang="en-US"/>
           </a:p>
@@ -7323,10 +7941,9 @@
           <a:lstStyle/>
           <a:p>
             <a:r>
-              <a:rPr lang="en-US" dirty="0" smtClean="0"/>
+              <a:rPr lang="en-US" dirty="0"/>
               <a:t>Key words: Windows Registry</a:t>
             </a:r>
-            <a:endParaRPr lang="en-US" dirty="0"/>
           </a:p>
           <a:p>
             <a:endParaRPr lang="en-US" dirty="0"/>
@@ -7598,28 +8215,12 @@
           <a:lstStyle/>
           <a:p>
             <a:r>
-              <a:rPr lang="en-US" dirty="0" smtClean="0">
+              <a:rPr lang="en-US" dirty="0">
                 <a:solidFill>
                   <a:srgbClr val="FF0000"/>
                 </a:solidFill>
               </a:rPr>
-              <a:t>Serial </a:t>
-            </a:r>
-            <a:r>
-              <a:rPr lang="en-US" dirty="0" smtClean="0">
-                <a:solidFill>
-                  <a:srgbClr val="FF0000"/>
-                </a:solidFill>
-              </a:rPr>
-              <a:t>number. </a:t>
-            </a:r>
-            <a:r>
-              <a:rPr lang="en-US" dirty="0" smtClean="0">
-                <a:solidFill>
-                  <a:srgbClr val="FF0000"/>
-                </a:solidFill>
-              </a:rPr>
-              <a:t>Remember the #. We will use it later.</a:t>
+              <a:t>Serial number. Remember the #. We will use it later.</a:t>
             </a:r>
             <a:endParaRPr lang="en-US" dirty="0"/>
           </a:p>
@@ -7707,7 +8308,7 @@
           <a:lstStyle/>
           <a:p>
             <a:r>
-              <a:rPr lang="en-US" dirty="0" smtClean="0">
+              <a:rPr lang="en-US" dirty="0">
                 <a:solidFill>
                   <a:srgbClr val="FF0000"/>
                 </a:solidFill>
@@ -7791,7 +8392,7 @@
           <a:lstStyle/>
           <a:p>
             <a:r>
-              <a:rPr lang="en-US" dirty="0" smtClean="0">
+              <a:rPr lang="en-US" dirty="0">
                 <a:solidFill>
                   <a:srgbClr val="FF0000"/>
                 </a:solidFill>
@@ -7799,12 +8400,8 @@
               <a:t>2.2</a:t>
             </a:r>
             <a:r>
-              <a:rPr lang="en-US" dirty="0" smtClean="0"/>
-              <a:t> How </a:t>
-            </a:r>
-            <a:r>
-              <a:rPr lang="en-US" dirty="0"/>
-              <a:t>to show files (directories) in 2</a:t>
+              <a:rPr lang="en-US" dirty="0"/>
+              <a:t> How to show files (directories) in 2</a:t>
             </a:r>
             <a:r>
               <a:rPr lang="en-US" baseline="30000" dirty="0"/>
@@ -8108,7 +8705,7 @@
           <a:lstStyle/>
           <a:p>
             <a:r>
-              <a:rPr lang="en-US" dirty="0" smtClean="0">
+              <a:rPr lang="en-US" dirty="0">
                 <a:solidFill>
                   <a:srgbClr val="FF0000"/>
                 </a:solidFill>
@@ -8116,12 +8713,8 @@
               <a:t>2.2</a:t>
             </a:r>
             <a:r>
-              <a:rPr lang="en-US" dirty="0" smtClean="0"/>
-              <a:t> How </a:t>
-            </a:r>
-            <a:r>
-              <a:rPr lang="en-US" dirty="0"/>
-              <a:t>to list all deleted </a:t>
+              <a:rPr lang="en-US" dirty="0"/>
+              <a:t> How to list all deleted </a:t>
             </a:r>
             <a:r>
               <a:rPr lang="en-US" i="1" dirty="0">
@@ -8149,13 +8742,8 @@
             </a:r>
             <a:r>
               <a:rPr lang="en-US" dirty="0"/>
-              <a:t>files in the whole partition</a:t>
-            </a:r>
-            <a:r>
-              <a:rPr lang="en-US" dirty="0" smtClean="0"/>
-              <a:t>? </a:t>
-            </a:r>
-            <a:endParaRPr lang="en-US" dirty="0"/>
+              <a:t>files in the whole partition? </a:t>
+            </a:r>
           </a:p>
         </p:txBody>
       </p:sp>
@@ -8553,13 +9141,8 @@
             </a:r>
             <a:r>
               <a:rPr lang="en-US" dirty="0"/>
-              <a:t>to meet </a:t>
-            </a:r>
-            <a:r>
-              <a:rPr lang="en-US" dirty="0" smtClean="0"/>
-              <a:t>requirements</a:t>
-            </a:r>
-            <a:endParaRPr lang="en-US" dirty="0"/>
+              <a:t>to meet requirements</a:t>
+            </a:r>
           </a:p>
           <a:p>
             <a:endParaRPr lang="en-US" dirty="0"/>
@@ -8678,7 +9261,7 @@
           <a:lstStyle/>
           <a:p>
             <a:r>
-              <a:rPr lang="en-US" dirty="0" smtClean="0">
+              <a:rPr lang="en-US" dirty="0">
                 <a:solidFill>
                   <a:srgbClr val="FF0000"/>
                 </a:solidFill>
@@ -8686,12 +9269,8 @@
               <a:t>3. </a:t>
             </a:r>
             <a:r>
-              <a:rPr lang="en-US" dirty="0" smtClean="0"/>
-              <a:t>What </a:t>
-            </a:r>
-            <a:r>
-              <a:rPr lang="en-US" dirty="0"/>
-              <a:t>is the installed OS information in detail?</a:t>
+              <a:rPr lang="en-US" dirty="0"/>
+              <a:t>What is the installed OS information in detail?</a:t>
             </a:r>
           </a:p>
         </p:txBody>
@@ -8794,6 +9373,50 @@
               <a:t>CurrentVersion</a:t>
             </a:r>
             <a:endParaRPr lang="en-US" dirty="0"/>
+          </a:p>
+        </p:txBody>
+      </p:sp>
+      <p:sp>
+        <p:nvSpPr>
+          <p:cNvPr id="9" name="TextBox 8">
+            <a:extLst>
+              <a:ext uri="{FF2B5EF4-FFF2-40B4-BE49-F238E27FC236}">
+                <a16:creationId xmlns:a16="http://schemas.microsoft.com/office/drawing/2014/main" id="{FD073585-A036-466C-B01F-A816589870BE}"/>
+              </a:ext>
+            </a:extLst>
+          </p:cNvPr>
+          <p:cNvSpPr txBox="1"/>
+          <p:nvPr/>
+        </p:nvSpPr>
+        <p:spPr>
+          <a:xfrm>
+            <a:off x="6387617" y="4140831"/>
+            <a:ext cx="852014" cy="307777"/>
+          </a:xfrm>
+          <a:prstGeom prst="rect">
+            <a:avLst/>
+          </a:prstGeom>
+          <a:solidFill>
+            <a:schemeClr val="accent4">
+              <a:lumMod val="20000"/>
+              <a:lumOff val="80000"/>
+            </a:schemeClr>
+          </a:solidFill>
+        </p:spPr>
+        <p:txBody>
+          <a:bodyPr wrap="square">
+            <a:spAutoFit/>
+          </a:bodyPr>
+          <a:lstStyle/>
+          <a:p>
+            <a:r>
+              <a:rPr lang="en-US" sz="1400" b="0" i="0" u="none" strike="noStrike" baseline="0" dirty="0">
+                <a:solidFill>
+                  <a:srgbClr val="000000"/>
+                </a:solidFill>
+              </a:rPr>
+              <a:t>(GMT) </a:t>
+            </a:r>
           </a:p>
         </p:txBody>
       </p:sp>
@@ -9192,7 +9815,7 @@
           <a:lstStyle/>
           <a:p>
             <a:r>
-              <a:rPr lang="en-US" dirty="0" smtClean="0">
+              <a:rPr lang="en-US" dirty="0">
                 <a:solidFill>
                   <a:srgbClr val="FF0000"/>
                 </a:solidFill>
@@ -9200,26 +9823,9 @@
               <a:t>4. </a:t>
             </a:r>
             <a:r>
-              <a:rPr lang="en-US" dirty="0" smtClean="0"/>
-              <a:t>What </a:t>
-            </a:r>
-            <a:r>
-              <a:rPr lang="en-US" dirty="0"/>
-              <a:t>is the </a:t>
-            </a:r>
-            <a:r>
-              <a:rPr lang="en-US" dirty="0" err="1"/>
-              <a:t>timezone</a:t>
-            </a:r>
-            <a:r>
-              <a:rPr lang="en-US" dirty="0"/>
-              <a:t> </a:t>
-            </a:r>
-            <a:r>
-              <a:rPr lang="en-US" dirty="0" smtClean="0"/>
-              <a:t>setting?</a:t>
-            </a:r>
-            <a:endParaRPr lang="en-US" dirty="0"/>
+              <a:rPr lang="en-US" dirty="0"/>
+              <a:t>What is the time zone setting?</a:t>
+            </a:r>
           </a:p>
         </p:txBody>
       </p:sp>
@@ -9434,13 +10040,50 @@
           <a:lstStyle/>
           <a:p>
             <a:r>
-              <a:rPr lang="en-US" dirty="0" smtClean="0"/>
-              <a:t>The </a:t>
-            </a:r>
-            <a:r>
-              <a:rPr lang="en-US" dirty="0"/>
-              <a:t>Bias property represents the difference in minutes between Greenwich Mean Time (GMT—also known as Coordinated Universal Time, or UTC) and local time. For example, Eastern time (US and Canada) has a Bias property value of -300.</a:t>
-            </a:r>
+              <a:rPr lang="en-US" dirty="0"/>
+              <a:t>The Bias property represents the difference in minutes between Greenwich Mean Time (GMT—also known as Coordinated Universal Time, or UTC) and local time. For example, Eastern time (US and Canada) has a Bias property value of -300.</a:t>
+            </a:r>
+          </a:p>
+        </p:txBody>
+      </p:sp>
+      <p:sp>
+        <p:nvSpPr>
+          <p:cNvPr id="10" name="TextBox 9">
+            <a:extLst>
+              <a:ext uri="{FF2B5EF4-FFF2-40B4-BE49-F238E27FC236}">
+                <a16:creationId xmlns:a16="http://schemas.microsoft.com/office/drawing/2014/main" id="{E616D071-559E-402E-8676-29AB4427FA95}"/>
+              </a:ext>
+            </a:extLst>
+          </p:cNvPr>
+          <p:cNvSpPr txBox="1"/>
+          <p:nvPr/>
+        </p:nvSpPr>
+        <p:spPr>
+          <a:xfrm>
+            <a:off x="9215792" y="4773635"/>
+            <a:ext cx="2474925" cy="523220"/>
+          </a:xfrm>
+          <a:prstGeom prst="rect">
+            <a:avLst/>
+          </a:prstGeom>
+          <a:solidFill>
+            <a:schemeClr val="accent4">
+              <a:lumMod val="20000"/>
+              <a:lumOff val="80000"/>
+            </a:schemeClr>
+          </a:solidFill>
+        </p:spPr>
+        <p:txBody>
+          <a:bodyPr wrap="square">
+            <a:spAutoFit/>
+          </a:bodyPr>
+          <a:lstStyle/>
+          <a:p>
+            <a:r>
+              <a:rPr lang="en-GB" sz="1400" dirty="0"/>
+              <a:t>'Z' stands for Zulu time, which is also GMT and UTC.</a:t>
+            </a:r>
+            <a:endParaRPr lang="en-US" sz="1400" dirty="0"/>
           </a:p>
         </p:txBody>
       </p:sp>
@@ -9490,7 +10133,7 @@
           <a:lstStyle/>
           <a:p>
             <a:r>
-              <a:rPr lang="en-US" dirty="0" smtClean="0">
+              <a:rPr lang="en-US" dirty="0">
                 <a:solidFill>
                   <a:srgbClr val="FF0000"/>
                 </a:solidFill>
@@ -9498,12 +10141,8 @@
               <a:t>1. </a:t>
             </a:r>
             <a:r>
-              <a:rPr lang="en-US" dirty="0" smtClean="0"/>
-              <a:t>What </a:t>
-            </a:r>
-            <a:r>
-              <a:rPr lang="en-US" dirty="0"/>
-              <a:t>are the hash values (MD5 &amp; SHA-1) of the image? (Linux)</a:t>
+              <a:rPr lang="en-US" dirty="0"/>
+              <a:t>What are the hash values (MD5 &amp; SHA-1) of the image? (Linux)</a:t>
             </a:r>
           </a:p>
         </p:txBody>
@@ -9557,18 +10196,17 @@
           <a:lstStyle/>
           <a:p>
             <a:r>
-              <a:rPr lang="en-US" dirty="0" smtClean="0"/>
+              <a:rPr lang="en-US" dirty="0"/>
               <a:t>Verify you have the </a:t>
             </a:r>
             <a:r>
-              <a:rPr lang="en-US" dirty="0" err="1" smtClean="0"/>
+              <a:rPr lang="en-US" dirty="0" err="1"/>
               <a:t>dd</a:t>
             </a:r>
             <a:r>
-              <a:rPr lang="en-US" dirty="0" smtClean="0"/>
+              <a:rPr lang="en-US" dirty="0"/>
               <a:t> image</a:t>
             </a:r>
-            <a:endParaRPr lang="en-US" dirty="0"/>
           </a:p>
         </p:txBody>
       </p:sp>
@@ -9618,7 +10256,7 @@
           <a:lstStyle/>
           <a:p>
             <a:r>
-              <a:rPr lang="en-US" dirty="0" smtClean="0">
+              <a:rPr lang="en-US" dirty="0">
                 <a:solidFill>
                   <a:srgbClr val="FF0000"/>
                 </a:solidFill>
@@ -9626,12 +10264,8 @@
               <a:t>5. </a:t>
             </a:r>
             <a:r>
-              <a:rPr lang="en-US" dirty="0" smtClean="0"/>
-              <a:t>What </a:t>
-            </a:r>
-            <a:r>
-              <a:rPr lang="en-US" dirty="0"/>
-              <a:t>is the computer name?</a:t>
+              <a:rPr lang="en-US" dirty="0"/>
+              <a:t>What is the computer name?</a:t>
             </a:r>
           </a:p>
         </p:txBody>
@@ -9897,7 +10531,7 @@
           <a:lstStyle/>
           <a:p>
             <a:r>
-              <a:rPr lang="en-US" dirty="0" smtClean="0">
+              <a:rPr lang="en-US" dirty="0">
                 <a:solidFill>
                   <a:srgbClr val="FF0000"/>
                 </a:solidFill>
@@ -9905,12 +10539,8 @@
               <a:t>6. </a:t>
             </a:r>
             <a:r>
-              <a:rPr lang="en-US" dirty="0" smtClean="0"/>
-              <a:t>How </a:t>
-            </a:r>
-            <a:r>
-              <a:rPr lang="en-US" dirty="0"/>
-              <a:t>many accounts does the system have?</a:t>
+              <a:rPr lang="en-US" dirty="0"/>
+              <a:t>How many accounts does the system have?</a:t>
             </a:r>
             <a:br>
               <a:rPr lang="en-US" dirty="0"/>
@@ -10113,7 +10743,7 @@
           <p:cNvPr id="4" name="TextBox 3">
             <a:extLst>
               <a:ext uri="{FF2B5EF4-FFF2-40B4-BE49-F238E27FC236}">
-                <a16:creationId xmlns="" xmlns:a16="http://schemas.microsoft.com/office/drawing/2014/main" id="{32E5C229-70FD-4049-A49C-AC4A9F520A06}"/>
+                <a16:creationId xmlns:a16="http://schemas.microsoft.com/office/drawing/2014/main" id="{32E5C229-70FD-4049-A49C-AC4A9F520A06}"/>
               </a:ext>
             </a:extLst>
           </p:cNvPr>
@@ -10139,18 +10769,9 @@
           <a:lstStyle/>
           <a:p>
             <a:r>
-              <a:rPr lang="en-US" dirty="0" smtClean="0"/>
-              <a:t>Find and search </a:t>
-            </a:r>
-            <a:r>
-              <a:rPr lang="en-US" dirty="0"/>
-              <a:t>for Security Accounts Manager </a:t>
-            </a:r>
-            <a:r>
-              <a:rPr lang="en-US" dirty="0" smtClean="0"/>
-              <a:t>(SAM) information</a:t>
-            </a:r>
-            <a:endParaRPr lang="en-US" dirty="0"/>
+              <a:rPr lang="en-US" dirty="0"/>
+              <a:t>Find and search for Security Accounts Manager (SAM) information</a:t>
+            </a:r>
           </a:p>
         </p:txBody>
       </p:sp>
@@ -10182,16 +10803,8 @@
           <a:lstStyle/>
           <a:p>
             <a:r>
-              <a:rPr lang="en-US" dirty="0" smtClean="0"/>
-              <a:t>SAM stores accounts information, e.g., passwords </a:t>
-            </a:r>
-            <a:r>
-              <a:rPr lang="en-US" dirty="0"/>
-              <a:t>in a hashed </a:t>
-            </a:r>
-            <a:r>
-              <a:rPr lang="en-US" dirty="0" smtClean="0"/>
-              <a:t>format (NTLM).</a:t>
+              <a:rPr lang="en-US" dirty="0"/>
+              <a:t>SAM stores accounts information, e.g., passwords in a hashed format (NTLM).</a:t>
             </a:r>
           </a:p>
           <a:p>
@@ -10199,14 +10812,17 @@
           </a:p>
           <a:p>
             <a:r>
-              <a:rPr lang="en-US" dirty="0"/>
-              <a:t>grep –</a:t>
-            </a:r>
-            <a:r>
-              <a:rPr lang="en-US" dirty="0" smtClean="0"/>
-              <a:t>E &lt;regular expression&gt;</a:t>
-            </a:r>
-            <a:endParaRPr lang="en-US" dirty="0"/>
+              <a:rPr lang="en-US" i="1" dirty="0">
+                <a:solidFill>
+                  <a:srgbClr val="FF0000"/>
+                </a:solidFill>
+              </a:rPr>
+              <a:t>grep –E </a:t>
+            </a:r>
+            <a:r>
+              <a:rPr lang="en-US" dirty="0"/>
+              <a:t>&lt;regular expression&gt;</a:t>
+            </a:r>
           </a:p>
         </p:txBody>
       </p:sp>
@@ -10256,7 +10872,7 @@
           <a:lstStyle/>
           <a:p>
             <a:r>
-              <a:rPr lang="en-US" dirty="0" smtClean="0">
+              <a:rPr lang="en-US" dirty="0">
                 <a:solidFill>
                   <a:srgbClr val="FF0000"/>
                 </a:solidFill>
@@ -10264,18 +10880,9 @@
               <a:t>6.1</a:t>
             </a:r>
             <a:r>
-              <a:rPr lang="en-US" dirty="0" smtClean="0"/>
-              <a:t> What </a:t>
-            </a:r>
-            <a:r>
-              <a:rPr lang="en-US" dirty="0"/>
-              <a:t>are NTLM of these account</a:t>
-            </a:r>
-            <a:r>
-              <a:rPr lang="en-US" dirty="0" smtClean="0"/>
-              <a:t>?</a:t>
-            </a:r>
-            <a:endParaRPr lang="en-US" dirty="0"/>
+              <a:rPr lang="en-US" dirty="0"/>
+              <a:t> What are NTLM of these account?</a:t>
+            </a:r>
           </a:p>
         </p:txBody>
       </p:sp>
@@ -10349,7 +10956,7 @@
           <a:lstStyle/>
           <a:p>
             <a:r>
-              <a:rPr lang="en-US" dirty="0" smtClean="0">
+              <a:rPr lang="en-US" dirty="0">
                 <a:solidFill>
                   <a:srgbClr val="FF0000"/>
                 </a:solidFill>
@@ -10358,13 +10965,8 @@
             </a:r>
             <a:r>
               <a:rPr lang="en-US" dirty="0"/>
-              <a:t>How to Crack Windows 10 </a:t>
-            </a:r>
-            <a:r>
-              <a:rPr lang="en-US" dirty="0" smtClean="0"/>
-              <a:t>passwords?</a:t>
-            </a:r>
-            <a:endParaRPr lang="en-US" dirty="0"/>
+              <a:t>How to Crack Windows 10 passwords?</a:t>
+            </a:r>
           </a:p>
         </p:txBody>
       </p:sp>
@@ -10398,19 +11000,7 @@
             </a:pPr>
             <a:r>
               <a:rPr lang="en-US" dirty="0"/>
-              <a:t>Crack Win 10 password using </a:t>
-            </a:r>
-            <a:r>
-              <a:rPr lang="en-US" dirty="0" smtClean="0"/>
-              <a:t>NTLM and </a:t>
-            </a:r>
-            <a:r>
-              <a:rPr lang="en-US" dirty="0"/>
-              <a:t>Rainbow </a:t>
-            </a:r>
-            <a:r>
-              <a:rPr lang="en-US" dirty="0" smtClean="0"/>
-              <a:t>table. Follow the PPTs</a:t>
+              <a:t>Crack Win 10 password using NTLM and Rainbow table. Follow the PPTs</a:t>
             </a:r>
           </a:p>
         </p:txBody>
@@ -10485,7 +11075,7 @@
           <a:lstStyle/>
           <a:p>
             <a:r>
-              <a:rPr lang="en-US" dirty="0" smtClean="0">
+              <a:rPr lang="en-US" dirty="0">
                 <a:solidFill>
                   <a:srgbClr val="FF0000"/>
                 </a:solidFill>
@@ -10493,12 +11083,8 @@
               <a:t>7. </a:t>
             </a:r>
             <a:r>
-              <a:rPr lang="en-US" dirty="0" smtClean="0"/>
-              <a:t>Who </a:t>
-            </a:r>
-            <a:r>
-              <a:rPr lang="en-US" dirty="0"/>
-              <a:t>was the last user to logon into PC? </a:t>
+              <a:rPr lang="en-US" dirty="0"/>
+              <a:t>Who was the last user to logon into PC? </a:t>
             </a:r>
           </a:p>
         </p:txBody>
@@ -10549,25 +11135,19 @@
           <a:lstStyle/>
           <a:p>
             <a:r>
-              <a:rPr lang="en-US" dirty="0" smtClean="0">
-                <a:latin typeface="Times New Roman" panose="02020603050405020304" pitchFamily="18" charset="0"/>
-              </a:rPr>
-              <a:t>HKLM\Software\~</a:t>
-            </a:r>
-            <a:endParaRPr lang="en-US" dirty="0"/>
-          </a:p>
-          <a:p>
-            <a:r>
-              <a:rPr lang="en-US" dirty="0" smtClean="0">
-                <a:latin typeface="Times New Roman" panose="02020603050405020304" pitchFamily="18" charset="0"/>
-              </a:rPr>
-              <a:t>HKLM\SAM</a:t>
-            </a:r>
-            <a:r>
               <a:rPr lang="en-US" dirty="0">
                 <a:latin typeface="Times New Roman" panose="02020603050405020304" pitchFamily="18" charset="0"/>
               </a:rPr>
-              <a:t>\~</a:t>
+              <a:t>HKLM\Software\~</a:t>
+            </a:r>
+            <a:endParaRPr lang="en-US" dirty="0"/>
+          </a:p>
+          <a:p>
+            <a:r>
+              <a:rPr lang="en-US" dirty="0">
+                <a:latin typeface="Times New Roman" panose="02020603050405020304" pitchFamily="18" charset="0"/>
+              </a:rPr>
+              <a:t>HKLM\SAM\~</a:t>
             </a:r>
             <a:endParaRPr lang="en-US" dirty="0"/>
           </a:p>
@@ -10619,7 +11199,7 @@
           <a:lstStyle/>
           <a:p>
             <a:r>
-              <a:rPr lang="en-US" dirty="0" smtClean="0">
+              <a:rPr lang="en-US" dirty="0">
                 <a:solidFill>
                   <a:srgbClr val="FF0000"/>
                 </a:solidFill>
@@ -10627,12 +11207,8 @@
               <a:t>8. </a:t>
             </a:r>
             <a:r>
-              <a:rPr lang="en-US" dirty="0" smtClean="0"/>
-              <a:t>When </a:t>
-            </a:r>
-            <a:r>
-              <a:rPr lang="en-US" dirty="0"/>
-              <a:t>was the last recorded shutdown date/time?</a:t>
+              <a:rPr lang="en-US" dirty="0"/>
+              <a:t>When was the last recorded shutdown date/time?</a:t>
             </a:r>
           </a:p>
         </p:txBody>
@@ -10750,11 +11326,7 @@
           <a:p>
             <a:r>
               <a:rPr lang="en-US" sz="1600" dirty="0"/>
-              <a:t>A control set contains system configuration information such as device drivers and services</a:t>
-            </a:r>
-            <a:r>
-              <a:rPr lang="en-US" sz="1600" dirty="0" smtClean="0"/>
-              <a:t>.</a:t>
+              <a:t>A control set contains system configuration information such as device drivers and services.</a:t>
             </a:r>
           </a:p>
           <a:p>
@@ -10768,11 +11340,7 @@
             </a:r>
             <a:r>
               <a:rPr lang="en-US" sz="1600" dirty="0"/>
-              <a:t> may be the last control set you booted with</a:t>
-            </a:r>
-            <a:r>
-              <a:rPr lang="en-US" sz="1600" dirty="0" smtClean="0"/>
-              <a:t>.</a:t>
+              <a:t> may be the last control set you booted with.</a:t>
             </a:r>
           </a:p>
           <a:p>
@@ -10839,7 +11407,7 @@
           <a:lstStyle/>
           <a:p>
             <a:r>
-              <a:rPr lang="en-US" dirty="0" smtClean="0">
+              <a:rPr lang="en-US" dirty="0">
                 <a:solidFill>
                   <a:srgbClr val="FF0000"/>
                 </a:solidFill>
@@ -10847,12 +11415,8 @@
               <a:t>9. </a:t>
             </a:r>
             <a:r>
-              <a:rPr lang="en-US" dirty="0" smtClean="0"/>
-              <a:t>Explain </a:t>
-            </a:r>
-            <a:r>
-              <a:rPr lang="en-US" dirty="0"/>
-              <a:t>the information of network interface(s) with an IP address assigned by DHCP.</a:t>
+              <a:rPr lang="en-US" dirty="0"/>
+              <a:t>Explain the information of network interface(s) with an IP address assigned by DHCP.</a:t>
             </a:r>
           </a:p>
         </p:txBody>
@@ -11027,7 +11591,7 @@
           <a:lstStyle/>
           <a:p>
             <a:r>
-              <a:rPr lang="en-US" dirty="0" smtClean="0">
+              <a:rPr lang="en-US" dirty="0">
                 <a:solidFill>
                   <a:srgbClr val="FF0000"/>
                 </a:solidFill>
@@ -11184,7 +11748,7 @@
           <a:lstStyle/>
           <a:p>
             <a:r>
-              <a:rPr lang="en-US" dirty="0" smtClean="0">
+              <a:rPr lang="en-US" dirty="0">
                 <a:solidFill>
                   <a:srgbClr val="FF0000"/>
                 </a:solidFill>
@@ -11192,15 +11756,11 @@
               <a:t>10.1 </a:t>
             </a:r>
             <a:r>
-              <a:rPr lang="en-US" dirty="0" smtClean="0"/>
-              <a:t>What </a:t>
-            </a:r>
-            <a:r>
-              <a:rPr lang="en-US" dirty="0"/>
-              <a:t>applications were </a:t>
-            </a:r>
-            <a:r>
-              <a:rPr lang="en-US" dirty="0" smtClean="0">
+              <a:rPr lang="en-US" dirty="0"/>
+              <a:t>What applications can be </a:t>
+            </a:r>
+            <a:r>
+              <a:rPr lang="en-US" dirty="0">
                 <a:solidFill>
                   <a:srgbClr val="FF0000"/>
                 </a:solidFill>
@@ -11208,12 +11768,8 @@
               <a:t>uninstalled</a:t>
             </a:r>
             <a:r>
-              <a:rPr lang="en-US" dirty="0" smtClean="0"/>
-              <a:t> </a:t>
-            </a:r>
-            <a:r>
-              <a:rPr lang="en-US" dirty="0"/>
-              <a:t>by the suspect after installing OS?</a:t>
+              <a:rPr lang="en-US" dirty="0"/>
+              <a:t> by the suspect after installing OS?</a:t>
             </a:r>
           </a:p>
         </p:txBody>
@@ -11416,7 +11972,7 @@
           <p:nvPr/>
         </p:nvPicPr>
         <p:blipFill>
-          <a:blip r:embed="rId2"/>
+          <a:blip r:embed="rId3"/>
           <a:stretch>
             <a:fillRect/>
           </a:stretch>
@@ -11440,7 +11996,7 @@
           <p:nvPr/>
         </p:nvPicPr>
         <p:blipFill>
-          <a:blip r:embed="rId3"/>
+          <a:blip r:embed="rId4"/>
           <a:stretch>
             <a:fillRect/>
           </a:stretch>
@@ -11595,18 +12151,9 @@
               <a:t>11. </a:t>
             </a:r>
             <a:r>
-              <a:rPr lang="en-US" dirty="0" smtClean="0"/>
-              <a:t>List </a:t>
-            </a:r>
-            <a:r>
-              <a:rPr lang="en-US" dirty="0"/>
-              <a:t>application execution logs (Executable path, execution time, execution count</a:t>
-            </a:r>
-            <a:r>
-              <a:rPr lang="en-US" dirty="0" smtClean="0"/>
-              <a:t>...)</a:t>
-            </a:r>
-            <a:endParaRPr lang="en-US" dirty="0"/>
+              <a:rPr lang="en-US" dirty="0"/>
+              <a:t>List application execution logs (Executable path, execution time, execution count...)</a:t>
+            </a:r>
           </a:p>
         </p:txBody>
       </p:sp>
@@ -11628,7 +12175,7 @@
           <a:lstStyle/>
           <a:p>
             <a:r>
-              <a:rPr lang="en-US" i="1" dirty="0" err="1" smtClean="0">
+              <a:rPr lang="en-US" i="1" dirty="0" err="1">
                 <a:solidFill>
                   <a:srgbClr val="007DB5"/>
                 </a:solidFill>
@@ -11636,21 +12183,13 @@
               <a:t>Shimcache</a:t>
             </a:r>
             <a:r>
-              <a:rPr lang="en-US" dirty="0" smtClean="0"/>
-              <a:t>: </a:t>
-            </a:r>
-            <a:r>
-              <a:rPr lang="en-US" dirty="0"/>
-              <a:t>Application Compatibility </a:t>
-            </a:r>
-            <a:r>
-              <a:rPr lang="en-US" dirty="0" smtClean="0"/>
-              <a:t>Cache</a:t>
-            </a:r>
-          </a:p>
-          <a:p>
-            <a:r>
-              <a:rPr lang="en-US" i="1" dirty="0" err="1" smtClean="0">
+              <a:rPr lang="en-US" dirty="0"/>
+              <a:t>: Application Compatibility Cache</a:t>
+            </a:r>
+          </a:p>
+          <a:p>
+            <a:r>
+              <a:rPr lang="en-US" i="1" dirty="0" err="1">
                 <a:solidFill>
                   <a:srgbClr val="007DB5"/>
                 </a:solidFill>
@@ -11658,7 +12197,7 @@
               <a:t>RecentFileCache</a:t>
             </a:r>
             <a:r>
-              <a:rPr lang="en-US" i="1" dirty="0" smtClean="0">
+              <a:rPr lang="en-US" i="1" dirty="0">
                 <a:solidFill>
                   <a:srgbClr val="007DB5"/>
                 </a:solidFill>
@@ -11666,7 +12205,7 @@
               <a:t>/</a:t>
             </a:r>
             <a:r>
-              <a:rPr lang="en-US" i="1" dirty="0" err="1" smtClean="0">
+              <a:rPr lang="en-US" i="1" dirty="0" err="1">
                 <a:solidFill>
                   <a:srgbClr val="007DB5"/>
                 </a:solidFill>
@@ -11771,7 +12310,7 @@
           <a:lstStyle/>
           <a:p>
             <a:r>
-              <a:rPr lang="en-US" dirty="0" smtClean="0">
+              <a:rPr lang="en-US" dirty="0">
                 <a:solidFill>
                   <a:srgbClr val="FF0000"/>
                 </a:solidFill>
@@ -11779,11 +12318,11 @@
               <a:t>11.1</a:t>
             </a:r>
             <a:r>
-              <a:rPr lang="en-US" dirty="0" smtClean="0"/>
+              <a:rPr lang="en-US" dirty="0"/>
               <a:t> </a:t>
             </a:r>
             <a:r>
-              <a:rPr lang="en-US" i="1" dirty="0" err="1" smtClean="0">
+              <a:rPr lang="en-US" i="1" dirty="0" err="1">
                 <a:solidFill>
                   <a:srgbClr val="007DB5"/>
                 </a:solidFill>
@@ -11791,12 +12330,58 @@
               <a:t>Shimcache</a:t>
             </a:r>
             <a:r>
-              <a:rPr lang="en-US" i="1" dirty="0" smtClean="0">
+              <a:rPr lang="en-US" i="1" dirty="0">
                 <a:solidFill>
                   <a:srgbClr val="007DB5"/>
                 </a:solidFill>
               </a:rPr>
               <a:t> </a:t>
+            </a:r>
+          </a:p>
+        </p:txBody>
+      </p:sp>
+      <p:sp>
+        <p:nvSpPr>
+          <p:cNvPr id="5" name="Content Placeholder 4"/>
+          <p:cNvSpPr>
+            <a:spLocks noGrp="1"/>
+          </p:cNvSpPr>
+          <p:nvPr>
+            <p:ph idx="1"/>
+          </p:nvPr>
+        </p:nvSpPr>
+        <p:spPr/>
+        <p:txBody>
+          <a:bodyPr>
+            <a:normAutofit fontScale="92500" lnSpcReduction="10000"/>
+          </a:bodyPr>
+          <a:lstStyle/>
+          <a:p>
+            <a:r>
+              <a:rPr lang="en-US" dirty="0"/>
+              <a:t>Created to identify application compatibility issues</a:t>
+            </a:r>
+          </a:p>
+          <a:p>
+            <a:pPr lvl="1"/>
+            <a:r>
+              <a:rPr lang="en-US" dirty="0"/>
+              <a:t>It is used for quick search to decide whether modules need shimming (make them fit) for compatibility or not</a:t>
+            </a:r>
+          </a:p>
+          <a:p>
+            <a:pPr lvl="1"/>
+            <a:r>
+              <a:rPr lang="en-US" dirty="0"/>
+              <a:t>Known as </a:t>
+            </a:r>
+            <a:r>
+              <a:rPr lang="en-US" i="1" dirty="0" err="1">
+                <a:solidFill>
+                  <a:srgbClr val="007DB5"/>
+                </a:solidFill>
+              </a:rPr>
+              <a:t>AppCompatCache</a:t>
             </a:r>
             <a:endParaRPr lang="en-US" i="1" dirty="0">
               <a:solidFill>
@@ -11804,215 +12389,105 @@
               </a:solidFill>
             </a:endParaRPr>
           </a:p>
-        </p:txBody>
-      </p:sp>
-      <p:sp>
-        <p:nvSpPr>
-          <p:cNvPr id="5" name="Content Placeholder 4"/>
-          <p:cNvSpPr>
-            <a:spLocks noGrp="1"/>
-          </p:cNvSpPr>
-          <p:nvPr>
-            <p:ph idx="1"/>
-          </p:nvPr>
-        </p:nvSpPr>
-        <p:spPr/>
-        <p:txBody>
-          <a:bodyPr>
-            <a:normAutofit fontScale="92500" lnSpcReduction="10000"/>
-          </a:bodyPr>
-          <a:lstStyle/>
-          <a:p>
-            <a:r>
-              <a:rPr lang="en-US" dirty="0" smtClean="0"/>
-              <a:t>Created to identify </a:t>
-            </a:r>
-            <a:r>
-              <a:rPr lang="en-US" dirty="0"/>
-              <a:t>application compatibility </a:t>
-            </a:r>
-            <a:r>
-              <a:rPr lang="en-US" dirty="0" smtClean="0"/>
-              <a:t>issues</a:t>
-            </a:r>
-          </a:p>
           <a:p>
             <a:pPr lvl="1"/>
             <a:r>
-              <a:rPr lang="en-US" dirty="0" smtClean="0"/>
-              <a:t>It </a:t>
-            </a:r>
-            <a:r>
-              <a:rPr lang="en-US" dirty="0"/>
-              <a:t>is used for quick search </a:t>
-            </a:r>
-            <a:r>
-              <a:rPr lang="en-US" dirty="0" smtClean="0"/>
-              <a:t>to decide </a:t>
-            </a:r>
-            <a:r>
-              <a:rPr lang="en-US" dirty="0"/>
-              <a:t>whether modules need shimming for compatibility or not</a:t>
+              <a:rPr lang="en-US" dirty="0"/>
+              <a:t>Created by Microsoft</a:t>
             </a:r>
           </a:p>
           <a:p>
             <a:pPr lvl="1"/>
             <a:r>
-              <a:rPr lang="en-US" dirty="0"/>
-              <a:t>K</a:t>
-            </a:r>
-            <a:r>
-              <a:rPr lang="en-US" dirty="0" smtClean="0"/>
-              <a:t>nown </a:t>
-            </a:r>
-            <a:r>
-              <a:rPr lang="en-US" dirty="0"/>
-              <a:t>as </a:t>
-            </a:r>
-            <a:r>
-              <a:rPr lang="en-US" i="1" dirty="0" err="1" smtClean="0">
+              <a:rPr lang="en-US" i="1" dirty="0">
                 <a:solidFill>
                   <a:srgbClr val="007DB5"/>
                 </a:solidFill>
               </a:rPr>
+              <a:t>HKLM\SYSTEM\</a:t>
+            </a:r>
+            <a:r>
+              <a:rPr lang="en-US" i="1" dirty="0" err="1">
+                <a:solidFill>
+                  <a:srgbClr val="007DB5"/>
+                </a:solidFill>
+              </a:rPr>
+              <a:t>ControlSet</a:t>
+            </a:r>
+            <a:r>
+              <a:rPr lang="en-US" i="1" dirty="0">
+                <a:solidFill>
+                  <a:srgbClr val="007DB5"/>
+                </a:solidFill>
+              </a:rPr>
+              <a:t>###\Control\Session Manager\</a:t>
+            </a:r>
+            <a:r>
+              <a:rPr lang="en-US" i="1" dirty="0" err="1">
+                <a:solidFill>
+                  <a:srgbClr val="007DB5"/>
+                </a:solidFill>
+              </a:rPr>
               <a:t>AppCompatCache</a:t>
             </a:r>
-            <a:endParaRPr lang="en-US" i="1" dirty="0">
-              <a:solidFill>
-                <a:srgbClr val="007DB5"/>
-              </a:solidFill>
-            </a:endParaRPr>
+            <a:r>
+              <a:rPr lang="en-US" i="1" dirty="0">
+                <a:solidFill>
+                  <a:srgbClr val="007DB5"/>
+                </a:solidFill>
+              </a:rPr>
+              <a:t>\</a:t>
+            </a:r>
+          </a:p>
+          <a:p>
+            <a:r>
+              <a:rPr lang="en-US" dirty="0"/>
+              <a:t>Two actions that can cause the </a:t>
+            </a:r>
+            <a:r>
+              <a:rPr lang="en-US" i="1" dirty="0" err="1">
+                <a:solidFill>
+                  <a:srgbClr val="007DB5"/>
+                </a:solidFill>
+              </a:rPr>
+              <a:t>Shimcache</a:t>
+            </a:r>
+            <a:r>
+              <a:rPr lang="en-US" dirty="0">
+                <a:solidFill>
+                  <a:srgbClr val="007DB5"/>
+                </a:solidFill>
+              </a:rPr>
+              <a:t> </a:t>
+            </a:r>
+            <a:r>
+              <a:rPr lang="en-US" dirty="0"/>
+              <a:t>to record an entry</a:t>
+            </a:r>
           </a:p>
           <a:p>
             <a:pPr lvl="1"/>
             <a:r>
-              <a:rPr lang="en-US" dirty="0" smtClean="0"/>
-              <a:t>Created </a:t>
-            </a:r>
-            <a:r>
-              <a:rPr lang="en-US" dirty="0" smtClean="0"/>
-              <a:t>by Microsoft</a:t>
-            </a:r>
-          </a:p>
-          <a:p>
-            <a:pPr lvl="1"/>
-            <a:r>
-              <a:rPr lang="en-US" i="1" dirty="0" smtClean="0">
-                <a:solidFill>
-                  <a:srgbClr val="007DB5"/>
-                </a:solidFill>
-              </a:rPr>
-              <a:t>HKLM\SYSTEM\</a:t>
-            </a:r>
-            <a:r>
-              <a:rPr lang="en-US" i="1" dirty="0" err="1" smtClean="0">
-                <a:solidFill>
-                  <a:srgbClr val="007DB5"/>
-                </a:solidFill>
-              </a:rPr>
-              <a:t>ControlSet</a:t>
-            </a:r>
-            <a:r>
-              <a:rPr lang="en-US" i="1" dirty="0">
-                <a:solidFill>
-                  <a:srgbClr val="007DB5"/>
-                </a:solidFill>
-              </a:rPr>
-              <a:t>###\Control\Session Manager\</a:t>
-            </a:r>
-            <a:r>
-              <a:rPr lang="en-US" i="1" dirty="0" err="1">
-                <a:solidFill>
-                  <a:srgbClr val="007DB5"/>
-                </a:solidFill>
-              </a:rPr>
-              <a:t>AppCompatCache</a:t>
-            </a:r>
-            <a:r>
-              <a:rPr lang="en-US" i="1" dirty="0">
-                <a:solidFill>
-                  <a:srgbClr val="007DB5"/>
-                </a:solidFill>
-              </a:rPr>
-              <a:t>\</a:t>
-            </a:r>
-          </a:p>
-          <a:p>
-            <a:r>
-              <a:rPr lang="en-US" dirty="0"/>
-              <a:t>Two actions that can cause the </a:t>
-            </a:r>
-            <a:r>
-              <a:rPr lang="en-US" i="1" dirty="0" err="1">
-                <a:solidFill>
-                  <a:srgbClr val="007DB5"/>
-                </a:solidFill>
-              </a:rPr>
-              <a:t>Shimcache</a:t>
-            </a:r>
-            <a:r>
-              <a:rPr lang="en-US" dirty="0">
-                <a:solidFill>
-                  <a:srgbClr val="007DB5"/>
-                </a:solidFill>
-              </a:rPr>
-              <a:t> </a:t>
-            </a:r>
-            <a:r>
-              <a:rPr lang="en-US" dirty="0"/>
-              <a:t>to record an entry</a:t>
-            </a:r>
-          </a:p>
-          <a:p>
-            <a:pPr lvl="1"/>
-            <a:r>
               <a:rPr lang="en-US" dirty="0"/>
               <a:t>A file is executed. </a:t>
             </a:r>
           </a:p>
           <a:p>
             <a:pPr lvl="2"/>
-            <a:r>
-              <a:rPr lang="en-US" dirty="0" smtClean="0">
-                <a:ea typeface="Malgun Gothic" panose="020B0503020000020004" pitchFamily="34" charset="-127"/>
-                <a:cs typeface="Arial" panose="020B0604020202020204" pitchFamily="34" charset="0"/>
-              </a:rPr>
-              <a:t>This </a:t>
-            </a:r>
             <a:r>
               <a:rPr lang="en-US" dirty="0">
                 <a:ea typeface="Malgun Gothic" panose="020B0503020000020004" pitchFamily="34" charset="-127"/>
                 <a:cs typeface="Arial" panose="020B0604020202020204" pitchFamily="34" charset="0"/>
               </a:rPr>
-              <a:t>is recorded on all versions of Windows beginning with XP</a:t>
-            </a:r>
-            <a:r>
-              <a:rPr lang="en-US" dirty="0" smtClean="0">
-                <a:ea typeface="Malgun Gothic" panose="020B0503020000020004" pitchFamily="34" charset="-127"/>
-                <a:cs typeface="Arial" panose="020B0604020202020204" pitchFamily="34" charset="0"/>
-              </a:rPr>
-              <a:t>.</a:t>
+              <a:t>This is recorded on all versions of Windows beginning with XP.</a:t>
             </a:r>
           </a:p>
           <a:p>
             <a:pPr lvl="1"/>
             <a:r>
               <a:rPr lang="en-US" dirty="0"/>
-              <a:t>A user interactively </a:t>
-            </a:r>
-            <a:r>
-              <a:rPr lang="en-US" dirty="0" smtClean="0"/>
-              <a:t>browses a </a:t>
-            </a:r>
-            <a:r>
-              <a:rPr lang="en-US" dirty="0" smtClean="0"/>
-              <a:t>directory</a:t>
-            </a:r>
-            <a:r>
-              <a:rPr lang="en-US" dirty="0"/>
-              <a:t> </a:t>
-            </a:r>
-            <a:endParaRPr lang="en-US" dirty="0"/>
+              <a:t>A user interactively browses a directory </a:t>
+            </a:r>
           </a:p>
           <a:p>
             <a:pPr lvl="2"/>
@@ -12068,33 +12543,22 @@
               <a:t>Shimcache</a:t>
             </a:r>
             <a:r>
-              <a:rPr lang="en-US" dirty="0" smtClean="0">
-                <a:ea typeface="Malgun Gothic" panose="020B0503020000020004" pitchFamily="34" charset="-127"/>
-                <a:cs typeface="Arial" panose="020B0604020202020204" pitchFamily="34" charset="0"/>
-              </a:rPr>
-              <a:t>.</a:t>
-            </a:r>
-          </a:p>
-          <a:p>
-            <a:pPr lvl="2"/>
-            <a:r>
               <a:rPr lang="en-US" dirty="0">
                 <a:ea typeface="Malgun Gothic" panose="020B0503020000020004" pitchFamily="34" charset="-127"/>
                 <a:cs typeface="Arial" panose="020B0604020202020204" pitchFamily="34" charset="0"/>
               </a:rPr>
-              <a:t>On Windows Vista, 7, Server 2008, and Server </a:t>
-            </a:r>
-            <a:r>
-              <a:rPr lang="en-US" dirty="0" smtClean="0">
+              <a:t>.</a:t>
+            </a:r>
+          </a:p>
+          <a:p>
+            <a:pPr lvl="2"/>
+            <a:r>
+              <a:rPr lang="en-US" dirty="0">
                 <a:ea typeface="Malgun Gothic" panose="020B0503020000020004" pitchFamily="34" charset="-127"/>
                 <a:cs typeface="Arial" panose="020B0604020202020204" pitchFamily="34" charset="0"/>
               </a:rPr>
-              <a:t>2012</a:t>
-            </a:r>
-            <a:endParaRPr lang="en-US" dirty="0">
-              <a:ea typeface="Malgun Gothic" panose="020B0503020000020004" pitchFamily="34" charset="-127"/>
-              <a:cs typeface="Arial" panose="020B0604020202020204" pitchFamily="34" charset="0"/>
-            </a:endParaRPr>
+              <a:t>On Windows Vista, 7, Server 2008, and Server 2012</a:t>
+            </a:r>
           </a:p>
         </p:txBody>
       </p:sp>
@@ -12205,7 +12669,7 @@
           <a:lstStyle/>
           <a:p>
             <a:r>
-              <a:rPr lang="en-US" dirty="0" smtClean="0">
+              <a:rPr lang="en-US" dirty="0">
                 <a:solidFill>
                   <a:srgbClr val="FF0000"/>
                 </a:solidFill>
@@ -12213,11 +12677,11 @@
               <a:t>11.1</a:t>
             </a:r>
             <a:r>
-              <a:rPr lang="en-US" dirty="0" smtClean="0"/>
+              <a:rPr lang="en-US" dirty="0"/>
               <a:t> </a:t>
             </a:r>
             <a:r>
-              <a:rPr lang="en-US" i="1" dirty="0" err="1" smtClean="0">
+              <a:rPr lang="en-US" i="1" dirty="0" err="1">
                 <a:solidFill>
                   <a:srgbClr val="007DB5"/>
                 </a:solidFill>
@@ -12225,18 +12689,13 @@
               <a:t>Shimcache</a:t>
             </a:r>
             <a:r>
-              <a:rPr lang="en-US" i="1" dirty="0" smtClean="0">
+              <a:rPr lang="en-US" i="1" dirty="0">
                 <a:solidFill>
                   <a:srgbClr val="007DB5"/>
                 </a:solidFill>
               </a:rPr>
               <a:t> </a:t>
             </a:r>
-            <a:endParaRPr lang="en-US" i="1" dirty="0">
-              <a:solidFill>
-                <a:srgbClr val="007DB5"/>
-              </a:solidFill>
-            </a:endParaRPr>
           </a:p>
         </p:txBody>
       </p:sp>
@@ -12263,12 +12722,8 @@
           <a:lstStyle/>
           <a:p>
             <a:r>
-              <a:rPr lang="en-US" dirty="0" smtClean="0"/>
-              <a:t>Stores </a:t>
-            </a:r>
-            <a:r>
-              <a:rPr lang="en-US" dirty="0"/>
-              <a:t>various file </a:t>
+              <a:rPr lang="en-US" dirty="0"/>
+              <a:t>Stores various file </a:t>
             </a:r>
             <a:r>
               <a:rPr lang="en-US" dirty="0">
@@ -12280,37 +12735,21 @@
             </a:r>
             <a:r>
               <a:rPr lang="en-US" dirty="0"/>
-              <a:t> depending on the operating </a:t>
-            </a:r>
-            <a:r>
-              <a:rPr lang="en-US" dirty="0" smtClean="0"/>
-              <a:t>system</a:t>
+              <a:t> depending on the operating system</a:t>
             </a:r>
           </a:p>
           <a:p>
             <a:pPr lvl="1"/>
             <a:r>
-              <a:rPr lang="en-US" dirty="0" smtClean="0"/>
-              <a:t>File </a:t>
-            </a:r>
-            <a:r>
-              <a:rPr lang="en-US" dirty="0"/>
-              <a:t>Full </a:t>
-            </a:r>
-            <a:r>
-              <a:rPr lang="en-US" dirty="0" smtClean="0"/>
-              <a:t>Path </a:t>
+              <a:rPr lang="en-US" dirty="0"/>
+              <a:t>File Full Path </a:t>
             </a:r>
           </a:p>
           <a:p>
             <a:pPr lvl="1"/>
             <a:r>
-              <a:rPr lang="en-US" dirty="0" smtClean="0"/>
-              <a:t>File </a:t>
-            </a:r>
-            <a:r>
-              <a:rPr lang="en-US" dirty="0"/>
-              <a:t>Size</a:t>
+              <a:rPr lang="en-US" dirty="0"/>
+              <a:t>File Size</a:t>
             </a:r>
           </a:p>
           <a:p>
@@ -12373,16 +12812,11 @@
               <a:rPr lang="en-US" dirty="0"/>
               <a:t>Process Execution Flag : set this flag during process creation/execution </a:t>
             </a:r>
-            <a:endParaRPr lang="en-US" dirty="0" smtClean="0"/>
-          </a:p>
-          <a:p>
-            <a:r>
-              <a:rPr lang="en-US" dirty="0" smtClean="0"/>
-              <a:t>Only </a:t>
-            </a:r>
-            <a:r>
-              <a:rPr lang="en-US" dirty="0"/>
-              <a:t>contains the information prior to the system’s </a:t>
+          </a:p>
+          <a:p>
+            <a:r>
+              <a:rPr lang="en-US" dirty="0"/>
+              <a:t>Only contains the information prior to the system’s </a:t>
             </a:r>
             <a:r>
               <a:rPr lang="en-US" dirty="0">
@@ -12390,15 +12824,7 @@
                   <a:srgbClr val="FF0000"/>
                 </a:solidFill>
               </a:rPr>
-              <a:t>last </a:t>
-            </a:r>
-            <a:r>
-              <a:rPr lang="en-US" dirty="0" smtClean="0">
-                <a:solidFill>
-                  <a:srgbClr val="FF0000"/>
-                </a:solidFill>
-              </a:rPr>
-              <a:t>startup</a:t>
+              <a:t>last startup</a:t>
             </a:r>
           </a:p>
           <a:p>
@@ -12407,16 +12833,11 @@
               <a:rPr lang="en-US" dirty="0"/>
               <a:t>current entries are stored only in memory</a:t>
             </a:r>
-            <a:endParaRPr lang="en-US" dirty="0"/>
-          </a:p>
-          <a:p>
-            <a:r>
-              <a:rPr lang="en-US" dirty="0" smtClean="0"/>
-              <a:t>The </a:t>
-            </a:r>
-            <a:r>
-              <a:rPr lang="en-US" dirty="0"/>
-              <a:t>oldest data is replaced by new entries.</a:t>
+          </a:p>
+          <a:p>
+            <a:r>
+              <a:rPr lang="en-US" dirty="0"/>
+              <a:t>The oldest data is replaced by new entries.</a:t>
             </a:r>
           </a:p>
         </p:txBody>
@@ -12504,7 +12925,7 @@
           <p:cNvPr id="4" name="TextBox 3">
             <a:extLst>
               <a:ext uri="{FF2B5EF4-FFF2-40B4-BE49-F238E27FC236}">
-                <a16:creationId xmlns="" xmlns:a16="http://schemas.microsoft.com/office/drawing/2014/main" id="{32E5C229-70FD-4049-A49C-AC4A9F520A06}"/>
+                <a16:creationId xmlns:a16="http://schemas.microsoft.com/office/drawing/2014/main" id="{32E5C229-70FD-4049-A49C-AC4A9F520A06}"/>
               </a:ext>
             </a:extLst>
           </p:cNvPr>
@@ -12530,11 +12951,11 @@
           <a:lstStyle/>
           <a:p>
             <a:r>
-              <a:rPr lang="en-US" dirty="0" smtClean="0"/>
+              <a:rPr lang="en-US" dirty="0"/>
               <a:t>Extract </a:t>
             </a:r>
             <a:r>
-              <a:rPr lang="en-US" i="1" dirty="0" err="1" smtClean="0">
+              <a:rPr lang="en-US" i="1" dirty="0" err="1">
                 <a:solidFill>
                   <a:srgbClr val="007DB5"/>
                 </a:solidFill>
@@ -12542,10 +12963,9 @@
               <a:t>shimcache</a:t>
             </a:r>
             <a:r>
-              <a:rPr lang="en-US" dirty="0" smtClean="0"/>
+              <a:rPr lang="en-US" dirty="0"/>
               <a:t> from registry</a:t>
             </a:r>
-            <a:endParaRPr lang="en-US" dirty="0"/>
           </a:p>
         </p:txBody>
       </p:sp>
@@ -12595,7 +13015,7 @@
           <a:lstStyle/>
           <a:p>
             <a:r>
-              <a:rPr lang="en-US" dirty="0" smtClean="0">
+              <a:rPr lang="en-US" dirty="0">
                 <a:solidFill>
                   <a:srgbClr val="FF0000"/>
                 </a:solidFill>
@@ -12603,7 +13023,7 @@
               <a:t>11.2 </a:t>
             </a:r>
             <a:r>
-              <a:rPr lang="en-US" i="1" dirty="0" err="1" smtClean="0">
+              <a:rPr lang="en-US" i="1" dirty="0" err="1">
                 <a:solidFill>
                   <a:srgbClr val="007DB5"/>
                 </a:solidFill>
@@ -12641,7 +13061,7 @@
           <a:lstStyle/>
           <a:p>
             <a:r>
-              <a:rPr lang="en-US" dirty="0" smtClean="0"/>
+              <a:rPr lang="en-US" dirty="0"/>
               <a:t>The </a:t>
             </a:r>
             <a:r>
@@ -12654,14 +13074,25 @@
             </a:r>
             <a:r>
               <a:rPr lang="en-US" dirty="0"/>
-              <a:t> file on the other hand only contained references to programs that recently executed. </a:t>
-            </a:r>
-            <a:endParaRPr lang="en-US" dirty="0" smtClean="0"/>
+              <a:t> file on the other hand only contained references to programs that recently </a:t>
+            </a:r>
+            <a:r>
+              <a:rPr lang="en-US" dirty="0">
+                <a:solidFill>
+                  <a:srgbClr val="FF0000"/>
+                </a:solidFill>
+              </a:rPr>
+              <a:t>executed</a:t>
+            </a:r>
+            <a:r>
+              <a:rPr lang="en-US" dirty="0"/>
+              <a:t>. </a:t>
+            </a:r>
           </a:p>
           <a:p>
             <a:pPr lvl="1"/>
             <a:r>
-              <a:rPr lang="en-US" i="1" dirty="0" err="1" smtClean="0">
+              <a:rPr lang="en-US" i="1" dirty="0" err="1">
                 <a:solidFill>
                   <a:srgbClr val="007DB5"/>
                 </a:solidFill>
@@ -12669,83 +13100,71 @@
               <a:t>ShimCache</a:t>
             </a:r>
             <a:r>
-              <a:rPr lang="en-US" dirty="0" smtClean="0"/>
+              <a:rPr lang="en-US" dirty="0"/>
+              <a:t> contains references to numerous programs over an extended period of time. </a:t>
+            </a:r>
+          </a:p>
+          <a:p>
+            <a:pPr lvl="1"/>
+            <a:r>
+              <a:rPr lang="en-US" dirty="0"/>
+              <a:t>Windows </a:t>
+            </a:r>
+            <a:r>
+              <a:rPr lang="en-US" dirty="0">
+                <a:solidFill>
+                  <a:srgbClr val="FF0000"/>
+                </a:solidFill>
+              </a:rPr>
+              <a:t>7</a:t>
+            </a:r>
+          </a:p>
+          <a:p>
+            <a:r>
+              <a:rPr lang="en-US" i="1" dirty="0" err="1">
+                <a:solidFill>
+                  <a:srgbClr val="007DB5"/>
+                </a:solidFill>
+              </a:rPr>
+              <a:t>RecentFileCache.bcf</a:t>
+            </a:r>
+            <a:r>
+              <a:rPr lang="en-US" i="1" dirty="0">
+                <a:solidFill>
+                  <a:srgbClr val="007DB5"/>
+                </a:solidFill>
+              </a:rPr>
               <a:t> </a:t>
             </a:r>
             <a:r>
               <a:rPr lang="en-US" dirty="0"/>
-              <a:t>contains references to numerous programs over an extended period of time. </a:t>
-            </a:r>
-            <a:endParaRPr lang="en-US" dirty="0" smtClean="0"/>
+              <a:t>file is a temporary storage location used during the process creation. </a:t>
+            </a:r>
           </a:p>
           <a:p>
             <a:pPr lvl="1"/>
             <a:r>
-              <a:rPr lang="en-US" dirty="0" smtClean="0"/>
-              <a:t>Windows </a:t>
-            </a:r>
-            <a:r>
-              <a:rPr lang="en-US" dirty="0" smtClean="0">
+              <a:rPr lang="en-US" dirty="0"/>
+              <a:t>The storage location is not used during all process creation; </a:t>
+            </a:r>
+          </a:p>
+          <a:p>
+            <a:pPr lvl="1"/>
+            <a:r>
+              <a:rPr lang="en-US" dirty="0"/>
+              <a:t>It's mostly used for those processes that spawned from </a:t>
+            </a:r>
+            <a:r>
+              <a:rPr lang="en-US" dirty="0">
                 <a:solidFill>
                   <a:srgbClr val="FF0000"/>
                 </a:solidFill>
               </a:rPr>
-              <a:t>7</a:t>
-            </a:r>
-            <a:endParaRPr lang="en-US" dirty="0">
-              <a:solidFill>
-                <a:srgbClr val="FF0000"/>
-              </a:solidFill>
-            </a:endParaRPr>
-          </a:p>
-          <a:p>
-            <a:r>
-              <a:rPr lang="en-US" i="1" dirty="0" err="1">
-                <a:solidFill>
-                  <a:srgbClr val="007DB5"/>
-                </a:solidFill>
-              </a:rPr>
-              <a:t>RecentFileCache.bcf</a:t>
-            </a:r>
-            <a:r>
-              <a:rPr lang="en-US" i="1" dirty="0">
-                <a:solidFill>
-                  <a:srgbClr val="007DB5"/>
-                </a:solidFill>
-              </a:rPr>
-              <a:t> </a:t>
-            </a:r>
-            <a:r>
-              <a:rPr lang="en-US" dirty="0"/>
-              <a:t>file is a temporary storage location used during the process creation. </a:t>
-            </a:r>
-            <a:endParaRPr lang="en-US" dirty="0" smtClean="0"/>
-          </a:p>
-          <a:p>
-            <a:pPr lvl="1"/>
-            <a:r>
-              <a:rPr lang="en-US" dirty="0" smtClean="0"/>
-              <a:t>The storage </a:t>
-            </a:r>
-            <a:r>
-              <a:rPr lang="en-US" dirty="0"/>
-              <a:t>location is not used during all process creation; </a:t>
-            </a:r>
-            <a:endParaRPr lang="en-US" dirty="0" smtClean="0"/>
-          </a:p>
-          <a:p>
-            <a:pPr lvl="1"/>
-            <a:r>
-              <a:rPr lang="en-US" dirty="0"/>
-              <a:t>I</a:t>
-            </a:r>
-            <a:r>
-              <a:rPr lang="en-US" dirty="0" smtClean="0"/>
-              <a:t>t's </a:t>
-            </a:r>
-            <a:r>
-              <a:rPr lang="en-US" dirty="0"/>
-              <a:t>mostly used for those processes that spawned from executables which were </a:t>
+              <a:t>executables</a:t>
+            </a:r>
+            <a:r>
+              <a:rPr lang="en-US" dirty="0"/>
+              <a:t> which were </a:t>
             </a:r>
             <a:r>
               <a:rPr lang="en-US" dirty="0">
@@ -12869,7 +13288,7 @@
           <p:cNvPr id="7" name="TextBox 6">
             <a:extLst>
               <a:ext uri="{FF2B5EF4-FFF2-40B4-BE49-F238E27FC236}">
-                <a16:creationId xmlns="" xmlns:a16="http://schemas.microsoft.com/office/drawing/2014/main" id="{32E5C229-70FD-4049-A49C-AC4A9F520A06}"/>
+                <a16:creationId xmlns:a16="http://schemas.microsoft.com/office/drawing/2014/main" id="{32E5C229-70FD-4049-A49C-AC4A9F520A06}"/>
               </a:ext>
             </a:extLst>
           </p:cNvPr>
@@ -12895,11 +13314,11 @@
           <a:lstStyle/>
           <a:p>
             <a:r>
-              <a:rPr lang="en-US" dirty="0" smtClean="0"/>
+              <a:rPr lang="en-US" dirty="0"/>
               <a:t>Find the location of </a:t>
             </a:r>
             <a:r>
-              <a:rPr lang="en-US" i="1" dirty="0" err="1" smtClean="0">
+              <a:rPr lang="en-US" i="1" dirty="0" err="1">
                 <a:solidFill>
                   <a:srgbClr val="007DB5"/>
                 </a:solidFill>
@@ -12919,7 +13338,7 @@
           <p:cNvPr id="8" name="TextBox 7">
             <a:extLst>
               <a:ext uri="{FF2B5EF4-FFF2-40B4-BE49-F238E27FC236}">
-                <a16:creationId xmlns="" xmlns:a16="http://schemas.microsoft.com/office/drawing/2014/main" id="{32E5C229-70FD-4049-A49C-AC4A9F520A06}"/>
+                <a16:creationId xmlns:a16="http://schemas.microsoft.com/office/drawing/2014/main" id="{32E5C229-70FD-4049-A49C-AC4A9F520A06}"/>
               </a:ext>
             </a:extLst>
           </p:cNvPr>
@@ -12945,11 +13364,11 @@
           <a:lstStyle/>
           <a:p>
             <a:r>
-              <a:rPr lang="en-US" dirty="0" smtClean="0"/>
+              <a:rPr lang="en-US" dirty="0"/>
               <a:t>Show </a:t>
             </a:r>
             <a:r>
-              <a:rPr lang="en-US" i="1" dirty="0" err="1" smtClean="0">
+              <a:rPr lang="en-US" i="1" dirty="0" err="1">
                 <a:solidFill>
                   <a:srgbClr val="007DB5"/>
                 </a:solidFill>
@@ -12957,18 +13376,13 @@
               <a:t>RecenfFileCache.bcf</a:t>
             </a:r>
             <a:r>
-              <a:rPr lang="en-US" i="1" dirty="0" smtClean="0">
+              <a:rPr lang="en-US" i="1" dirty="0">
                 <a:solidFill>
                   <a:srgbClr val="007DB5"/>
                 </a:solidFill>
               </a:rPr>
               <a:t> </a:t>
             </a:r>
-            <a:endParaRPr lang="en-US" i="1" dirty="0">
-              <a:solidFill>
-                <a:srgbClr val="007DB5"/>
-              </a:solidFill>
-            </a:endParaRPr>
           </a:p>
         </p:txBody>
       </p:sp>
@@ -13036,11 +13450,11 @@
               <a:t> </a:t>
             </a:r>
             <a:r>
-              <a:rPr lang="en-US" dirty="0" smtClean="0"/>
+              <a:rPr lang="en-US" dirty="0"/>
               <a:t>replaces</a:t>
             </a:r>
             <a:r>
-              <a:rPr lang="en-US" i="1" dirty="0" smtClean="0">
+              <a:rPr lang="en-US" i="1" dirty="0">
                 <a:solidFill>
                   <a:srgbClr val="007DB5"/>
                 </a:solidFill>
@@ -13086,78 +13500,38 @@
           <a:lstStyle/>
           <a:p>
             <a:r>
-              <a:rPr lang="en-US" dirty="0" smtClean="0"/>
-              <a:t>Stores </a:t>
-            </a:r>
-            <a:r>
-              <a:rPr lang="en-US" dirty="0"/>
-              <a:t>metadata related to PE execution and program </a:t>
-            </a:r>
-            <a:r>
-              <a:rPr lang="en-US" dirty="0" smtClean="0"/>
-              <a:t>installation</a:t>
+              <a:rPr lang="en-US" dirty="0"/>
+              <a:t>Stores metadata related to PE execution and program installation</a:t>
             </a:r>
           </a:p>
           <a:p>
             <a:pPr lvl="1"/>
             <a:r>
-              <a:rPr lang="en-US" dirty="0" smtClean="0"/>
-              <a:t>on </a:t>
-            </a:r>
-            <a:r>
-              <a:rPr lang="en-US" dirty="0"/>
-              <a:t>Windows </a:t>
-            </a:r>
-            <a:r>
-              <a:rPr lang="en-US" dirty="0" smtClean="0"/>
-              <a:t>8 </a:t>
-            </a:r>
-            <a:r>
-              <a:rPr lang="en-US" dirty="0"/>
-              <a:t>and Server 2008 R2 and above.</a:t>
-            </a:r>
-          </a:p>
-          <a:p>
-            <a:r>
-              <a:rPr lang="en-US" dirty="0" smtClean="0"/>
-              <a:t>Also </a:t>
-            </a:r>
-            <a:r>
-              <a:rPr lang="en-US" dirty="0"/>
-              <a:t>an important artifact to record the traces of anti-forensic programs, portable programs, and external storage </a:t>
-            </a:r>
-            <a:r>
-              <a:rPr lang="en-US" dirty="0" smtClean="0"/>
-              <a:t>devices.</a:t>
-            </a:r>
-          </a:p>
-          <a:p>
-            <a:r>
-              <a:rPr lang="en-US" dirty="0"/>
-              <a:t> </a:t>
-            </a:r>
-            <a:r>
-              <a:rPr lang="en-US" dirty="0" smtClean="0"/>
-              <a:t>Location: </a:t>
+              <a:rPr lang="en-US" dirty="0"/>
+              <a:t>on Windows 8 and Server 2008 R2 and above.</a:t>
+            </a:r>
+          </a:p>
+          <a:p>
+            <a:r>
+              <a:rPr lang="en-US" dirty="0"/>
+              <a:t>Also an important artifact to record the traces of anti-forensic programs, portable programs, and external storage devices.</a:t>
+            </a:r>
+          </a:p>
+          <a:p>
+            <a:r>
+              <a:rPr lang="en-US" dirty="0"/>
+              <a:t> Location: </a:t>
             </a:r>
           </a:p>
           <a:p>
             <a:pPr lvl="1"/>
             <a:r>
-              <a:rPr lang="en-US" i="1" dirty="0" smtClean="0">
+              <a:rPr lang="en-US" i="1" dirty="0">
                 <a:solidFill>
                   <a:srgbClr val="007DB5"/>
                 </a:solidFill>
               </a:rPr>
-              <a:t>C</a:t>
-            </a:r>
-            <a:r>
-              <a:rPr lang="en-US" i="1" dirty="0">
-                <a:solidFill>
-                  <a:srgbClr val="007DB5"/>
-                </a:solidFill>
-              </a:rPr>
-              <a:t>:\Windows\AppCompat\Programs\Amcache.hve</a:t>
+              <a:t>C:\Windows\AppCompat\Programs\Amcache.hve</a:t>
             </a:r>
           </a:p>
         </p:txBody>
@@ -13190,11 +13564,11 @@
           <a:lstStyle/>
           <a:p>
             <a:r>
-              <a:rPr lang="en-US" dirty="0" smtClean="0"/>
+              <a:rPr lang="en-US" dirty="0"/>
               <a:t>Because we can’t find </a:t>
             </a:r>
             <a:r>
-              <a:rPr lang="en-US" i="1" dirty="0" err="1" smtClean="0">
+              <a:rPr lang="en-US" i="1" dirty="0" err="1">
                 <a:solidFill>
                   <a:srgbClr val="007DB5"/>
                 </a:solidFill>
@@ -13202,7 +13576,7 @@
               <a:t>amcache.hve</a:t>
             </a:r>
             <a:r>
-              <a:rPr lang="en-US" i="1" dirty="0" smtClean="0">
+              <a:rPr lang="en-US" i="1" dirty="0">
                 <a:solidFill>
                   <a:srgbClr val="007DB5"/>
                 </a:solidFill>
@@ -13210,13 +13584,13 @@
               <a:t> </a:t>
             </a:r>
             <a:r>
-              <a:rPr lang="en-US" dirty="0" smtClean="0"/>
+              <a:rPr lang="en-US" dirty="0"/>
               <a:t>in .DD, if so we can use the following command</a:t>
             </a:r>
           </a:p>
           <a:p>
             <a:r>
-              <a:rPr lang="en-US" i="1" dirty="0" smtClean="0">
+              <a:rPr lang="en-US" i="1" dirty="0">
                 <a:solidFill>
                   <a:srgbClr val="FF0000"/>
                 </a:solidFill>
@@ -13224,7 +13598,7 @@
               <a:t>rip.pl –r </a:t>
             </a:r>
             <a:r>
-              <a:rPr lang="en-US" i="1" dirty="0" err="1" smtClean="0">
+              <a:rPr lang="en-US" i="1" dirty="0" err="1">
                 <a:solidFill>
                   <a:srgbClr val="FF0000"/>
                 </a:solidFill>
@@ -13232,7 +13606,7 @@
               <a:t>Amcache.hve</a:t>
             </a:r>
             <a:r>
-              <a:rPr lang="en-US" i="1" dirty="0" smtClean="0">
+              <a:rPr lang="en-US" i="1" dirty="0">
                 <a:solidFill>
                   <a:srgbClr val="FF0000"/>
                 </a:solidFill>
@@ -13240,7 +13614,7 @@
               <a:t> –p </a:t>
             </a:r>
             <a:r>
-              <a:rPr lang="en-US" i="1" dirty="0" err="1" smtClean="0">
+              <a:rPr lang="en-US" i="1" dirty="0" err="1">
                 <a:solidFill>
                   <a:srgbClr val="FF0000"/>
                 </a:solidFill>
@@ -13248,18 +13622,13 @@
               <a:t>amcache</a:t>
             </a:r>
             <a:r>
-              <a:rPr lang="en-US" i="1" dirty="0" smtClean="0">
+              <a:rPr lang="en-US" i="1" dirty="0">
                 <a:solidFill>
                   <a:srgbClr val="FF0000"/>
                 </a:solidFill>
               </a:rPr>
               <a:t> </a:t>
             </a:r>
-            <a:endParaRPr lang="en-US" i="1" dirty="0">
-              <a:solidFill>
-                <a:srgbClr val="FF0000"/>
-              </a:solidFill>
-            </a:endParaRPr>
           </a:p>
         </p:txBody>
       </p:sp>
@@ -13309,7 +13678,7 @@
           <a:lstStyle/>
           <a:p>
             <a:r>
-              <a:rPr lang="en-US" dirty="0" smtClean="0">
+              <a:rPr lang="en-US" dirty="0">
                 <a:solidFill>
                   <a:srgbClr val="FF0000"/>
                 </a:solidFill>
@@ -13317,7 +13686,7 @@
               <a:t>11.3</a:t>
             </a:r>
             <a:r>
-              <a:rPr lang="en-US" dirty="0" smtClean="0"/>
+              <a:rPr lang="en-US" dirty="0"/>
               <a:t> </a:t>
             </a:r>
             <a:r>
@@ -13348,8 +13717,8 @@
         </p:nvSpPr>
         <p:spPr>
           <a:xfrm>
-            <a:off x="838200" y="1825625"/>
-            <a:ext cx="10515600" cy="1717675"/>
+            <a:off x="838200" y="1825624"/>
+            <a:ext cx="10154920" cy="4117976"/>
           </a:xfrm>
         </p:spPr>
         <p:txBody>
@@ -13359,29 +13728,110 @@
           <a:lstStyle/>
           <a:p>
             <a:r>
-              <a:rPr lang="en-US" dirty="0"/>
-              <a:t>Windows System, every GUI-based programs launched from the desktop are tracked in this registry </a:t>
-            </a:r>
-            <a:r>
-              <a:rPr lang="en-US" dirty="0" smtClean="0"/>
-              <a:t>key</a:t>
-            </a:r>
+              <a:rPr lang="en-GB" b="0" i="0" dirty="0">
+                <a:solidFill>
+                  <a:srgbClr val="000000"/>
+                </a:solidFill>
+                <a:effectLst/>
+                <a:latin typeface="Open Sans"/>
+              </a:rPr>
+              <a:t>Microsoft uses </a:t>
+            </a:r>
+            <a:r>
+              <a:rPr lang="en-US" i="1" dirty="0" err="1">
+                <a:solidFill>
+                  <a:srgbClr val="007DB5"/>
+                </a:solidFill>
+              </a:rPr>
+              <a:t>UserAssist</a:t>
+            </a:r>
+            <a:r>
+              <a:rPr lang="en-US" i="1" dirty="0">
+                <a:solidFill>
+                  <a:srgbClr val="007DB5"/>
+                </a:solidFill>
+              </a:rPr>
+              <a:t> </a:t>
+            </a:r>
+            <a:r>
+              <a:rPr lang="en-GB" b="0" i="0" dirty="0">
+                <a:solidFill>
+                  <a:srgbClr val="000000"/>
+                </a:solidFill>
+                <a:effectLst/>
+                <a:latin typeface="Open Sans"/>
+              </a:rPr>
+              <a:t>to populate a user’s start menu with frequently used applications.</a:t>
+            </a:r>
+            <a:endParaRPr lang="en-US" dirty="0"/>
           </a:p>
           <a:p>
             <a:pPr lvl="1"/>
             <a:r>
-              <a:rPr lang="en-US" i="1" dirty="0" smtClean="0"/>
-              <a:t>timestamp</a:t>
+              <a:rPr lang="en-US" dirty="0"/>
+              <a:t>Every GUI-based program launched from the desktop are tracked</a:t>
+            </a:r>
+          </a:p>
+          <a:p>
+            <a:r>
+              <a:rPr lang="en-US" b="0" i="0" dirty="0">
+                <a:solidFill>
+                  <a:srgbClr val="000000"/>
+                </a:solidFill>
+                <a:effectLst/>
+                <a:latin typeface="Open Sans"/>
+              </a:rPr>
+              <a:t>These </a:t>
+            </a:r>
+            <a:r>
+              <a:rPr lang="en-US" dirty="0">
+                <a:solidFill>
+                  <a:srgbClr val="000000"/>
+                </a:solidFill>
+                <a:latin typeface="Open Sans"/>
+              </a:rPr>
+              <a:t>values</a:t>
+            </a:r>
+            <a:r>
+              <a:rPr lang="en-US" b="0" i="0" dirty="0">
+                <a:solidFill>
+                  <a:srgbClr val="000000"/>
+                </a:solidFill>
+                <a:effectLst/>
+                <a:latin typeface="Open Sans"/>
+              </a:rPr>
+              <a:t> are located in each user’s NTUSER.DAT</a:t>
             </a:r>
           </a:p>
           <a:p>
             <a:pPr lvl="1"/>
             <a:r>
-              <a:rPr lang="en-US" i="1" dirty="0" smtClean="0"/>
+              <a:rPr lang="en-US" b="0" i="0" dirty="0">
+                <a:solidFill>
+                  <a:srgbClr val="000000"/>
+                </a:solidFill>
+                <a:effectLst/>
+                <a:latin typeface="Open Sans"/>
+              </a:rPr>
+              <a:t>ROT-13 encoded.</a:t>
+            </a:r>
+            <a:endParaRPr lang="en-US" dirty="0"/>
+          </a:p>
+          <a:p>
+            <a:pPr lvl="1"/>
+            <a:r>
+              <a:rPr lang="en-US" i="1" dirty="0"/>
+              <a:t>Timestamp of last run</a:t>
+            </a:r>
+          </a:p>
+          <a:p>
+            <a:pPr lvl="1"/>
+            <a:r>
+              <a:rPr lang="en-US" i="1" dirty="0"/>
               <a:t>Count</a:t>
             </a:r>
             <a:r>
-              <a:rPr lang="en-US" i="1" dirty="0" smtClean="0">
+              <a:rPr lang="en-US" i="1" dirty="0">
                 <a:solidFill>
                   <a:schemeClr val="accent6"/>
                 </a:solidFill>
@@ -13389,7 +13839,7 @@
               <a:t>: </a:t>
             </a:r>
             <a:r>
-              <a:rPr lang="en-US" sz="1900" i="1" dirty="0">
+              <a:rPr lang="en-US" i="1" dirty="0">
                 <a:solidFill>
                   <a:srgbClr val="007DB5"/>
                 </a:solidFill>
@@ -13397,7 +13847,7 @@
               <a:t>HKCU\Software\Microsoft\Windows\</a:t>
             </a:r>
             <a:r>
-              <a:rPr lang="en-US" sz="1900" i="1" dirty="0" err="1">
+              <a:rPr lang="en-US" i="1" dirty="0" err="1">
                 <a:solidFill>
                   <a:srgbClr val="007DB5"/>
                 </a:solidFill>
@@ -13405,7 +13855,7 @@
               <a:t>CurrentVersion</a:t>
             </a:r>
             <a:r>
-              <a:rPr lang="en-US" sz="1900" i="1" dirty="0">
+              <a:rPr lang="en-US" i="1" dirty="0">
                 <a:solidFill>
                   <a:srgbClr val="007DB5"/>
                 </a:solidFill>
@@ -13413,7 +13863,7 @@
               <a:t>\Explorer\</a:t>
             </a:r>
             <a:r>
-              <a:rPr lang="en-US" sz="1900" i="1" dirty="0" err="1">
+              <a:rPr lang="en-US" i="1" dirty="0" err="1">
                 <a:solidFill>
                   <a:srgbClr val="007DB5"/>
                 </a:solidFill>
@@ -13421,45 +13871,16 @@
               <a:t>UserAssist</a:t>
             </a:r>
             <a:r>
-              <a:rPr lang="en-US" sz="1900" i="1" dirty="0">
+              <a:rPr lang="en-US" i="1" dirty="0">
                 <a:solidFill>
                   <a:srgbClr val="007DB5"/>
                 </a:solidFill>
               </a:rPr>
               <a:t>\{GUID}\Count</a:t>
             </a:r>
-            <a:endParaRPr lang="en-US" sz="1600" i="1" dirty="0">
-              <a:solidFill>
-                <a:srgbClr val="007DB5"/>
-              </a:solidFill>
-            </a:endParaRPr>
-          </a:p>
-        </p:txBody>
-      </p:sp>
-      <p:pic>
-        <p:nvPicPr>
-          <p:cNvPr id="4" name="Picture 3"/>
-          <p:cNvPicPr>
-            <a:picLocks noChangeAspect="1"/>
-          </p:cNvPicPr>
-          <p:nvPr/>
-        </p:nvPicPr>
-        <p:blipFill>
-          <a:blip r:embed="rId3"/>
-          <a:stretch>
-            <a:fillRect/>
-          </a:stretch>
-        </p:blipFill>
-        <p:spPr>
-          <a:xfrm>
-            <a:off x="838199" y="3785170"/>
-            <a:ext cx="8696325" cy="2320615"/>
-          </a:xfrm>
-          <a:prstGeom prst="rect">
-            <a:avLst/>
-          </a:prstGeom>
-        </p:spPr>
-      </p:pic>
+          </a:p>
+        </p:txBody>
+      </p:sp>
     </p:spTree>
     <p:extLst>
       <p:ext uri="{BB962C8B-B14F-4D97-AF65-F5344CB8AC3E}">
@@ -13506,50 +13927,18 @@
         </p:blipFill>
         <p:spPr>
           <a:xfrm>
-            <a:off x="986458" y="1870592"/>
-            <a:ext cx="10113022" cy="3558658"/>
+            <a:off x="1253835" y="2268692"/>
+            <a:ext cx="9507166" cy="2536988"/>
           </a:xfrm>
           <a:prstGeom prst="rect">
             <a:avLst/>
           </a:prstGeom>
         </p:spPr>
       </p:pic>
-      <p:sp>
-        <p:nvSpPr>
-          <p:cNvPr id="5" name="TextBox 4"/>
-          <p:cNvSpPr txBox="1"/>
-          <p:nvPr/>
-        </p:nvSpPr>
-        <p:spPr>
-          <a:xfrm>
-            <a:off x="986458" y="1501260"/>
-            <a:ext cx="4436920" cy="369332"/>
-          </a:xfrm>
-          <a:prstGeom prst="rect">
-            <a:avLst/>
-          </a:prstGeom>
-          <a:solidFill>
-            <a:srgbClr val="FFC000"/>
-          </a:solidFill>
-        </p:spPr>
-        <p:txBody>
-          <a:bodyPr wrap="none" rtlCol="0">
-            <a:spAutoFit/>
-          </a:bodyPr>
-          <a:lstStyle/>
-          <a:p>
-            <a:r>
-              <a:rPr lang="en-US" dirty="0" smtClean="0"/>
-              <a:t>List executed programs by the user informant</a:t>
-            </a:r>
-            <a:endParaRPr lang="en-US" dirty="0"/>
-          </a:p>
-        </p:txBody>
-      </p:sp>
     </p:spTree>
     <p:extLst>
       <p:ext uri="{BB962C8B-B14F-4D97-AF65-F5344CB8AC3E}">
-        <p14:creationId xmlns:p14="http://schemas.microsoft.com/office/powerpoint/2010/main" val="4266409365"/>
+        <p14:creationId xmlns:p14="http://schemas.microsoft.com/office/powerpoint/2010/main" val="3120167251"/>
       </p:ext>
     </p:extLst>
   </p:cSld>
@@ -13578,22 +13967,22 @@
       </p:grpSpPr>
       <p:pic>
         <p:nvPicPr>
-          <p:cNvPr id="2" name="Picture 1"/>
+          <p:cNvPr id="4" name="Picture 3"/>
           <p:cNvPicPr>
             <a:picLocks noChangeAspect="1"/>
           </p:cNvPicPr>
           <p:nvPr/>
         </p:nvPicPr>
         <p:blipFill>
-          <a:blip r:embed="rId2"/>
+          <a:blip r:embed="rId3"/>
           <a:stretch>
             <a:fillRect/>
           </a:stretch>
         </p:blipFill>
         <p:spPr>
           <a:xfrm>
-            <a:off x="918626" y="1721854"/>
-            <a:ext cx="9877518" cy="3844445"/>
+            <a:off x="986458" y="1870592"/>
+            <a:ext cx="10113022" cy="3558658"/>
           </a:xfrm>
           <a:prstGeom prst="rect">
             <a:avLst/>
@@ -13602,14 +13991,14 @@
       </p:pic>
       <p:sp>
         <p:nvSpPr>
-          <p:cNvPr id="3" name="TextBox 2"/>
+          <p:cNvPr id="5" name="TextBox 4"/>
           <p:cNvSpPr txBox="1"/>
           <p:nvPr/>
         </p:nvSpPr>
         <p:spPr>
           <a:xfrm>
-            <a:off x="918626" y="1352522"/>
-            <a:ext cx="9738885" cy="369332"/>
+            <a:off x="986458" y="1501260"/>
+            <a:ext cx="4436920" cy="369332"/>
           </a:xfrm>
           <a:prstGeom prst="rect">
             <a:avLst/>
@@ -13625,29 +14014,16 @@
           <a:lstStyle/>
           <a:p>
             <a:r>
-              <a:rPr lang="en-US" dirty="0" smtClean="0"/>
-              <a:t>Search if “</a:t>
-            </a:r>
-            <a:r>
-              <a:rPr lang="en-US" i="1" dirty="0" smtClean="0">
-                <a:solidFill>
-                  <a:srgbClr val="007DB5"/>
-                </a:solidFill>
-              </a:rPr>
-              <a:t>chrome</a:t>
-            </a:r>
-            <a:r>
-              <a:rPr lang="en-US" dirty="0" smtClean="0"/>
-              <a:t>” has been executed by the user informant. Show lines before and after the matches</a:t>
-            </a:r>
-            <a:endParaRPr lang="en-US" dirty="0"/>
+              <a:rPr lang="en-US" dirty="0"/>
+              <a:t>List executed programs by the user informant</a:t>
+            </a:r>
           </a:p>
         </p:txBody>
       </p:sp>
     </p:spTree>
     <p:extLst>
       <p:ext uri="{BB962C8B-B14F-4D97-AF65-F5344CB8AC3E}">
-        <p14:creationId xmlns:p14="http://schemas.microsoft.com/office/powerpoint/2010/main" val="168308143"/>
+        <p14:creationId xmlns:p14="http://schemas.microsoft.com/office/powerpoint/2010/main" val="4266409365"/>
       </p:ext>
     </p:extLst>
   </p:cSld>
@@ -13690,7 +14066,7 @@
           <a:lstStyle/>
           <a:p>
             <a:r>
-              <a:rPr lang="en-US" dirty="0" smtClean="0">
+              <a:rPr lang="en-US" dirty="0">
                 <a:solidFill>
                   <a:srgbClr val="FF0000"/>
                 </a:solidFill>
@@ -13698,12 +14074,8 @@
               <a:t>2. </a:t>
             </a:r>
             <a:r>
-              <a:rPr lang="en-US" dirty="0" smtClean="0"/>
-              <a:t>How </a:t>
-            </a:r>
-            <a:r>
-              <a:rPr lang="en-US" dirty="0"/>
-              <a:t>to identify the partition information of PC image? (Method 1 -</a:t>
+              <a:rPr lang="en-US" dirty="0"/>
+              <a:t>How to identify the partition information of PC image? (Method 1 -</a:t>
             </a:r>
             <a:r>
               <a:rPr lang="en-US" b="1" dirty="0" err="1"/>
@@ -13737,7 +14109,7 @@
           <a:lstStyle/>
           <a:p>
             <a:r>
-              <a:rPr lang="en-US" dirty="0" smtClean="0"/>
+              <a:rPr lang="en-US" dirty="0"/>
               <a:t>What is partition/volume?</a:t>
             </a:r>
           </a:p>
@@ -13745,25 +14117,21 @@
             <a:pPr lvl="1"/>
             <a:r>
               <a:rPr lang="en-US" dirty="0"/>
-              <a:t>Boot </a:t>
-            </a:r>
-            <a:r>
-              <a:rPr lang="en-US" dirty="0" smtClean="0"/>
-              <a:t>partition</a:t>
+              <a:t>Boot partition</a:t>
             </a:r>
           </a:p>
           <a:p>
             <a:pPr lvl="2"/>
             <a:r>
-              <a:rPr lang="en-US" dirty="0" smtClean="0"/>
+              <a:rPr lang="en-US" dirty="0"/>
               <a:t>OS </a:t>
             </a:r>
             <a:r>
-              <a:rPr lang="en-US" dirty="0" err="1" smtClean="0"/>
+              <a:rPr lang="en-US" dirty="0" err="1"/>
               <a:t>foder</a:t>
             </a:r>
             <a:r>
-              <a:rPr lang="en-US" dirty="0" smtClean="0"/>
+              <a:rPr lang="en-US" dirty="0"/>
               <a:t>: </a:t>
             </a:r>
             <a:r>
@@ -13790,40 +14158,26 @@
               </a:rPr>
               <a:t>%</a:t>
             </a:r>
-            <a:endParaRPr lang="en-US" i="1" dirty="0" smtClean="0">
-              <a:solidFill>
-                <a:srgbClr val="007DB5"/>
-              </a:solidFill>
-            </a:endParaRPr>
           </a:p>
           <a:p>
             <a:pPr lvl="1"/>
             <a:r>
-              <a:rPr lang="en-US" dirty="0" smtClean="0"/>
+              <a:rPr lang="en-US" dirty="0"/>
               <a:t>System partition</a:t>
             </a:r>
           </a:p>
           <a:p>
             <a:pPr lvl="2"/>
             <a:r>
-              <a:rPr lang="en-US" dirty="0" smtClean="0"/>
-              <a:t>Contains </a:t>
-            </a:r>
-            <a:r>
-              <a:rPr lang="en-US" dirty="0"/>
-              <a:t>the boot </a:t>
-            </a:r>
-            <a:r>
-              <a:rPr lang="en-US" dirty="0" smtClean="0"/>
-              <a:t>loader/bootstrap/MBR/GPT for booting OS</a:t>
-            </a:r>
-          </a:p>
-          <a:p>
-            <a:r>
-              <a:rPr lang="en-US" dirty="0" smtClean="0"/>
+              <a:rPr lang="en-US" dirty="0"/>
+              <a:t>Contains the boot loader/bootstrap/MBR/GPT for booting OS</a:t>
+            </a:r>
+          </a:p>
+          <a:p>
+            <a:r>
+              <a:rPr lang="en-US" dirty="0"/>
               <a:t>Partitions shown on a physical disk</a:t>
             </a:r>
-            <a:endParaRPr lang="en-US" dirty="0"/>
           </a:p>
         </p:txBody>
       </p:sp>
@@ -14015,6 +14369,103 @@
           <a:chExt cx="0" cy="0"/>
         </a:xfrm>
       </p:grpSpPr>
+      <p:pic>
+        <p:nvPicPr>
+          <p:cNvPr id="2" name="Picture 1"/>
+          <p:cNvPicPr>
+            <a:picLocks noChangeAspect="1"/>
+          </p:cNvPicPr>
+          <p:nvPr/>
+        </p:nvPicPr>
+        <p:blipFill>
+          <a:blip r:embed="rId2"/>
+          <a:stretch>
+            <a:fillRect/>
+          </a:stretch>
+        </p:blipFill>
+        <p:spPr>
+          <a:xfrm>
+            <a:off x="918626" y="1721854"/>
+            <a:ext cx="9877518" cy="3844445"/>
+          </a:xfrm>
+          <a:prstGeom prst="rect">
+            <a:avLst/>
+          </a:prstGeom>
+        </p:spPr>
+      </p:pic>
+      <p:sp>
+        <p:nvSpPr>
+          <p:cNvPr id="3" name="TextBox 2"/>
+          <p:cNvSpPr txBox="1"/>
+          <p:nvPr/>
+        </p:nvSpPr>
+        <p:spPr>
+          <a:xfrm>
+            <a:off x="918626" y="1352522"/>
+            <a:ext cx="9738885" cy="369332"/>
+          </a:xfrm>
+          <a:prstGeom prst="rect">
+            <a:avLst/>
+          </a:prstGeom>
+          <a:solidFill>
+            <a:srgbClr val="FFC000"/>
+          </a:solidFill>
+        </p:spPr>
+        <p:txBody>
+          <a:bodyPr wrap="none" rtlCol="0">
+            <a:spAutoFit/>
+          </a:bodyPr>
+          <a:lstStyle/>
+          <a:p>
+            <a:r>
+              <a:rPr lang="en-US" dirty="0"/>
+              <a:t>Search if “</a:t>
+            </a:r>
+            <a:r>
+              <a:rPr lang="en-US" i="1" dirty="0">
+                <a:solidFill>
+                  <a:srgbClr val="007DB5"/>
+                </a:solidFill>
+              </a:rPr>
+              <a:t>chrome</a:t>
+            </a:r>
+            <a:r>
+              <a:rPr lang="en-US" dirty="0"/>
+              <a:t>” has been executed by the user informant. Show lines before and after the matches</a:t>
+            </a:r>
+          </a:p>
+        </p:txBody>
+      </p:sp>
+    </p:spTree>
+    <p:extLst>
+      <p:ext uri="{BB962C8B-B14F-4D97-AF65-F5344CB8AC3E}">
+        <p14:creationId xmlns:p14="http://schemas.microsoft.com/office/powerpoint/2010/main" val="168308143"/>
+      </p:ext>
+    </p:extLst>
+  </p:cSld>
+  <p:clrMapOvr>
+    <a:masterClrMapping/>
+  </p:clrMapOvr>
+</p:sld>
+</file>
+
+<file path=ppt/slides/slide41.xml><?xml version="1.0" encoding="utf-8"?>
+<p:sld xmlns:a="http://schemas.openxmlformats.org/drawingml/2006/main" xmlns:r="http://schemas.openxmlformats.org/officeDocument/2006/relationships" xmlns:p="http://schemas.openxmlformats.org/presentationml/2006/main">
+  <p:cSld>
+    <p:spTree>
+      <p:nvGrpSpPr>
+        <p:cNvPr id="1" name=""/>
+        <p:cNvGrpSpPr/>
+        <p:nvPr/>
+      </p:nvGrpSpPr>
+      <p:grpSpPr>
+        <a:xfrm>
+          <a:off x="0" y="0"/>
+          <a:ext cx="0" cy="0"/>
+          <a:chOff x="0" y="0"/>
+          <a:chExt cx="0" cy="0"/>
+        </a:xfrm>
+      </p:grpSpPr>
       <p:sp>
         <p:nvSpPr>
           <p:cNvPr id="2" name="Title 1"/>
@@ -14031,7 +14482,7 @@
           <a:lstStyle/>
           <a:p>
             <a:r>
-              <a:rPr lang="en-US" dirty="0" smtClean="0">
+              <a:rPr lang="en-US" dirty="0">
                 <a:solidFill>
                   <a:srgbClr val="FF0000"/>
                 </a:solidFill>
@@ -14039,7 +14490,7 @@
               <a:t>11.4 </a:t>
             </a:r>
             <a:r>
-              <a:rPr lang="en-US" i="1" dirty="0" err="1" smtClean="0">
+              <a:rPr lang="en-US" i="1" dirty="0" err="1">
                 <a:solidFill>
                   <a:srgbClr val="007DB5"/>
                 </a:solidFill>
@@ -14070,70 +14521,35 @@
           <a:lstStyle/>
           <a:p>
             <a:r>
-              <a:rPr lang="en-US" dirty="0" smtClean="0"/>
-              <a:t>A </a:t>
-            </a:r>
-            <a:r>
-              <a:rPr lang="en-US" dirty="0"/>
-              <a:t>memory management </a:t>
-            </a:r>
-            <a:r>
-              <a:rPr lang="en-US" dirty="0" smtClean="0"/>
-              <a:t>technology </a:t>
-            </a:r>
-            <a:endParaRPr lang="en-US" dirty="0"/>
+              <a:rPr lang="en-US" dirty="0"/>
+              <a:t>A memory management technology </a:t>
+            </a:r>
           </a:p>
           <a:p>
             <a:pPr lvl="1"/>
             <a:r>
-              <a:rPr lang="en-US" dirty="0" smtClean="0"/>
-              <a:t>To </a:t>
-            </a:r>
-            <a:r>
-              <a:rPr lang="en-US" dirty="0"/>
-              <a:t>improve customer experience, </a:t>
-            </a:r>
-            <a:endParaRPr lang="en-US" dirty="0" smtClean="0"/>
+              <a:rPr lang="en-US" dirty="0"/>
+              <a:t>To improve customer experience, </a:t>
+            </a:r>
           </a:p>
           <a:p>
             <a:pPr lvl="1"/>
             <a:r>
-              <a:rPr lang="en-US" dirty="0" smtClean="0"/>
-              <a:t>Introduced by Microsoft in </a:t>
-            </a:r>
-            <a:r>
-              <a:rPr lang="en-US" dirty="0"/>
-              <a:t>Windows XP and Windows 2003 Server.</a:t>
-            </a:r>
-            <a:endParaRPr lang="en-US" dirty="0" smtClean="0"/>
-          </a:p>
-          <a:p>
-            <a:r>
-              <a:rPr lang="en-US" dirty="0" smtClean="0"/>
-              <a:t>Preloads most </a:t>
-            </a:r>
-            <a:r>
-              <a:rPr lang="en-US" dirty="0"/>
-              <a:t>frequently used </a:t>
-            </a:r>
-            <a:r>
-              <a:rPr lang="en-US" dirty="0" smtClean="0"/>
-              <a:t>software into memory</a:t>
+              <a:rPr lang="en-US" dirty="0"/>
+              <a:t>Introduced by Microsoft in Windows XP and Windows 2003 Server.</a:t>
+            </a:r>
+          </a:p>
+          <a:p>
+            <a:r>
+              <a:rPr lang="en-US" dirty="0"/>
+              <a:t>Preloads most frequently used software into memory</a:t>
             </a:r>
           </a:p>
           <a:p>
             <a:pPr lvl="1"/>
             <a:r>
-              <a:rPr lang="en-US" dirty="0" smtClean="0"/>
-              <a:t>To speed </a:t>
-            </a:r>
-            <a:r>
-              <a:rPr lang="en-US" dirty="0"/>
-              <a:t>the operating system booting and application launching</a:t>
-            </a:r>
-            <a:r>
-              <a:rPr lang="en-US" dirty="0" smtClean="0"/>
-              <a:t>.</a:t>
+              <a:rPr lang="en-US" dirty="0"/>
+              <a:t>To speed the operating system booting and application launching.</a:t>
             </a:r>
           </a:p>
           <a:p>
@@ -14154,30 +14570,18 @@
               <a:t> </a:t>
             </a:r>
             <a:r>
-              <a:rPr lang="en-US" dirty="0" smtClean="0"/>
-              <a:t>On </a:t>
-            </a:r>
-            <a:r>
-              <a:rPr lang="en-US" dirty="0"/>
-              <a:t>Windows </a:t>
-            </a:r>
-            <a:r>
-              <a:rPr lang="en-US" dirty="0" smtClean="0"/>
-              <a:t>Vista</a:t>
+              <a:rPr lang="en-US" dirty="0"/>
+              <a:t>On Windows Vista</a:t>
             </a:r>
           </a:p>
           <a:p>
             <a:pPr lvl="1"/>
             <a:r>
-              <a:rPr lang="en-US" dirty="0" smtClean="0"/>
-              <a:t>An </a:t>
-            </a:r>
-            <a:r>
-              <a:rPr lang="en-US" dirty="0"/>
-              <a:t>improved version of </a:t>
-            </a:r>
-            <a:r>
-              <a:rPr lang="en-US" i="1" dirty="0" err="1" smtClean="0">
+              <a:rPr lang="en-US" dirty="0"/>
+              <a:t>An improved version of </a:t>
+            </a:r>
+            <a:r>
+              <a:rPr lang="en-US" i="1" dirty="0" err="1">
                 <a:solidFill>
                   <a:srgbClr val="007DB5"/>
                 </a:solidFill>
@@ -14205,7 +14609,7 @@
 </p:sld>
 </file>
 
-<file path=ppt/slides/slide41.xml><?xml version="1.0" encoding="utf-8"?>
+<file path=ppt/slides/slide42.xml><?xml version="1.0" encoding="utf-8"?>
 <p:sld xmlns:a="http://schemas.openxmlformats.org/drawingml/2006/main" xmlns:r="http://schemas.openxmlformats.org/officeDocument/2006/relationships" xmlns:p="http://schemas.openxmlformats.org/presentationml/2006/main">
   <p:cSld>
     <p:spTree>
@@ -14286,7 +14690,7 @@
               <a:t>%SYSTEMROOT%\</a:t>
             </a:r>
             <a:r>
-              <a:rPr lang="en-US" sz="2000" i="1" dirty="0" err="1" smtClean="0">
+              <a:rPr lang="en-US" sz="2000" i="1" dirty="0" err="1">
                 <a:solidFill>
                   <a:srgbClr val="007DB5"/>
                 </a:solidFill>
@@ -14303,15 +14707,7 @@
             </a:r>
             <a:r>
               <a:rPr lang="en-US" sz="2000" dirty="0"/>
-              <a:t>and </a:t>
-            </a:r>
-            <a:r>
-              <a:rPr lang="en-US" sz="2000" dirty="0" smtClean="0"/>
-              <a:t>have </a:t>
-            </a:r>
-            <a:r>
-              <a:rPr lang="en-US" sz="2000" dirty="0"/>
-              <a:t>a </a:t>
+              <a:t>and have a </a:t>
             </a:r>
             <a:r>
               <a:rPr lang="en-US" sz="2000" i="1" dirty="0">
@@ -14332,104 +14728,6 @@
     <p:extLst>
       <p:ext uri="{BB962C8B-B14F-4D97-AF65-F5344CB8AC3E}">
         <p14:creationId xmlns:p14="http://schemas.microsoft.com/office/powerpoint/2010/main" val="917966590"/>
-      </p:ext>
-    </p:extLst>
-  </p:cSld>
-  <p:clrMapOvr>
-    <a:masterClrMapping/>
-  </p:clrMapOvr>
-</p:sld>
-</file>
-
-<file path=ppt/slides/slide42.xml><?xml version="1.0" encoding="utf-8"?>
-<p:sld xmlns:a="http://schemas.openxmlformats.org/drawingml/2006/main" xmlns:r="http://schemas.openxmlformats.org/officeDocument/2006/relationships" xmlns:p="http://schemas.openxmlformats.org/presentationml/2006/main">
-  <p:cSld>
-    <p:spTree>
-      <p:nvGrpSpPr>
-        <p:cNvPr id="1" name=""/>
-        <p:cNvGrpSpPr/>
-        <p:nvPr/>
-      </p:nvGrpSpPr>
-      <p:grpSpPr>
-        <a:xfrm>
-          <a:off x="0" y="0"/>
-          <a:ext cx="0" cy="0"/>
-          <a:chOff x="0" y="0"/>
-          <a:chExt cx="0" cy="0"/>
-        </a:xfrm>
-      </p:grpSpPr>
-      <p:pic>
-        <p:nvPicPr>
-          <p:cNvPr id="2" name="Picture 1"/>
-          <p:cNvPicPr>
-            <a:picLocks noChangeAspect="1"/>
-          </p:cNvPicPr>
-          <p:nvPr/>
-        </p:nvPicPr>
-        <p:blipFill>
-          <a:blip r:embed="rId2"/>
-          <a:stretch>
-            <a:fillRect/>
-          </a:stretch>
-        </p:blipFill>
-        <p:spPr>
-          <a:xfrm>
-            <a:off x="1799819" y="1723445"/>
-            <a:ext cx="7157884" cy="3748862"/>
-          </a:xfrm>
-          <a:prstGeom prst="rect">
-            <a:avLst/>
-          </a:prstGeom>
-        </p:spPr>
-      </p:pic>
-      <p:sp>
-        <p:nvSpPr>
-          <p:cNvPr id="3" name="TextBox 2"/>
-          <p:cNvSpPr txBox="1"/>
-          <p:nvPr/>
-        </p:nvSpPr>
-        <p:spPr>
-          <a:xfrm>
-            <a:off x="1799819" y="1354113"/>
-            <a:ext cx="3467231" cy="369332"/>
-          </a:xfrm>
-          <a:prstGeom prst="rect">
-            <a:avLst/>
-          </a:prstGeom>
-          <a:solidFill>
-            <a:srgbClr val="FFC000"/>
-          </a:solidFill>
-        </p:spPr>
-        <p:txBody>
-          <a:bodyPr wrap="none" rtlCol="0">
-            <a:spAutoFit/>
-          </a:bodyPr>
-          <a:lstStyle/>
-          <a:p>
-            <a:r>
-              <a:rPr lang="en-US" dirty="0" smtClean="0"/>
-              <a:t>Exam </a:t>
-            </a:r>
-            <a:r>
-              <a:rPr lang="en-US" i="1" dirty="0" err="1" smtClean="0">
-                <a:solidFill>
-                  <a:srgbClr val="007DB5"/>
-                </a:solidFill>
-              </a:rPr>
-              <a:t>prefetch</a:t>
-            </a:r>
-            <a:r>
-              <a:rPr lang="en-US" dirty="0" smtClean="0"/>
-              <a:t> setting from registry</a:t>
-            </a:r>
-            <a:endParaRPr lang="en-US" dirty="0"/>
-          </a:p>
-        </p:txBody>
-      </p:sp>
-    </p:spTree>
-    <p:extLst>
-      <p:ext uri="{BB962C8B-B14F-4D97-AF65-F5344CB8AC3E}">
-        <p14:creationId xmlns:p14="http://schemas.microsoft.com/office/powerpoint/2010/main" val="719170765"/>
       </p:ext>
     </p:extLst>
   </p:cSld>
@@ -14464,54 +14762,32 @@
           </p:cNvPicPr>
           <p:nvPr/>
         </p:nvPicPr>
-        <p:blipFill rotWithShape="1">
-          <a:blip r:embed="rId3"/>
-          <a:srcRect b="79720"/>
-          <a:stretch/>
+        <p:blipFill>
+          <a:blip r:embed="rId2"/>
+          <a:stretch>
+            <a:fillRect/>
+          </a:stretch>
         </p:blipFill>
         <p:spPr>
           <a:xfrm>
-            <a:off x="1487260" y="1840492"/>
-            <a:ext cx="8378494" cy="978122"/>
+            <a:off x="1799819" y="1723445"/>
+            <a:ext cx="7157884" cy="3748862"/>
           </a:xfrm>
           <a:prstGeom prst="rect">
             <a:avLst/>
           </a:prstGeom>
         </p:spPr>
       </p:pic>
-      <p:pic>
-        <p:nvPicPr>
-          <p:cNvPr id="3" name="Picture 2"/>
-          <p:cNvPicPr>
-            <a:picLocks noChangeAspect="1"/>
-          </p:cNvPicPr>
-          <p:nvPr/>
-        </p:nvPicPr>
-        <p:blipFill rotWithShape="1">
-          <a:blip r:embed="rId3"/>
-          <a:srcRect t="43374"/>
-          <a:stretch/>
-        </p:blipFill>
-        <p:spPr>
-          <a:xfrm>
-            <a:off x="1487260" y="2818614"/>
-            <a:ext cx="8378494" cy="2731011"/>
-          </a:xfrm>
-          <a:prstGeom prst="rect">
-            <a:avLst/>
-          </a:prstGeom>
-        </p:spPr>
-      </p:pic>
-      <p:sp>
-        <p:nvSpPr>
-          <p:cNvPr id="4" name="TextBox 3"/>
+      <p:sp>
+        <p:nvSpPr>
+          <p:cNvPr id="3" name="TextBox 2"/>
           <p:cNvSpPr txBox="1"/>
           <p:nvPr/>
         </p:nvSpPr>
         <p:spPr>
           <a:xfrm>
-            <a:off x="1487260" y="1471160"/>
-            <a:ext cx="3276153" cy="369332"/>
+            <a:off x="1799819" y="1354113"/>
+            <a:ext cx="3467231" cy="369332"/>
           </a:xfrm>
           <a:prstGeom prst="rect">
             <a:avLst/>
@@ -14527,49 +14803,28 @@
           <a:lstStyle/>
           <a:p>
             <a:r>
-              <a:rPr lang="en-US" dirty="0" smtClean="0"/>
-              <a:t>Verify </a:t>
-            </a:r>
-            <a:r>
-              <a:rPr lang="en-US" i="1" dirty="0" err="1" smtClean="0">
+              <a:rPr lang="en-US" dirty="0"/>
+              <a:t>Exam </a:t>
+            </a:r>
+            <a:r>
+              <a:rPr lang="en-US" i="1" dirty="0" err="1">
                 <a:solidFill>
                   <a:srgbClr val="007DB5"/>
                 </a:solidFill>
               </a:rPr>
-              <a:t>Prefetch</a:t>
-            </a:r>
-            <a:r>
-              <a:rPr lang="en-US" dirty="0" smtClean="0">
-                <a:solidFill>
-                  <a:srgbClr val="007DB5"/>
-                </a:solidFill>
-              </a:rPr>
-              <a:t> </a:t>
-            </a:r>
-            <a:r>
-              <a:rPr lang="en-US" dirty="0" smtClean="0"/>
-              <a:t>folder has </a:t>
-            </a:r>
-            <a:r>
-              <a:rPr lang="en-US" i="1" dirty="0" smtClean="0">
-                <a:solidFill>
-                  <a:srgbClr val="007DB5"/>
-                </a:solidFill>
-              </a:rPr>
-              <a:t>.pf </a:t>
-            </a:r>
-            <a:r>
-              <a:rPr lang="en-US" dirty="0" smtClean="0"/>
-              <a:t>files</a:t>
-            </a:r>
-            <a:endParaRPr lang="en-US" dirty="0"/>
+              <a:t>prefetch</a:t>
+            </a:r>
+            <a:r>
+              <a:rPr lang="en-US" dirty="0"/>
+              <a:t> setting from registry</a:t>
+            </a:r>
           </a:p>
         </p:txBody>
       </p:sp>
     </p:spTree>
     <p:extLst>
       <p:ext uri="{BB962C8B-B14F-4D97-AF65-F5344CB8AC3E}">
-        <p14:creationId xmlns:p14="http://schemas.microsoft.com/office/powerpoint/2010/main" val="4035004945"/>
+        <p14:creationId xmlns:p14="http://schemas.microsoft.com/office/powerpoint/2010/main" val="719170765"/>
       </p:ext>
     </p:extLst>
   </p:cSld>
@@ -14604,6 +14859,145 @@
           </p:cNvPicPr>
           <p:nvPr/>
         </p:nvPicPr>
+        <p:blipFill rotWithShape="1">
+          <a:blip r:embed="rId3"/>
+          <a:srcRect b="79720"/>
+          <a:stretch/>
+        </p:blipFill>
+        <p:spPr>
+          <a:xfrm>
+            <a:off x="1487260" y="1840492"/>
+            <a:ext cx="8378494" cy="978122"/>
+          </a:xfrm>
+          <a:prstGeom prst="rect">
+            <a:avLst/>
+          </a:prstGeom>
+        </p:spPr>
+      </p:pic>
+      <p:pic>
+        <p:nvPicPr>
+          <p:cNvPr id="3" name="Picture 2"/>
+          <p:cNvPicPr>
+            <a:picLocks noChangeAspect="1"/>
+          </p:cNvPicPr>
+          <p:nvPr/>
+        </p:nvPicPr>
+        <p:blipFill rotWithShape="1">
+          <a:blip r:embed="rId3"/>
+          <a:srcRect t="43374"/>
+          <a:stretch/>
+        </p:blipFill>
+        <p:spPr>
+          <a:xfrm>
+            <a:off x="1487260" y="2818614"/>
+            <a:ext cx="8378494" cy="2731011"/>
+          </a:xfrm>
+          <a:prstGeom prst="rect">
+            <a:avLst/>
+          </a:prstGeom>
+        </p:spPr>
+      </p:pic>
+      <p:sp>
+        <p:nvSpPr>
+          <p:cNvPr id="4" name="TextBox 3"/>
+          <p:cNvSpPr txBox="1"/>
+          <p:nvPr/>
+        </p:nvSpPr>
+        <p:spPr>
+          <a:xfrm>
+            <a:off x="1487260" y="1471160"/>
+            <a:ext cx="3276153" cy="369332"/>
+          </a:xfrm>
+          <a:prstGeom prst="rect">
+            <a:avLst/>
+          </a:prstGeom>
+          <a:solidFill>
+            <a:srgbClr val="FFC000"/>
+          </a:solidFill>
+        </p:spPr>
+        <p:txBody>
+          <a:bodyPr wrap="none" rtlCol="0">
+            <a:spAutoFit/>
+          </a:bodyPr>
+          <a:lstStyle/>
+          <a:p>
+            <a:r>
+              <a:rPr lang="en-US" dirty="0"/>
+              <a:t>Verify </a:t>
+            </a:r>
+            <a:r>
+              <a:rPr lang="en-US" i="1" dirty="0" err="1">
+                <a:solidFill>
+                  <a:srgbClr val="007DB5"/>
+                </a:solidFill>
+              </a:rPr>
+              <a:t>Prefetch</a:t>
+            </a:r>
+            <a:r>
+              <a:rPr lang="en-US" dirty="0">
+                <a:solidFill>
+                  <a:srgbClr val="007DB5"/>
+                </a:solidFill>
+              </a:rPr>
+              <a:t> </a:t>
+            </a:r>
+            <a:r>
+              <a:rPr lang="en-US" dirty="0"/>
+              <a:t>folder has </a:t>
+            </a:r>
+            <a:r>
+              <a:rPr lang="en-US" i="1" dirty="0">
+                <a:solidFill>
+                  <a:srgbClr val="007DB5"/>
+                </a:solidFill>
+              </a:rPr>
+              <a:t>.pf </a:t>
+            </a:r>
+            <a:r>
+              <a:rPr lang="en-US" dirty="0"/>
+              <a:t>files</a:t>
+            </a:r>
+          </a:p>
+        </p:txBody>
+      </p:sp>
+    </p:spTree>
+    <p:extLst>
+      <p:ext uri="{BB962C8B-B14F-4D97-AF65-F5344CB8AC3E}">
+        <p14:creationId xmlns:p14="http://schemas.microsoft.com/office/powerpoint/2010/main" val="4035004945"/>
+      </p:ext>
+    </p:extLst>
+  </p:cSld>
+  <p:clrMapOvr>
+    <a:masterClrMapping/>
+  </p:clrMapOvr>
+</p:sld>
+</file>
+
+<file path=ppt/slides/slide45.xml><?xml version="1.0" encoding="utf-8"?>
+<p:sld xmlns:a="http://schemas.openxmlformats.org/drawingml/2006/main" xmlns:r="http://schemas.openxmlformats.org/officeDocument/2006/relationships" xmlns:p="http://schemas.openxmlformats.org/presentationml/2006/main">
+  <p:cSld>
+    <p:spTree>
+      <p:nvGrpSpPr>
+        <p:cNvPr id="1" name=""/>
+        <p:cNvGrpSpPr/>
+        <p:nvPr/>
+      </p:nvGrpSpPr>
+      <p:grpSpPr>
+        <a:xfrm>
+          <a:off x="0" y="0"/>
+          <a:ext cx="0" cy="0"/>
+          <a:chOff x="0" y="0"/>
+          <a:chExt cx="0" cy="0"/>
+        </a:xfrm>
+      </p:grpSpPr>
+      <p:pic>
+        <p:nvPicPr>
+          <p:cNvPr id="2" name="Picture 1"/>
+          <p:cNvPicPr>
+            <a:picLocks noChangeAspect="1"/>
+          </p:cNvPicPr>
+          <p:nvPr/>
+        </p:nvPicPr>
         <p:blipFill>
           <a:blip r:embed="rId3"/>
           <a:stretch>
@@ -14715,11 +15109,11 @@
           <a:lstStyle/>
           <a:p>
             <a:r>
-              <a:rPr lang="en-US" dirty="0" smtClean="0"/>
+              <a:rPr lang="en-US" dirty="0"/>
               <a:t>Parse </a:t>
             </a:r>
             <a:r>
-              <a:rPr lang="en-US" i="1" dirty="0" err="1" smtClean="0">
+              <a:rPr lang="en-US" i="1" dirty="0" err="1">
                 <a:solidFill>
                   <a:srgbClr val="007DB5"/>
                 </a:solidFill>
@@ -14727,7 +15121,7 @@
               <a:t>Prefetch</a:t>
             </a:r>
             <a:r>
-              <a:rPr lang="en-US" dirty="0" smtClean="0">
+              <a:rPr lang="en-US" dirty="0">
                 <a:solidFill>
                   <a:srgbClr val="007DB5"/>
                 </a:solidFill>
@@ -14735,11 +15129,11 @@
               <a:t> </a:t>
             </a:r>
             <a:r>
-              <a:rPr lang="en-US" dirty="0" smtClean="0"/>
+              <a:rPr lang="en-US" dirty="0"/>
               <a:t>of </a:t>
             </a:r>
             <a:r>
-              <a:rPr lang="en-US" i="1" dirty="0" smtClean="0">
+              <a:rPr lang="en-US" i="1" dirty="0">
                 <a:solidFill>
                   <a:srgbClr val="007DB5"/>
                 </a:solidFill>
@@ -14747,10 +15141,9 @@
               <a:t>chrome.exe</a:t>
             </a:r>
             <a:r>
-              <a:rPr lang="en-US" dirty="0" smtClean="0"/>
+              <a:rPr lang="en-US" dirty="0"/>
               <a:t> </a:t>
             </a:r>
-            <a:endParaRPr lang="en-US" dirty="0"/>
           </a:p>
         </p:txBody>
       </p:sp>
@@ -14767,7 +15160,7 @@
 </p:sld>
 </file>
 
-<file path=ppt/slides/slide45.xml><?xml version="1.0" encoding="utf-8"?>
+<file path=ppt/slides/slide46.xml><?xml version="1.0" encoding="utf-8"?>
 <p:sld xmlns:a="http://schemas.openxmlformats.org/drawingml/2006/main" xmlns:r="http://schemas.openxmlformats.org/officeDocument/2006/relationships" xmlns:p="http://schemas.openxmlformats.org/presentationml/2006/main">
   <p:cSld>
     <p:spTree>
@@ -14845,15 +15238,7 @@
             </a:r>
             <a:r>
               <a:rPr lang="en-US" sz="1600" dirty="0"/>
-              <a:t>, --csv   </a:t>
-            </a:r>
-            <a:r>
-              <a:rPr lang="en-US" sz="1600" dirty="0" smtClean="0"/>
-              <a:t>Present </a:t>
-            </a:r>
-            <a:r>
-              <a:rPr lang="en-US" sz="1600" dirty="0"/>
-              <a:t>results in CSV format</a:t>
+              <a:t>, --csv   Present results in CSV format</a:t>
             </a:r>
           </a:p>
         </p:txBody>
@@ -14883,11 +15268,11 @@
           <a:lstStyle/>
           <a:p>
             <a:r>
-              <a:rPr lang="en-US" dirty="0" smtClean="0"/>
+              <a:rPr lang="en-US" dirty="0"/>
               <a:t>Parse </a:t>
             </a:r>
             <a:r>
-              <a:rPr lang="en-US" i="1" dirty="0" err="1" smtClean="0">
+              <a:rPr lang="en-US" i="1" dirty="0" err="1">
                 <a:solidFill>
                   <a:srgbClr val="007DB5"/>
                 </a:solidFill>
@@ -14895,7 +15280,7 @@
               <a:t>Prefetch</a:t>
             </a:r>
             <a:r>
-              <a:rPr lang="en-US" dirty="0" smtClean="0">
+              <a:rPr lang="en-US" dirty="0">
                 <a:solidFill>
                   <a:srgbClr val="007DB5"/>
                 </a:solidFill>
@@ -14903,11 +15288,11 @@
               <a:t> </a:t>
             </a:r>
             <a:r>
-              <a:rPr lang="en-US" dirty="0" smtClean="0"/>
+              <a:rPr lang="en-US" dirty="0"/>
               <a:t>of </a:t>
             </a:r>
             <a:r>
-              <a:rPr lang="en-US" i="1" dirty="0" smtClean="0">
+              <a:rPr lang="en-US" i="1" dirty="0">
                 <a:solidFill>
                   <a:srgbClr val="007DB5"/>
                 </a:solidFill>
@@ -14915,11 +15300,11 @@
               <a:t>chrome.exe </a:t>
             </a:r>
             <a:r>
-              <a:rPr lang="en-US" dirty="0" smtClean="0"/>
+              <a:rPr lang="en-US" dirty="0"/>
               <a:t>and save the results to</a:t>
             </a:r>
             <a:r>
-              <a:rPr lang="en-US" i="1" dirty="0" smtClean="0">
+              <a:rPr lang="en-US" i="1" dirty="0">
                 <a:solidFill>
                   <a:srgbClr val="007DB5"/>
                 </a:solidFill>
@@ -14927,10 +15312,9 @@
               <a:t> .CSV</a:t>
             </a:r>
             <a:r>
-              <a:rPr lang="en-US" dirty="0" smtClean="0"/>
+              <a:rPr lang="en-US" dirty="0"/>
               <a:t> </a:t>
             </a:r>
-            <a:endParaRPr lang="en-US" dirty="0"/>
           </a:p>
         </p:txBody>
       </p:sp>
@@ -14938,174 +15322,6 @@
     <p:extLst>
       <p:ext uri="{BB962C8B-B14F-4D97-AF65-F5344CB8AC3E}">
         <p14:creationId xmlns:p14="http://schemas.microsoft.com/office/powerpoint/2010/main" val="819267089"/>
-      </p:ext>
-    </p:extLst>
-  </p:cSld>
-  <p:clrMapOvr>
-    <a:masterClrMapping/>
-  </p:clrMapOvr>
-</p:sld>
-</file>
-
-<file path=ppt/slides/slide46.xml><?xml version="1.0" encoding="utf-8"?>
-<p:sld xmlns:a="http://schemas.openxmlformats.org/drawingml/2006/main" xmlns:r="http://schemas.openxmlformats.org/officeDocument/2006/relationships" xmlns:p="http://schemas.openxmlformats.org/presentationml/2006/main">
-  <p:cSld>
-    <p:spTree>
-      <p:nvGrpSpPr>
-        <p:cNvPr id="1" name=""/>
-        <p:cNvGrpSpPr/>
-        <p:nvPr/>
-      </p:nvGrpSpPr>
-      <p:grpSpPr>
-        <a:xfrm>
-          <a:off x="0" y="0"/>
-          <a:ext cx="0" cy="0"/>
-          <a:chOff x="0" y="0"/>
-          <a:chExt cx="0" cy="0"/>
-        </a:xfrm>
-      </p:grpSpPr>
-      <p:pic>
-        <p:nvPicPr>
-          <p:cNvPr id="2" name="Picture 1"/>
-          <p:cNvPicPr>
-            <a:picLocks noChangeAspect="1"/>
-          </p:cNvPicPr>
-          <p:nvPr/>
-        </p:nvPicPr>
-        <p:blipFill>
-          <a:blip r:embed="rId3"/>
-          <a:stretch>
-            <a:fillRect/>
-          </a:stretch>
-        </p:blipFill>
-        <p:spPr>
-          <a:xfrm>
-            <a:off x="1046552" y="1799120"/>
-            <a:ext cx="10059408" cy="3074537"/>
-          </a:xfrm>
-          <a:prstGeom prst="rect">
-            <a:avLst/>
-          </a:prstGeom>
-        </p:spPr>
-      </p:pic>
-      <p:sp>
-        <p:nvSpPr>
-          <p:cNvPr id="3" name="Rectangle 2"/>
-          <p:cNvSpPr/>
-          <p:nvPr/>
-        </p:nvSpPr>
-        <p:spPr>
-          <a:xfrm>
-            <a:off x="1046552" y="4873657"/>
-            <a:ext cx="7321485" cy="400110"/>
-          </a:xfrm>
-          <a:prstGeom prst="rect">
-            <a:avLst/>
-          </a:prstGeom>
-          <a:solidFill>
-            <a:schemeClr val="accent4">
-              <a:lumMod val="20000"/>
-              <a:lumOff val="80000"/>
-            </a:schemeClr>
-          </a:solidFill>
-        </p:spPr>
-        <p:txBody>
-          <a:bodyPr wrap="square">
-            <a:spAutoFit/>
-          </a:bodyPr>
-          <a:lstStyle/>
-          <a:p>
-            <a:r>
-              <a:rPr lang="en-US" sz="2000" dirty="0">
-                <a:solidFill>
-                  <a:srgbClr val="FF0000"/>
-                </a:solidFill>
-              </a:rPr>
-              <a:t>-d </a:t>
-            </a:r>
-            <a:r>
-              <a:rPr lang="en-US" sz="2000" dirty="0"/>
-              <a:t>DIRECTORY, --</a:t>
-            </a:r>
-            <a:r>
-              <a:rPr lang="en-US" sz="2000" dirty="0" smtClean="0"/>
-              <a:t>directory, parse </a:t>
-            </a:r>
-            <a:r>
-              <a:rPr lang="en-US" sz="2000" dirty="0"/>
-              <a:t>all PF files in a given directory</a:t>
-            </a:r>
-          </a:p>
-        </p:txBody>
-      </p:sp>
-      <p:sp>
-        <p:nvSpPr>
-          <p:cNvPr id="4" name="TextBox 3"/>
-          <p:cNvSpPr txBox="1"/>
-          <p:nvPr/>
-        </p:nvSpPr>
-        <p:spPr>
-          <a:xfrm>
-            <a:off x="1046552" y="1429788"/>
-            <a:ext cx="5802614" cy="369332"/>
-          </a:xfrm>
-          <a:prstGeom prst="rect">
-            <a:avLst/>
-          </a:prstGeom>
-          <a:solidFill>
-            <a:srgbClr val="FFC000"/>
-          </a:solidFill>
-        </p:spPr>
-        <p:txBody>
-          <a:bodyPr wrap="none" rtlCol="0">
-            <a:spAutoFit/>
-          </a:bodyPr>
-          <a:lstStyle/>
-          <a:p>
-            <a:r>
-              <a:rPr lang="en-US" dirty="0" smtClean="0"/>
-              <a:t>Parse the whole </a:t>
-            </a:r>
-            <a:r>
-              <a:rPr lang="en-US" i="1" dirty="0" err="1" smtClean="0">
-                <a:solidFill>
-                  <a:srgbClr val="007DB5"/>
-                </a:solidFill>
-              </a:rPr>
-              <a:t>Prefetch</a:t>
-            </a:r>
-            <a:r>
-              <a:rPr lang="en-US" dirty="0" smtClean="0">
-                <a:solidFill>
-                  <a:srgbClr val="007DB5"/>
-                </a:solidFill>
-              </a:rPr>
-              <a:t> </a:t>
-            </a:r>
-            <a:r>
-              <a:rPr lang="en-US" dirty="0" smtClean="0"/>
-              <a:t>folder and save the results to</a:t>
-            </a:r>
-            <a:r>
-              <a:rPr lang="en-US" i="1" dirty="0" smtClean="0">
-                <a:solidFill>
-                  <a:srgbClr val="007DB5"/>
-                </a:solidFill>
-              </a:rPr>
-              <a:t> .CSV</a:t>
-            </a:r>
-            <a:r>
-              <a:rPr lang="en-US" dirty="0" smtClean="0"/>
-              <a:t> </a:t>
-            </a:r>
-            <a:endParaRPr lang="en-US" dirty="0"/>
-          </a:p>
-        </p:txBody>
-      </p:sp>
-    </p:spTree>
-    <p:extLst>
-      <p:ext uri="{BB962C8B-B14F-4D97-AF65-F5344CB8AC3E}">
-        <p14:creationId xmlns:p14="http://schemas.microsoft.com/office/powerpoint/2010/main" val="900293744"/>
       </p:ext>
     </p:extLst>
   </p:cSld>
@@ -15141,15 +15357,15 @@
           <p:nvPr/>
         </p:nvPicPr>
         <p:blipFill>
-          <a:blip r:embed="rId2"/>
+          <a:blip r:embed="rId3"/>
           <a:stretch>
             <a:fillRect/>
           </a:stretch>
         </p:blipFill>
         <p:spPr>
           <a:xfrm>
-            <a:off x="687540" y="1745380"/>
-            <a:ext cx="10759792" cy="3590191"/>
+            <a:off x="1046552" y="1799120"/>
+            <a:ext cx="10059408" cy="3074537"/>
           </a:xfrm>
           <a:prstGeom prst="rect">
             <a:avLst/>
@@ -15164,8 +15380,8 @@
         </p:nvSpPr>
         <p:spPr>
           <a:xfrm>
-            <a:off x="3169982" y="2502519"/>
-            <a:ext cx="5474397" cy="307777"/>
+            <a:off x="1046552" y="4873657"/>
+            <a:ext cx="7321485" cy="400110"/>
           </a:xfrm>
           <a:prstGeom prst="rect">
             <a:avLst/>
@@ -15184,24 +15400,16 @@
           <a:lstStyle/>
           <a:p>
             <a:r>
-              <a:rPr lang="en-US" sz="1400" dirty="0">
+              <a:rPr lang="en-US" sz="2000" dirty="0">
                 <a:solidFill>
                   <a:srgbClr val="FF0000"/>
                 </a:solidFill>
               </a:rPr>
-              <a:t>-e </a:t>
-            </a:r>
-            <a:r>
-              <a:rPr lang="en-US" sz="1400" dirty="0"/>
-              <a:t>EXECUTED, --executed </a:t>
-            </a:r>
-            <a:r>
-              <a:rPr lang="en-US" sz="1400" dirty="0" err="1"/>
-              <a:t>EXECUTED</a:t>
-            </a:r>
-            <a:r>
-              <a:rPr lang="en-US" sz="1400" dirty="0"/>
-              <a:t>,  Sort PF files by ALL execution times</a:t>
+              <a:t>-d </a:t>
+            </a:r>
+            <a:r>
+              <a:rPr lang="en-US" sz="2000" dirty="0"/>
+              <a:t>DIRECTORY, --directory, parse all PF files in a given directory</a:t>
             </a:r>
           </a:p>
         </p:txBody>
@@ -15214,8 +15422,8 @@
         </p:nvSpPr>
         <p:spPr>
           <a:xfrm>
-            <a:off x="687540" y="1376048"/>
-            <a:ext cx="5714321" cy="369332"/>
+            <a:off x="1046552" y="1429788"/>
+            <a:ext cx="5802614" cy="369332"/>
           </a:xfrm>
           <a:prstGeom prst="rect">
             <a:avLst/>
@@ -15231,11 +15439,11 @@
           <a:lstStyle/>
           <a:p>
             <a:r>
-              <a:rPr lang="en-US" dirty="0" smtClean="0"/>
+              <a:rPr lang="en-US" dirty="0"/>
               <a:t>Parse the whole </a:t>
             </a:r>
             <a:r>
-              <a:rPr lang="en-US" i="1" dirty="0" err="1" smtClean="0">
+              <a:rPr lang="en-US" i="1" dirty="0" err="1">
                 <a:solidFill>
                   <a:srgbClr val="007DB5"/>
                 </a:solidFill>
@@ -15243,7 +15451,7 @@
               <a:t>Prefetch</a:t>
             </a:r>
             <a:r>
-              <a:rPr lang="en-US" dirty="0" smtClean="0">
+              <a:rPr lang="en-US" dirty="0">
                 <a:solidFill>
                   <a:srgbClr val="007DB5"/>
                 </a:solidFill>
@@ -15251,17 +15459,28 @@
               <a:t> </a:t>
             </a:r>
             <a:r>
-              <a:rPr lang="en-US" dirty="0" smtClean="0"/>
-              <a:t>folder and sort by execution times</a:t>
-            </a:r>
-            <a:endParaRPr lang="en-US" dirty="0"/>
+              <a:rPr lang="en-US" dirty="0"/>
+              <a:t>folder and save the results to</a:t>
+            </a:r>
+            <a:r>
+              <a:rPr lang="en-US" i="1" dirty="0">
+                <a:solidFill>
+                  <a:srgbClr val="007DB5"/>
+                </a:solidFill>
+              </a:rPr>
+              <a:t> .CSV</a:t>
+            </a:r>
+            <a:r>
+              <a:rPr lang="en-US" dirty="0"/>
+              <a:t> </a:t>
+            </a:r>
           </a:p>
         </p:txBody>
       </p:sp>
     </p:spTree>
     <p:extLst>
       <p:ext uri="{BB962C8B-B14F-4D97-AF65-F5344CB8AC3E}">
-        <p14:creationId xmlns:p14="http://schemas.microsoft.com/office/powerpoint/2010/main" val="1218816806"/>
+        <p14:creationId xmlns:p14="http://schemas.microsoft.com/office/powerpoint/2010/main" val="900293744"/>
       </p:ext>
     </p:extLst>
   </p:cSld>
@@ -15288,182 +15507,127 @@
           <a:chExt cx="0" cy="0"/>
         </a:xfrm>
       </p:grpSpPr>
-      <p:sp>
-        <p:nvSpPr>
-          <p:cNvPr id="2" name="Title 1"/>
-          <p:cNvSpPr>
-            <a:spLocks noGrp="1"/>
-          </p:cNvSpPr>
-          <p:nvPr>
-            <p:ph type="title"/>
-          </p:nvPr>
-        </p:nvSpPr>
-        <p:spPr/>
-        <p:txBody>
-          <a:bodyPr/>
-          <a:lstStyle/>
-          <a:p>
-            <a:r>
-              <a:rPr lang="en-US" dirty="0" smtClean="0">
+      <p:pic>
+        <p:nvPicPr>
+          <p:cNvPr id="2" name="Picture 1"/>
+          <p:cNvPicPr>
+            <a:picLocks noChangeAspect="1"/>
+          </p:cNvPicPr>
+          <p:nvPr/>
+        </p:nvPicPr>
+        <p:blipFill>
+          <a:blip r:embed="rId2"/>
+          <a:stretch>
+            <a:fillRect/>
+          </a:stretch>
+        </p:blipFill>
+        <p:spPr>
+          <a:xfrm>
+            <a:off x="687540" y="1745380"/>
+            <a:ext cx="10759792" cy="3590191"/>
+          </a:xfrm>
+          <a:prstGeom prst="rect">
+            <a:avLst/>
+          </a:prstGeom>
+        </p:spPr>
+      </p:pic>
+      <p:sp>
+        <p:nvSpPr>
+          <p:cNvPr id="3" name="Rectangle 2"/>
+          <p:cNvSpPr/>
+          <p:nvPr/>
+        </p:nvSpPr>
+        <p:spPr>
+          <a:xfrm>
+            <a:off x="3169982" y="2502519"/>
+            <a:ext cx="5474397" cy="307777"/>
+          </a:xfrm>
+          <a:prstGeom prst="rect">
+            <a:avLst/>
+          </a:prstGeom>
+          <a:solidFill>
+            <a:schemeClr val="accent4">
+              <a:lumMod val="20000"/>
+              <a:lumOff val="80000"/>
+            </a:schemeClr>
+          </a:solidFill>
+        </p:spPr>
+        <p:txBody>
+          <a:bodyPr wrap="square">
+            <a:spAutoFit/>
+          </a:bodyPr>
+          <a:lstStyle/>
+          <a:p>
+            <a:r>
+              <a:rPr lang="en-US" sz="1400" dirty="0">
                 <a:solidFill>
                   <a:srgbClr val="FF0000"/>
                 </a:solidFill>
               </a:rPr>
-              <a:t>11.5</a:t>
-            </a:r>
-            <a:r>
-              <a:rPr lang="en-US" dirty="0" smtClean="0"/>
+              <a:t>-e </a:t>
+            </a:r>
+            <a:r>
+              <a:rPr lang="en-US" sz="1400" dirty="0"/>
+              <a:t>EXECUTED, --executed </a:t>
+            </a:r>
+            <a:r>
+              <a:rPr lang="en-US" sz="1400" dirty="0" err="1"/>
+              <a:t>EXECUTED</a:t>
+            </a:r>
+            <a:r>
+              <a:rPr lang="en-US" sz="1400" dirty="0"/>
+              <a:t>,  Sort PF files by ALL execution times</a:t>
+            </a:r>
+          </a:p>
+        </p:txBody>
+      </p:sp>
+      <p:sp>
+        <p:nvSpPr>
+          <p:cNvPr id="4" name="TextBox 3"/>
+          <p:cNvSpPr txBox="1"/>
+          <p:nvPr/>
+        </p:nvSpPr>
+        <p:spPr>
+          <a:xfrm>
+            <a:off x="687540" y="1376048"/>
+            <a:ext cx="5714321" cy="369332"/>
+          </a:xfrm>
+          <a:prstGeom prst="rect">
+            <a:avLst/>
+          </a:prstGeom>
+          <a:solidFill>
+            <a:srgbClr val="FFC000"/>
+          </a:solidFill>
+        </p:spPr>
+        <p:txBody>
+          <a:bodyPr wrap="none" rtlCol="0">
+            <a:spAutoFit/>
+          </a:bodyPr>
+          <a:lstStyle/>
+          <a:p>
+            <a:r>
+              <a:rPr lang="en-US" dirty="0"/>
+              <a:t>Parse the whole </a:t>
+            </a:r>
+            <a:r>
+              <a:rPr lang="en-US" i="1" dirty="0" err="1">
+                <a:solidFill>
+                  <a:srgbClr val="007DB5"/>
+                </a:solidFill>
+              </a:rPr>
+              <a:t>Prefetch</a:t>
+            </a:r>
+            <a:r>
+              <a:rPr lang="en-US" dirty="0">
+                <a:solidFill>
+                  <a:srgbClr val="007DB5"/>
+                </a:solidFill>
+              </a:rPr>
               <a:t> </a:t>
             </a:r>
             <a:r>
-              <a:rPr lang="en-US" b="1" dirty="0" err="1" smtClean="0">
-                <a:solidFill>
-                  <a:schemeClr val="accent1"/>
-                </a:solidFill>
-              </a:rPr>
-              <a:t>Mui</a:t>
-            </a:r>
-            <a:r>
-              <a:rPr lang="en-US" dirty="0" err="1" smtClean="0"/>
-              <a:t>Cache</a:t>
-            </a:r>
-            <a:r>
-              <a:rPr lang="en-US" dirty="0"/>
-              <a:t>: </a:t>
-            </a:r>
-            <a:r>
-              <a:rPr lang="en-US" b="1" dirty="0">
-                <a:solidFill>
-                  <a:schemeClr val="accent1"/>
-                </a:solidFill>
-              </a:rPr>
-              <a:t>M</a:t>
-            </a:r>
-            <a:r>
-              <a:rPr lang="en-US" dirty="0"/>
-              <a:t>ultilingual </a:t>
-            </a:r>
-            <a:r>
-              <a:rPr lang="en-US" b="1" dirty="0">
-                <a:solidFill>
-                  <a:schemeClr val="accent1"/>
-                </a:solidFill>
-              </a:rPr>
-              <a:t>U</a:t>
-            </a:r>
-            <a:r>
-              <a:rPr lang="en-US" dirty="0"/>
-              <a:t>ser </a:t>
-            </a:r>
-            <a:r>
-              <a:rPr lang="en-US" b="1" dirty="0">
-                <a:solidFill>
-                  <a:schemeClr val="accent1"/>
-                </a:solidFill>
-              </a:rPr>
-              <a:t>I</a:t>
-            </a:r>
-            <a:r>
-              <a:rPr lang="en-US" dirty="0"/>
-              <a:t>nterface</a:t>
-            </a:r>
-          </a:p>
-        </p:txBody>
-      </p:sp>
-      <p:sp>
-        <p:nvSpPr>
-          <p:cNvPr id="3" name="Content Placeholder 2"/>
-          <p:cNvSpPr>
-            <a:spLocks noGrp="1"/>
-          </p:cNvSpPr>
-          <p:nvPr>
-            <p:ph idx="1"/>
-          </p:nvPr>
-        </p:nvSpPr>
-        <p:spPr/>
-        <p:txBody>
-          <a:bodyPr/>
-          <a:lstStyle/>
-          <a:p>
-            <a:r>
-              <a:rPr lang="en-US" dirty="0" smtClean="0"/>
-              <a:t>What is MUI</a:t>
-            </a:r>
-          </a:p>
-          <a:p>
-            <a:pPr lvl="1"/>
-            <a:r>
-              <a:rPr lang="en-US" dirty="0" smtClean="0"/>
-              <a:t>To support multiple language for software</a:t>
-            </a:r>
-          </a:p>
-          <a:p>
-            <a:r>
-              <a:rPr lang="en-US" dirty="0" smtClean="0"/>
-              <a:t>Drawback </a:t>
-            </a:r>
-          </a:p>
-          <a:p>
-            <a:pPr lvl="1"/>
-            <a:r>
-              <a:rPr lang="en-US" dirty="0" smtClean="0"/>
-              <a:t>the MUI </a:t>
-            </a:r>
-            <a:r>
-              <a:rPr lang="en-US" dirty="0"/>
-              <a:t>scheme is that it’s a bit </a:t>
-            </a:r>
-            <a:r>
-              <a:rPr lang="en-US" dirty="0" smtClean="0"/>
-              <a:t>slower</a:t>
-            </a:r>
-          </a:p>
-          <a:p>
-            <a:r>
-              <a:rPr lang="en-US" dirty="0" smtClean="0"/>
-              <a:t>Solution: MUI </a:t>
-            </a:r>
-            <a:r>
-              <a:rPr lang="en-US" dirty="0"/>
-              <a:t>caching </a:t>
-            </a:r>
-            <a:r>
-              <a:rPr lang="en-US" dirty="0" smtClean="0"/>
-              <a:t>for </a:t>
-            </a:r>
-            <a:r>
-              <a:rPr lang="en-US" dirty="0"/>
-              <a:t>localized strings</a:t>
-            </a:r>
-          </a:p>
-          <a:p>
-            <a:pPr lvl="1"/>
-            <a:r>
-              <a:rPr lang="en-US" dirty="0" smtClean="0"/>
-              <a:t>When the </a:t>
-            </a:r>
-            <a:r>
-              <a:rPr lang="en-US" dirty="0"/>
-              <a:t>right version of a string is retrieved from MUI file </a:t>
-            </a:r>
-            <a:r>
-              <a:rPr lang="en-US" dirty="0" smtClean="0"/>
-              <a:t>for </a:t>
-            </a:r>
-            <a:r>
-              <a:rPr lang="en-US" dirty="0"/>
-              <a:t>a given app, it’s stored in the registry</a:t>
-            </a:r>
-            <a:r>
-              <a:rPr lang="en-US" dirty="0" smtClean="0"/>
-              <a:t>.</a:t>
-            </a:r>
-          </a:p>
-          <a:p>
-            <a:pPr lvl="1"/>
-            <a:r>
-              <a:rPr lang="en-US" dirty="0"/>
-              <a:t>Then if the string is needed again, it can be retrieved from the registry, which is faster than having to open up the MUI file again.</a:t>
+              <a:rPr lang="en-US" dirty="0"/>
+              <a:t>folder and sort by execution times</a:t>
             </a:r>
           </a:p>
         </p:txBody>
@@ -15471,7 +15635,7 @@
     </p:spTree>
     <p:extLst>
       <p:ext uri="{BB962C8B-B14F-4D97-AF65-F5344CB8AC3E}">
-        <p14:creationId xmlns:p14="http://schemas.microsoft.com/office/powerpoint/2010/main" val="144907431"/>
+        <p14:creationId xmlns:p14="http://schemas.microsoft.com/office/powerpoint/2010/main" val="1218816806"/>
       </p:ext>
     </p:extLst>
   </p:cSld>
@@ -15498,177 +15662,154 @@
           <a:chExt cx="0" cy="0"/>
         </a:xfrm>
       </p:grpSpPr>
-      <p:pic>
-        <p:nvPicPr>
-          <p:cNvPr id="4" name="Picture 3"/>
-          <p:cNvPicPr>
-            <a:picLocks noChangeAspect="1"/>
-          </p:cNvPicPr>
-          <p:nvPr/>
-        </p:nvPicPr>
-        <p:blipFill>
-          <a:blip r:embed="rId2"/>
-          <a:stretch>
-            <a:fillRect/>
-          </a:stretch>
-        </p:blipFill>
-        <p:spPr>
-          <a:xfrm>
-            <a:off x="1370030" y="2422722"/>
-            <a:ext cx="8771300" cy="3516164"/>
-          </a:xfrm>
-          <a:prstGeom prst="rect">
-            <a:avLst/>
-          </a:prstGeom>
-        </p:spPr>
-      </p:pic>
-      <p:sp>
-        <p:nvSpPr>
-          <p:cNvPr id="5" name="Rectangle 4"/>
-          <p:cNvSpPr/>
-          <p:nvPr/>
-        </p:nvSpPr>
-        <p:spPr>
-          <a:xfrm>
-            <a:off x="1370030" y="764366"/>
-            <a:ext cx="8792066" cy="646331"/>
-          </a:xfrm>
-          <a:prstGeom prst="rect">
-            <a:avLst/>
-          </a:prstGeom>
-          <a:solidFill>
-            <a:schemeClr val="accent4">
-              <a:lumMod val="20000"/>
-              <a:lumOff val="80000"/>
-            </a:schemeClr>
-          </a:solidFill>
-        </p:spPr>
-        <p:txBody>
-          <a:bodyPr wrap="square">
-            <a:spAutoFit/>
-          </a:bodyPr>
-          <a:lstStyle/>
-          <a:p>
-            <a:r>
-              <a:rPr lang="en-US" dirty="0" smtClean="0">
+      <p:sp>
+        <p:nvSpPr>
+          <p:cNvPr id="2" name="Title 1"/>
+          <p:cNvSpPr>
+            <a:spLocks noGrp="1"/>
+          </p:cNvSpPr>
+          <p:nvPr>
+            <p:ph type="title"/>
+          </p:nvPr>
+        </p:nvSpPr>
+        <p:spPr/>
+        <p:txBody>
+          <a:bodyPr/>
+          <a:lstStyle/>
+          <a:p>
+            <a:r>
+              <a:rPr lang="en-US" dirty="0">
                 <a:solidFill>
                   <a:srgbClr val="FF0000"/>
                 </a:solidFill>
-                <a:latin typeface="Times New Roman" panose="02020603050405020304" pitchFamily="18" charset="0"/>
-              </a:rPr>
-              <a:t>Windows </a:t>
-            </a:r>
-            <a:r>
-              <a:rPr lang="en-US" dirty="0">
-                <a:solidFill>
-                  <a:srgbClr val="FF0000"/>
-                </a:solidFill>
-                <a:latin typeface="Times New Roman" panose="02020603050405020304" pitchFamily="18" charset="0"/>
-              </a:rPr>
-              <a:t>2000, Windows XP, Windows Server </a:t>
-            </a:r>
-            <a:r>
-              <a:rPr lang="en-US" dirty="0" smtClean="0">
-                <a:solidFill>
-                  <a:srgbClr val="FF0000"/>
-                </a:solidFill>
-                <a:latin typeface="Times New Roman" panose="02020603050405020304" pitchFamily="18" charset="0"/>
-              </a:rPr>
-              <a:t>2003: </a:t>
-            </a:r>
-            <a:r>
-              <a:rPr lang="en-US" dirty="0" smtClean="0">
-                <a:solidFill>
-                  <a:srgbClr val="000000"/>
-                </a:solidFill>
-                <a:latin typeface="Times New Roman" panose="02020603050405020304" pitchFamily="18" charset="0"/>
-              </a:rPr>
-              <a:t>HKEY_CURRENT_USER\Software\Microsoft\Windows\</a:t>
-            </a:r>
-            <a:r>
-              <a:rPr lang="en-US" dirty="0" err="1" smtClean="0">
-                <a:solidFill>
-                  <a:srgbClr val="000000"/>
-                </a:solidFill>
-                <a:latin typeface="Times New Roman" panose="02020603050405020304" pitchFamily="18" charset="0"/>
-              </a:rPr>
-              <a:t>ShellNoRoam</a:t>
-            </a:r>
-            <a:r>
-              <a:rPr lang="en-US" dirty="0" smtClean="0">
-                <a:solidFill>
-                  <a:srgbClr val="000000"/>
-                </a:solidFill>
-                <a:latin typeface="Times New Roman" panose="02020603050405020304" pitchFamily="18" charset="0"/>
-              </a:rPr>
-              <a:t>\</a:t>
-            </a:r>
-            <a:r>
-              <a:rPr lang="en-US" dirty="0" err="1" smtClean="0">
-                <a:solidFill>
-                  <a:srgbClr val="000000"/>
-                </a:solidFill>
-                <a:latin typeface="Times New Roman" panose="02020603050405020304" pitchFamily="18" charset="0"/>
-              </a:rPr>
-              <a:t>MUICache</a:t>
-            </a:r>
-            <a:r>
-              <a:rPr lang="en-US" dirty="0">
-                <a:solidFill>
-                  <a:srgbClr val="000000"/>
-                </a:solidFill>
-                <a:latin typeface="Times New Roman" panose="02020603050405020304" pitchFamily="18" charset="0"/>
-              </a:rPr>
-              <a:t>.</a:t>
-            </a:r>
-            <a:endParaRPr lang="en-US" dirty="0"/>
-          </a:p>
-        </p:txBody>
-      </p:sp>
-      <p:sp>
-        <p:nvSpPr>
-          <p:cNvPr id="6" name="Rectangle 5"/>
-          <p:cNvSpPr/>
-          <p:nvPr/>
-        </p:nvSpPr>
-        <p:spPr>
-          <a:xfrm>
-            <a:off x="1370030" y="1876348"/>
-            <a:ext cx="8792066" cy="369332"/>
-          </a:xfrm>
-          <a:prstGeom prst="rect">
-            <a:avLst/>
-          </a:prstGeom>
-          <a:solidFill>
-            <a:schemeClr val="accent4">
-              <a:lumMod val="20000"/>
-              <a:lumOff val="80000"/>
-            </a:schemeClr>
-          </a:solidFill>
-        </p:spPr>
-        <p:txBody>
-          <a:bodyPr wrap="square">
-            <a:spAutoFit/>
-          </a:bodyPr>
-          <a:lstStyle/>
-          <a:p>
-            <a:r>
-              <a:rPr lang="en-US" dirty="0" smtClean="0">
-                <a:solidFill>
-                  <a:srgbClr val="FF0000"/>
-                </a:solidFill>
-                <a:latin typeface="Times New Roman" panose="02020603050405020304" pitchFamily="18" charset="0"/>
-              </a:rPr>
-              <a:t>Windows 10:</a:t>
-            </a:r>
-            <a:endParaRPr lang="en-US" dirty="0"/>
+              </a:rPr>
+              <a:t>11.5</a:t>
+            </a:r>
+            <a:r>
+              <a:rPr lang="en-US" dirty="0"/>
+              <a:t> </a:t>
+            </a:r>
+            <a:r>
+              <a:rPr lang="en-US" b="1" dirty="0" err="1">
+                <a:solidFill>
+                  <a:schemeClr val="accent1"/>
+                </a:solidFill>
+              </a:rPr>
+              <a:t>Mui</a:t>
+            </a:r>
+            <a:r>
+              <a:rPr lang="en-US" dirty="0" err="1"/>
+              <a:t>Cache</a:t>
+            </a:r>
+            <a:r>
+              <a:rPr lang="en-US" dirty="0"/>
+              <a:t>: </a:t>
+            </a:r>
+            <a:r>
+              <a:rPr lang="en-US" b="1" dirty="0">
+                <a:solidFill>
+                  <a:schemeClr val="accent1"/>
+                </a:solidFill>
+              </a:rPr>
+              <a:t>M</a:t>
+            </a:r>
+            <a:r>
+              <a:rPr lang="en-US" dirty="0"/>
+              <a:t>ultilingual </a:t>
+            </a:r>
+            <a:r>
+              <a:rPr lang="en-US" b="1" dirty="0">
+                <a:solidFill>
+                  <a:schemeClr val="accent1"/>
+                </a:solidFill>
+              </a:rPr>
+              <a:t>U</a:t>
+            </a:r>
+            <a:r>
+              <a:rPr lang="en-US" dirty="0"/>
+              <a:t>ser </a:t>
+            </a:r>
+            <a:r>
+              <a:rPr lang="en-US" b="1" dirty="0">
+                <a:solidFill>
+                  <a:schemeClr val="accent1"/>
+                </a:solidFill>
+              </a:rPr>
+              <a:t>I</a:t>
+            </a:r>
+            <a:r>
+              <a:rPr lang="en-US" dirty="0"/>
+              <a:t>nterface</a:t>
+            </a:r>
+          </a:p>
+        </p:txBody>
+      </p:sp>
+      <p:sp>
+        <p:nvSpPr>
+          <p:cNvPr id="3" name="Content Placeholder 2"/>
+          <p:cNvSpPr>
+            <a:spLocks noGrp="1"/>
+          </p:cNvSpPr>
+          <p:nvPr>
+            <p:ph idx="1"/>
+          </p:nvPr>
+        </p:nvSpPr>
+        <p:spPr/>
+        <p:txBody>
+          <a:bodyPr/>
+          <a:lstStyle/>
+          <a:p>
+            <a:r>
+              <a:rPr lang="en-US" dirty="0"/>
+              <a:t>What is MUI</a:t>
+            </a:r>
+          </a:p>
+          <a:p>
+            <a:pPr lvl="1"/>
+            <a:r>
+              <a:rPr lang="en-US" dirty="0"/>
+              <a:t>To support multiple language for software</a:t>
+            </a:r>
+          </a:p>
+          <a:p>
+            <a:r>
+              <a:rPr lang="en-US" dirty="0"/>
+              <a:t>Drawback </a:t>
+            </a:r>
+          </a:p>
+          <a:p>
+            <a:pPr lvl="1"/>
+            <a:r>
+              <a:rPr lang="en-US" dirty="0"/>
+              <a:t>the MUI scheme is that it’s a bit slower</a:t>
+            </a:r>
+          </a:p>
+          <a:p>
+            <a:r>
+              <a:rPr lang="en-US" dirty="0"/>
+              <a:t>Solution: MUI caching for localized strings</a:t>
+            </a:r>
+          </a:p>
+          <a:p>
+            <a:pPr lvl="1"/>
+            <a:r>
+              <a:rPr lang="en-US" dirty="0"/>
+              <a:t>When the right version of a string is retrieved from MUI file for a given app, it’s stored in the registry.</a:t>
+            </a:r>
+          </a:p>
+          <a:p>
+            <a:pPr lvl="1"/>
+            <a:r>
+              <a:rPr lang="en-US" dirty="0"/>
+              <a:t>Then if the string is needed again, it can be retrieved from the registry, which is faster than having to open up the MUI file again.</a:t>
+            </a:r>
           </a:p>
         </p:txBody>
       </p:sp>
     </p:spTree>
     <p:extLst>
       <p:ext uri="{BB962C8B-B14F-4D97-AF65-F5344CB8AC3E}">
-        <p14:creationId xmlns:p14="http://schemas.microsoft.com/office/powerpoint/2010/main" val="3209725612"/>
+        <p14:creationId xmlns:p14="http://schemas.microsoft.com/office/powerpoint/2010/main" val="144907431"/>
       </p:ext>
     </p:extLst>
   </p:cSld>
@@ -15989,16 +16130,10 @@
           <a:lstStyle/>
           <a:p>
             <a:r>
-              <a:rPr lang="en-US" sz="1200" dirty="0" smtClean="0">
-                <a:latin typeface="Verdana" panose="020B0604030504040204" pitchFamily="34" charset="0"/>
-              </a:rPr>
-              <a:t>“System" </a:t>
-            </a:r>
-            <a:r>
               <a:rPr lang="en-US" sz="1200" dirty="0">
                 <a:latin typeface="Verdana" panose="020B0604030504040204" pitchFamily="34" charset="0"/>
               </a:rPr>
-              <a:t>volume: bootstrap</a:t>
+              <a:t>“System" volume: bootstrap</a:t>
             </a:r>
           </a:p>
         </p:txBody>
@@ -16031,16 +16166,10 @@
           <a:lstStyle/>
           <a:p>
             <a:r>
-              <a:rPr lang="en-US" sz="1200" dirty="0" smtClean="0">
-                <a:latin typeface="Verdana" panose="020B0604030504040204" pitchFamily="34" charset="0"/>
-              </a:rPr>
-              <a:t>“Boot" </a:t>
-            </a:r>
-            <a:r>
               <a:rPr lang="en-US" sz="1200" dirty="0">
                 <a:latin typeface="Verdana" panose="020B0604030504040204" pitchFamily="34" charset="0"/>
               </a:rPr>
-              <a:t>volume: the remainder of an operating system</a:t>
+              <a:t>“Boot" volume: the remainder of an operating system</a:t>
             </a:r>
           </a:p>
         </p:txBody>
@@ -16070,10 +16199,9 @@
           <a:lstStyle/>
           <a:p>
             <a:r>
-              <a:rPr lang="en-US" dirty="0" smtClean="0"/>
+              <a:rPr lang="en-US" dirty="0"/>
               <a:t>Show partitions of the image</a:t>
             </a:r>
-            <a:endParaRPr lang="en-US" dirty="0"/>
           </a:p>
         </p:txBody>
       </p:sp>
@@ -16109,7 +16237,7 @@
       </p:grpSpPr>
       <p:pic>
         <p:nvPicPr>
-          <p:cNvPr id="2" name="Picture 1"/>
+          <p:cNvPr id="4" name="Picture 3"/>
           <p:cNvPicPr>
             <a:picLocks noChangeAspect="1"/>
           </p:cNvPicPr>
@@ -16123,85 +16251,94 @@
         </p:blipFill>
         <p:spPr>
           <a:xfrm>
-            <a:off x="1166360" y="900112"/>
-            <a:ext cx="6327950" cy="1745057"/>
+            <a:off x="1370030" y="2422722"/>
+            <a:ext cx="8771300" cy="3516164"/>
           </a:xfrm>
           <a:prstGeom prst="rect">
             <a:avLst/>
           </a:prstGeom>
         </p:spPr>
       </p:pic>
-      <p:pic>
-        <p:nvPicPr>
-          <p:cNvPr id="3" name="Picture 2"/>
-          <p:cNvPicPr>
-            <a:picLocks noChangeAspect="1"/>
-          </p:cNvPicPr>
+      <p:sp>
+        <p:nvSpPr>
+          <p:cNvPr id="5" name="Rectangle 4"/>
+          <p:cNvSpPr/>
           <p:nvPr/>
-        </p:nvPicPr>
-        <p:blipFill>
-          <a:blip r:embed="rId3"/>
-          <a:stretch>
-            <a:fillRect/>
-          </a:stretch>
-        </p:blipFill>
+        </p:nvSpPr>
         <p:spPr>
           <a:xfrm>
-            <a:off x="1166360" y="3259063"/>
-            <a:ext cx="8797772" cy="2724231"/>
-          </a:xfrm>
-          <a:prstGeom prst="rect">
-            <a:avLst/>
-          </a:prstGeom>
-        </p:spPr>
-      </p:pic>
-      <p:sp>
-        <p:nvSpPr>
-          <p:cNvPr id="4" name="TextBox 3"/>
-          <p:cNvSpPr txBox="1"/>
-          <p:nvPr/>
-        </p:nvSpPr>
-        <p:spPr>
-          <a:xfrm>
-            <a:off x="1166360" y="530780"/>
-            <a:ext cx="2720040" cy="369332"/>
+            <a:off x="1370030" y="764366"/>
+            <a:ext cx="8792066" cy="646331"/>
           </a:xfrm>
           <a:prstGeom prst="rect">
             <a:avLst/>
           </a:prstGeom>
           <a:solidFill>
-            <a:srgbClr val="FFC000"/>
+            <a:schemeClr val="accent4">
+              <a:lumMod val="20000"/>
+              <a:lumOff val="80000"/>
+            </a:schemeClr>
           </a:solidFill>
         </p:spPr>
         <p:txBody>
-          <a:bodyPr wrap="none" rtlCol="0">
+          <a:bodyPr wrap="square">
             <a:spAutoFit/>
           </a:bodyPr>
           <a:lstStyle/>
           <a:p>
             <a:r>
-              <a:rPr lang="en-US" dirty="0" smtClean="0"/>
-              <a:t>Search for </a:t>
-            </a:r>
-            <a:r>
-              <a:rPr lang="en-US" i="1" dirty="0" err="1" smtClean="0">
-                <a:solidFill>
-                  <a:srgbClr val="007DB5"/>
-                </a:solidFill>
-              </a:rPr>
-              <a:t>muicache</a:t>
-            </a:r>
-            <a:r>
-              <a:rPr lang="en-US" dirty="0" smtClean="0">
-                <a:solidFill>
-                  <a:srgbClr val="007DB5"/>
-                </a:solidFill>
-              </a:rPr>
-              <a:t> </a:t>
-            </a:r>
-            <a:r>
-              <a:rPr lang="en-US" dirty="0" smtClean="0"/>
-              <a:t>plugin</a:t>
+              <a:rPr lang="en-US" dirty="0">
+                <a:solidFill>
+                  <a:srgbClr val="FF0000"/>
+                </a:solidFill>
+                <a:latin typeface="Times New Roman" panose="02020603050405020304" pitchFamily="18" charset="0"/>
+              </a:rPr>
+              <a:t>Windows 2000, Windows XP, Windows Server 2003: </a:t>
+            </a:r>
+            <a:r>
+              <a:rPr lang="en-US" dirty="0">
+                <a:solidFill>
+                  <a:srgbClr val="000000"/>
+                </a:solidFill>
+                <a:latin typeface="Times New Roman" panose="02020603050405020304" pitchFamily="18" charset="0"/>
+              </a:rPr>
+              <a:t>HKEY_CURRENT_USER\Software\Microsoft\Windows\</a:t>
+            </a:r>
+            <a:r>
+              <a:rPr lang="en-US" dirty="0" err="1">
+                <a:solidFill>
+                  <a:srgbClr val="000000"/>
+                </a:solidFill>
+                <a:latin typeface="Times New Roman" panose="02020603050405020304" pitchFamily="18" charset="0"/>
+              </a:rPr>
+              <a:t>ShellNoRoam</a:t>
+            </a:r>
+            <a:r>
+              <a:rPr lang="en-US" dirty="0">
+                <a:solidFill>
+                  <a:srgbClr val="000000"/>
+                </a:solidFill>
+                <a:latin typeface="Times New Roman" panose="02020603050405020304" pitchFamily="18" charset="0"/>
+              </a:rPr>
+              <a:t>\</a:t>
+            </a:r>
+            <a:r>
+              <a:rPr lang="en-US" dirty="0" err="1">
+                <a:solidFill>
+                  <a:srgbClr val="000000"/>
+                </a:solidFill>
+                <a:latin typeface="Times New Roman" panose="02020603050405020304" pitchFamily="18" charset="0"/>
+              </a:rPr>
+              <a:t>MUICache</a:t>
+            </a:r>
+            <a:r>
+              <a:rPr lang="en-US" dirty="0">
+                <a:solidFill>
+                  <a:srgbClr val="000000"/>
+                </a:solidFill>
+                <a:latin typeface="Times New Roman" panose="02020603050405020304" pitchFamily="18" charset="0"/>
+              </a:rPr>
+              <a:t>.</a:t>
             </a:r>
             <a:endParaRPr lang="en-US" dirty="0"/>
           </a:p>
@@ -16209,39 +16346,39 @@
       </p:sp>
       <p:sp>
         <p:nvSpPr>
-          <p:cNvPr id="5" name="TextBox 4"/>
-          <p:cNvSpPr txBox="1"/>
+          <p:cNvPr id="6" name="Rectangle 5"/>
+          <p:cNvSpPr/>
           <p:nvPr/>
         </p:nvSpPr>
         <p:spPr>
           <a:xfrm>
-            <a:off x="1166360" y="2933054"/>
-            <a:ext cx="1632948" cy="369332"/>
+            <a:off x="1370030" y="1876348"/>
+            <a:ext cx="8792066" cy="369332"/>
           </a:xfrm>
           <a:prstGeom prst="rect">
             <a:avLst/>
           </a:prstGeom>
           <a:solidFill>
-            <a:srgbClr val="FFC000"/>
+            <a:schemeClr val="accent4">
+              <a:lumMod val="20000"/>
+              <a:lumOff val="80000"/>
+            </a:schemeClr>
           </a:solidFill>
         </p:spPr>
         <p:txBody>
-          <a:bodyPr wrap="none" rtlCol="0">
+          <a:bodyPr wrap="square">
             <a:spAutoFit/>
           </a:bodyPr>
           <a:lstStyle/>
           <a:p>
             <a:r>
-              <a:rPr lang="en-US" dirty="0" smtClean="0"/>
-              <a:t>Exam </a:t>
-            </a:r>
-            <a:r>
-              <a:rPr lang="en-US" i="1" dirty="0" err="1" smtClean="0">
-                <a:solidFill>
-                  <a:srgbClr val="007DB5"/>
-                </a:solidFill>
-              </a:rPr>
-              <a:t>muicache</a:t>
+              <a:rPr lang="en-US" dirty="0">
+                <a:solidFill>
+                  <a:srgbClr val="FF0000"/>
+                </a:solidFill>
+                <a:latin typeface="Times New Roman" panose="02020603050405020304" pitchFamily="18" charset="0"/>
+              </a:rPr>
+              <a:t>Windows 10:</a:t>
             </a:r>
             <a:endParaRPr lang="en-US" dirty="0"/>
           </a:p>
@@ -16250,7 +16387,7 @@
     </p:spTree>
     <p:extLst>
       <p:ext uri="{BB962C8B-B14F-4D97-AF65-F5344CB8AC3E}">
-        <p14:creationId xmlns:p14="http://schemas.microsoft.com/office/powerpoint/2010/main" val="4088762450"/>
+        <p14:creationId xmlns:p14="http://schemas.microsoft.com/office/powerpoint/2010/main" val="3209725612"/>
       </p:ext>
     </p:extLst>
   </p:cSld>
@@ -16277,6 +16414,483 @@
           <a:chExt cx="0" cy="0"/>
         </a:xfrm>
       </p:grpSpPr>
+      <p:pic>
+        <p:nvPicPr>
+          <p:cNvPr id="2" name="Picture 1"/>
+          <p:cNvPicPr>
+            <a:picLocks noChangeAspect="1"/>
+          </p:cNvPicPr>
+          <p:nvPr/>
+        </p:nvPicPr>
+        <p:blipFill>
+          <a:blip r:embed="rId2"/>
+          <a:stretch>
+            <a:fillRect/>
+          </a:stretch>
+        </p:blipFill>
+        <p:spPr>
+          <a:xfrm>
+            <a:off x="1166360" y="900112"/>
+            <a:ext cx="6327950" cy="1745057"/>
+          </a:xfrm>
+          <a:prstGeom prst="rect">
+            <a:avLst/>
+          </a:prstGeom>
+        </p:spPr>
+      </p:pic>
+      <p:pic>
+        <p:nvPicPr>
+          <p:cNvPr id="3" name="Picture 2"/>
+          <p:cNvPicPr>
+            <a:picLocks noChangeAspect="1"/>
+          </p:cNvPicPr>
+          <p:nvPr/>
+        </p:nvPicPr>
+        <p:blipFill>
+          <a:blip r:embed="rId3"/>
+          <a:stretch>
+            <a:fillRect/>
+          </a:stretch>
+        </p:blipFill>
+        <p:spPr>
+          <a:xfrm>
+            <a:off x="1166360" y="3259063"/>
+            <a:ext cx="8797772" cy="2724231"/>
+          </a:xfrm>
+          <a:prstGeom prst="rect">
+            <a:avLst/>
+          </a:prstGeom>
+        </p:spPr>
+      </p:pic>
+      <p:sp>
+        <p:nvSpPr>
+          <p:cNvPr id="4" name="TextBox 3"/>
+          <p:cNvSpPr txBox="1"/>
+          <p:nvPr/>
+        </p:nvSpPr>
+        <p:spPr>
+          <a:xfrm>
+            <a:off x="1166360" y="530780"/>
+            <a:ext cx="2720040" cy="369332"/>
+          </a:xfrm>
+          <a:prstGeom prst="rect">
+            <a:avLst/>
+          </a:prstGeom>
+          <a:solidFill>
+            <a:srgbClr val="FFC000"/>
+          </a:solidFill>
+        </p:spPr>
+        <p:txBody>
+          <a:bodyPr wrap="none" rtlCol="0">
+            <a:spAutoFit/>
+          </a:bodyPr>
+          <a:lstStyle/>
+          <a:p>
+            <a:r>
+              <a:rPr lang="en-US" dirty="0"/>
+              <a:t>Search for </a:t>
+            </a:r>
+            <a:r>
+              <a:rPr lang="en-US" i="1" dirty="0" err="1">
+                <a:solidFill>
+                  <a:srgbClr val="007DB5"/>
+                </a:solidFill>
+              </a:rPr>
+              <a:t>muicache</a:t>
+            </a:r>
+            <a:r>
+              <a:rPr lang="en-US" dirty="0">
+                <a:solidFill>
+                  <a:srgbClr val="007DB5"/>
+                </a:solidFill>
+              </a:rPr>
+              <a:t> </a:t>
+            </a:r>
+            <a:r>
+              <a:rPr lang="en-US" dirty="0"/>
+              <a:t>plugin</a:t>
+            </a:r>
+          </a:p>
+        </p:txBody>
+      </p:sp>
+      <p:sp>
+        <p:nvSpPr>
+          <p:cNvPr id="5" name="TextBox 4"/>
+          <p:cNvSpPr txBox="1"/>
+          <p:nvPr/>
+        </p:nvSpPr>
+        <p:spPr>
+          <a:xfrm>
+            <a:off x="1166360" y="2933054"/>
+            <a:ext cx="1632948" cy="369332"/>
+          </a:xfrm>
+          <a:prstGeom prst="rect">
+            <a:avLst/>
+          </a:prstGeom>
+          <a:solidFill>
+            <a:srgbClr val="FFC000"/>
+          </a:solidFill>
+        </p:spPr>
+        <p:txBody>
+          <a:bodyPr wrap="none" rtlCol="0">
+            <a:spAutoFit/>
+          </a:bodyPr>
+          <a:lstStyle/>
+          <a:p>
+            <a:r>
+              <a:rPr lang="en-US" dirty="0"/>
+              <a:t>Exam </a:t>
+            </a:r>
+            <a:r>
+              <a:rPr lang="en-US" i="1" dirty="0" err="1">
+                <a:solidFill>
+                  <a:srgbClr val="007DB5"/>
+                </a:solidFill>
+              </a:rPr>
+              <a:t>muicache</a:t>
+            </a:r>
+            <a:endParaRPr lang="en-US" dirty="0"/>
+          </a:p>
+        </p:txBody>
+      </p:sp>
+    </p:spTree>
+    <p:extLst>
+      <p:ext uri="{BB962C8B-B14F-4D97-AF65-F5344CB8AC3E}">
+        <p14:creationId xmlns:p14="http://schemas.microsoft.com/office/powerpoint/2010/main" val="4088762450"/>
+      </p:ext>
+    </p:extLst>
+  </p:cSld>
+  <p:clrMapOvr>
+    <a:masterClrMapping/>
+  </p:clrMapOvr>
+</p:sld>
+</file>
+
+<file path=ppt/slides/slide52.xml><?xml version="1.0" encoding="utf-8"?>
+<p:sld xmlns:a="http://schemas.openxmlformats.org/drawingml/2006/main" xmlns:r="http://schemas.openxmlformats.org/officeDocument/2006/relationships" xmlns:p="http://schemas.openxmlformats.org/presentationml/2006/main">
+  <p:cSld>
+    <p:bg>
+      <p:bgPr>
+        <a:solidFill>
+          <a:schemeClr val="bg1"/>
+        </a:solidFill>
+        <a:effectLst/>
+      </p:bgPr>
+    </p:bg>
+    <p:spTree>
+      <p:nvGrpSpPr>
+        <p:cNvPr id="1" name=""/>
+        <p:cNvGrpSpPr/>
+        <p:nvPr/>
+      </p:nvGrpSpPr>
+      <p:grpSpPr>
+        <a:xfrm>
+          <a:off x="0" y="0"/>
+          <a:ext cx="0" cy="0"/>
+          <a:chOff x="0" y="0"/>
+          <a:chExt cx="0" cy="0"/>
+        </a:xfrm>
+      </p:grpSpPr>
+      <p:pic>
+        <p:nvPicPr>
+          <p:cNvPr id="3" name="Picture 2">
+            <a:extLst>
+              <a:ext uri="{FF2B5EF4-FFF2-40B4-BE49-F238E27FC236}">
+                <a16:creationId xmlns:a16="http://schemas.microsoft.com/office/drawing/2014/main" id="{CFBAF4AD-D958-47A7-8F4E-2B44FBA25F82}"/>
+              </a:ext>
+            </a:extLst>
+          </p:cNvPr>
+          <p:cNvPicPr>
+            <a:picLocks noChangeAspect="1"/>
+          </p:cNvPicPr>
+          <p:nvPr/>
+        </p:nvPicPr>
+        <p:blipFill>
+          <a:blip r:embed="rId3"/>
+          <a:stretch>
+            <a:fillRect/>
+          </a:stretch>
+        </p:blipFill>
+        <p:spPr>
+          <a:xfrm>
+            <a:off x="643467" y="1575138"/>
+            <a:ext cx="10905066" cy="3707723"/>
+          </a:xfrm>
+          <a:prstGeom prst="rect">
+            <a:avLst/>
+          </a:prstGeom>
+        </p:spPr>
+      </p:pic>
+      <p:sp>
+        <p:nvSpPr>
+          <p:cNvPr id="4" name="TextBox 3">
+            <a:extLst>
+              <a:ext uri="{FF2B5EF4-FFF2-40B4-BE49-F238E27FC236}">
+                <a16:creationId xmlns:a16="http://schemas.microsoft.com/office/drawing/2014/main" id="{19645B9C-CB3A-46F4-AE98-4E9F7140F21C}"/>
+              </a:ext>
+            </a:extLst>
+          </p:cNvPr>
+          <p:cNvSpPr txBox="1"/>
+          <p:nvPr/>
+        </p:nvSpPr>
+        <p:spPr>
+          <a:xfrm>
+            <a:off x="643467" y="1205806"/>
+            <a:ext cx="1971822" cy="369332"/>
+          </a:xfrm>
+          <a:prstGeom prst="rect">
+            <a:avLst/>
+          </a:prstGeom>
+          <a:solidFill>
+            <a:srgbClr val="FFC000"/>
+          </a:solidFill>
+        </p:spPr>
+        <p:txBody>
+          <a:bodyPr wrap="none" rtlCol="0">
+            <a:spAutoFit/>
+          </a:bodyPr>
+          <a:lstStyle/>
+          <a:p>
+            <a:r>
+              <a:rPr lang="en-US" dirty="0"/>
+              <a:t>Search </a:t>
+            </a:r>
+            <a:r>
+              <a:rPr lang="en-US" i="1" dirty="0">
+                <a:solidFill>
+                  <a:srgbClr val="007DB5"/>
+                </a:solidFill>
+              </a:rPr>
+              <a:t>usrclass.dat</a:t>
+            </a:r>
+            <a:endParaRPr lang="en-US" dirty="0"/>
+          </a:p>
+        </p:txBody>
+      </p:sp>
+    </p:spTree>
+    <p:extLst>
+      <p:ext uri="{BB962C8B-B14F-4D97-AF65-F5344CB8AC3E}">
+        <p14:creationId xmlns:p14="http://schemas.microsoft.com/office/powerpoint/2010/main" val="1441657013"/>
+      </p:ext>
+    </p:extLst>
+  </p:cSld>
+  <p:clrMapOvr>
+    <a:masterClrMapping/>
+  </p:clrMapOvr>
+</p:sld>
+</file>
+
+<file path=ppt/slides/slide53.xml><?xml version="1.0" encoding="utf-8"?>
+<p:sld xmlns:a="http://schemas.openxmlformats.org/drawingml/2006/main" xmlns:r="http://schemas.openxmlformats.org/officeDocument/2006/relationships" xmlns:p="http://schemas.openxmlformats.org/presentationml/2006/main">
+  <p:cSld>
+    <p:spTree>
+      <p:nvGrpSpPr>
+        <p:cNvPr id="1" name=""/>
+        <p:cNvGrpSpPr/>
+        <p:nvPr/>
+      </p:nvGrpSpPr>
+      <p:grpSpPr>
+        <a:xfrm>
+          <a:off x="0" y="0"/>
+          <a:ext cx="0" cy="0"/>
+          <a:chOff x="0" y="0"/>
+          <a:chExt cx="0" cy="0"/>
+        </a:xfrm>
+      </p:grpSpPr>
+      <p:pic>
+        <p:nvPicPr>
+          <p:cNvPr id="3" name="Picture 2">
+            <a:extLst>
+              <a:ext uri="{FF2B5EF4-FFF2-40B4-BE49-F238E27FC236}">
+                <a16:creationId xmlns:a16="http://schemas.microsoft.com/office/drawing/2014/main" id="{C3656311-DE6A-4B23-9C8B-BD07DF113708}"/>
+              </a:ext>
+            </a:extLst>
+          </p:cNvPr>
+          <p:cNvPicPr>
+            <a:picLocks noChangeAspect="1"/>
+          </p:cNvPicPr>
+          <p:nvPr/>
+        </p:nvPicPr>
+        <p:blipFill>
+          <a:blip r:embed="rId3"/>
+          <a:stretch>
+            <a:fillRect/>
+          </a:stretch>
+        </p:blipFill>
+        <p:spPr>
+          <a:xfrm>
+            <a:off x="893271" y="1140344"/>
+            <a:ext cx="10405458" cy="1348856"/>
+          </a:xfrm>
+          <a:prstGeom prst="rect">
+            <a:avLst/>
+          </a:prstGeom>
+        </p:spPr>
+      </p:pic>
+      <p:pic>
+        <p:nvPicPr>
+          <p:cNvPr id="5" name="Picture 4">
+            <a:extLst>
+              <a:ext uri="{FF2B5EF4-FFF2-40B4-BE49-F238E27FC236}">
+                <a16:creationId xmlns:a16="http://schemas.microsoft.com/office/drawing/2014/main" id="{7EB0EABC-4739-472A-A502-2277A87AC609}"/>
+              </a:ext>
+            </a:extLst>
+          </p:cNvPr>
+          <p:cNvPicPr>
+            <a:picLocks noChangeAspect="1"/>
+          </p:cNvPicPr>
+          <p:nvPr/>
+        </p:nvPicPr>
+        <p:blipFill>
+          <a:blip r:embed="rId4"/>
+          <a:stretch>
+            <a:fillRect/>
+          </a:stretch>
+        </p:blipFill>
+        <p:spPr>
+          <a:xfrm>
+            <a:off x="893271" y="3160294"/>
+            <a:ext cx="8813365" cy="2417013"/>
+          </a:xfrm>
+          <a:prstGeom prst="rect">
+            <a:avLst/>
+          </a:prstGeom>
+        </p:spPr>
+      </p:pic>
+      <p:sp>
+        <p:nvSpPr>
+          <p:cNvPr id="6" name="TextBox 5">
+            <a:extLst>
+              <a:ext uri="{FF2B5EF4-FFF2-40B4-BE49-F238E27FC236}">
+                <a16:creationId xmlns:a16="http://schemas.microsoft.com/office/drawing/2014/main" id="{49F4746A-0481-434F-A7E8-053B5BC0333D}"/>
+              </a:ext>
+            </a:extLst>
+          </p:cNvPr>
+          <p:cNvSpPr txBox="1"/>
+          <p:nvPr/>
+        </p:nvSpPr>
+        <p:spPr>
+          <a:xfrm>
+            <a:off x="893271" y="771012"/>
+            <a:ext cx="1993623" cy="369332"/>
+          </a:xfrm>
+          <a:prstGeom prst="rect">
+            <a:avLst/>
+          </a:prstGeom>
+          <a:solidFill>
+            <a:srgbClr val="FFC000"/>
+          </a:solidFill>
+        </p:spPr>
+        <p:txBody>
+          <a:bodyPr wrap="none" rtlCol="0">
+            <a:spAutoFit/>
+          </a:bodyPr>
+          <a:lstStyle/>
+          <a:p>
+            <a:r>
+              <a:rPr lang="en-US" dirty="0"/>
+              <a:t>Extract </a:t>
+            </a:r>
+            <a:r>
+              <a:rPr lang="en-US" i="1" dirty="0">
+                <a:solidFill>
+                  <a:srgbClr val="007DB5"/>
+                </a:solidFill>
+              </a:rPr>
+              <a:t>usrclass.dat</a:t>
+            </a:r>
+            <a:endParaRPr lang="en-US" dirty="0"/>
+          </a:p>
+        </p:txBody>
+      </p:sp>
+      <p:sp>
+        <p:nvSpPr>
+          <p:cNvPr id="7" name="TextBox 6">
+            <a:extLst>
+              <a:ext uri="{FF2B5EF4-FFF2-40B4-BE49-F238E27FC236}">
+                <a16:creationId xmlns:a16="http://schemas.microsoft.com/office/drawing/2014/main" id="{39B07126-26C2-435E-BBDA-EA909F9F5E47}"/>
+              </a:ext>
+            </a:extLst>
+          </p:cNvPr>
+          <p:cNvSpPr txBox="1"/>
+          <p:nvPr/>
+        </p:nvSpPr>
+        <p:spPr>
+          <a:xfrm>
+            <a:off x="904171" y="2790962"/>
+            <a:ext cx="3431324" cy="369332"/>
+          </a:xfrm>
+          <a:prstGeom prst="rect">
+            <a:avLst/>
+          </a:prstGeom>
+          <a:solidFill>
+            <a:srgbClr val="FFC000"/>
+          </a:solidFill>
+        </p:spPr>
+        <p:txBody>
+          <a:bodyPr wrap="none" rtlCol="0">
+            <a:spAutoFit/>
+          </a:bodyPr>
+          <a:lstStyle/>
+          <a:p>
+            <a:r>
+              <a:rPr lang="en-US" dirty="0"/>
+              <a:t>Search </a:t>
+            </a:r>
+            <a:r>
+              <a:rPr lang="en-US" i="1" dirty="0" err="1">
+                <a:solidFill>
+                  <a:srgbClr val="007DB5"/>
+                </a:solidFill>
+              </a:rPr>
+              <a:t>muicache</a:t>
+            </a:r>
+            <a:r>
+              <a:rPr lang="en-US" dirty="0"/>
+              <a:t> from </a:t>
+            </a:r>
+            <a:r>
+              <a:rPr lang="en-US" i="1" dirty="0">
+                <a:solidFill>
+                  <a:srgbClr val="007DB5"/>
+                </a:solidFill>
+              </a:rPr>
+              <a:t>usrclass.dat</a:t>
+            </a:r>
+            <a:endParaRPr lang="en-US" dirty="0"/>
+          </a:p>
+        </p:txBody>
+      </p:sp>
+    </p:spTree>
+    <p:extLst>
+      <p:ext uri="{BB962C8B-B14F-4D97-AF65-F5344CB8AC3E}">
+        <p14:creationId xmlns:p14="http://schemas.microsoft.com/office/powerpoint/2010/main" val="1117069617"/>
+      </p:ext>
+    </p:extLst>
+  </p:cSld>
+  <p:clrMapOvr>
+    <a:masterClrMapping/>
+  </p:clrMapOvr>
+</p:sld>
+</file>
+
+<file path=ppt/slides/slide54.xml><?xml version="1.0" encoding="utf-8"?>
+<p:sld xmlns:a="http://schemas.openxmlformats.org/drawingml/2006/main" xmlns:r="http://schemas.openxmlformats.org/officeDocument/2006/relationships" xmlns:p="http://schemas.openxmlformats.org/presentationml/2006/main">
+  <p:cSld>
+    <p:spTree>
+      <p:nvGrpSpPr>
+        <p:cNvPr id="1" name=""/>
+        <p:cNvGrpSpPr/>
+        <p:nvPr/>
+      </p:nvGrpSpPr>
+      <p:grpSpPr>
+        <a:xfrm>
+          <a:off x="0" y="0"/>
+          <a:ext cx="0" cy="0"/>
+          <a:chOff x="0" y="0"/>
+          <a:chExt cx="0" cy="0"/>
+        </a:xfrm>
+      </p:grpSpPr>
       <p:sp>
         <p:nvSpPr>
           <p:cNvPr id="2" name="Title 1"/>
@@ -16293,11 +16907,11 @@
           <a:lstStyle/>
           <a:p>
             <a:r>
-              <a:rPr lang="en-US" dirty="0" smtClean="0"/>
+              <a:rPr lang="en-US" dirty="0"/>
               <a:t>Summary of </a:t>
             </a:r>
             <a:r>
-              <a:rPr lang="en-US" dirty="0" smtClean="0">
+              <a:rPr lang="en-US" dirty="0">
                 <a:solidFill>
                   <a:srgbClr val="FF0000"/>
                 </a:solidFill>
@@ -16305,7 +16919,7 @@
               <a:t>11</a:t>
             </a:r>
             <a:r>
-              <a:rPr lang="en-US" smtClean="0">
+              <a:rPr lang="en-US">
                 <a:solidFill>
                   <a:srgbClr val="FF0000"/>
                 </a:solidFill>
@@ -16313,7 +16927,7 @@
               <a:t>.</a:t>
             </a:r>
             <a:r>
-              <a:rPr lang="en-US" smtClean="0"/>
+              <a:rPr lang="en-US"/>
               <a:t> </a:t>
             </a:r>
             <a:endParaRPr lang="en-US" dirty="0"/>
@@ -16378,7 +16992,7 @@
               <a:t> folder </a:t>
             </a:r>
             <a:r>
-              <a:rPr lang="en-US" sz="2000" dirty="0" smtClean="0"/>
+              <a:rPr lang="en-US" sz="2000" dirty="0"/>
               <a:t> </a:t>
             </a:r>
             <a:r>
@@ -16387,18 +17001,10 @@
                   <a:schemeClr val="accent5"/>
                 </a:solidFill>
               </a:rPr>
-              <a:t>\Windows\Prefetch\*.</a:t>
-            </a:r>
-            <a:r>
-              <a:rPr lang="en-US" sz="2000" dirty="0" smtClean="0">
-                <a:solidFill>
-                  <a:schemeClr val="accent5"/>
-                </a:solidFill>
-              </a:rPr>
-              <a:t>pf  </a:t>
-            </a:r>
-            <a:r>
-              <a:rPr lang="en-US" sz="2000" dirty="0" smtClean="0"/>
+              <a:t>\Windows\Prefetch\*.pf  </a:t>
+            </a:r>
+            <a:r>
+              <a:rPr lang="en-US" sz="2000" dirty="0"/>
               <a:t> </a:t>
             </a:r>
             <a:r>
@@ -16407,21 +17013,8 @@
                   <a:schemeClr val="accent2"/>
                 </a:solidFill>
               </a:rPr>
-              <a:t>Executable file paths and their execution timestamps (+ execution counts</a:t>
-            </a:r>
-            <a:r>
-              <a:rPr lang="en-US" sz="2000" dirty="0" smtClean="0">
-                <a:solidFill>
-                  <a:schemeClr val="accent2"/>
-                </a:solidFill>
-              </a:rPr>
-              <a:t>)</a:t>
-            </a:r>
-            <a:endParaRPr lang="en-US" sz="2000" dirty="0">
-              <a:solidFill>
-                <a:schemeClr val="accent2"/>
-              </a:solidFill>
-            </a:endParaRPr>
+              <a:t>Executable file paths and their execution timestamps (+ execution counts)</a:t>
+            </a:r>
           </a:p>
           <a:p>
             <a:pPr marL="0" indent="0">
@@ -16436,7 +17029,7 @@
               <a:t>[File] </a:t>
             </a:r>
             <a:r>
-              <a:rPr lang="en-US" sz="2000" u="sng" dirty="0" err="1" smtClean="0">
+              <a:rPr lang="en-US" sz="2000" u="sng" dirty="0" err="1">
                 <a:solidFill>
                   <a:srgbClr val="FF0000"/>
                 </a:solidFill>
@@ -16444,7 +17037,7 @@
               <a:t>IconCache</a:t>
             </a:r>
             <a:r>
-              <a:rPr lang="en-US" sz="2000" u="sng" dirty="0" smtClean="0">
+              <a:rPr lang="en-US" sz="2000" u="sng" dirty="0">
                 <a:solidFill>
                   <a:srgbClr val="FF0000"/>
                 </a:solidFill>
@@ -16452,7 +17045,7 @@
               <a:t>  </a:t>
             </a:r>
             <a:r>
-              <a:rPr lang="en-US" sz="2000" dirty="0" smtClean="0"/>
+              <a:rPr lang="en-US" sz="2000" dirty="0"/>
               <a:t> </a:t>
             </a:r>
             <a:r>
@@ -16461,50 +17054,42 @@
                   <a:schemeClr val="accent5"/>
                 </a:solidFill>
               </a:rPr>
-              <a:t>\</a:t>
-            </a:r>
-            <a:r>
-              <a:rPr lang="en-US" sz="2000" dirty="0" smtClean="0">
+              <a:t>\Users\informant\</a:t>
+            </a:r>
+            <a:r>
+              <a:rPr lang="en-US" sz="2000" dirty="0" err="1">
                 <a:solidFill>
                   <a:schemeClr val="accent5"/>
                 </a:solidFill>
               </a:rPr>
-              <a:t>Users\informant\</a:t>
-            </a:r>
-            <a:r>
-              <a:rPr lang="en-US" sz="2000" dirty="0" err="1" smtClean="0">
+              <a:t>AppData</a:t>
+            </a:r>
+            <a:r>
+              <a:rPr lang="en-US" sz="2000" dirty="0">
                 <a:solidFill>
                   <a:schemeClr val="accent5"/>
                 </a:solidFill>
               </a:rPr>
-              <a:t>AppData</a:t>
-            </a:r>
-            <a:r>
-              <a:rPr lang="en-US" sz="2000" dirty="0" smtClean="0">
+              <a:t>\Local\</a:t>
+            </a:r>
+            <a:r>
+              <a:rPr lang="en-US" sz="2000" dirty="0" err="1">
                 <a:solidFill>
                   <a:schemeClr val="accent5"/>
                 </a:solidFill>
               </a:rPr>
-              <a:t>\Local\</a:t>
-            </a:r>
-            <a:r>
-              <a:rPr lang="en-US" sz="2000" dirty="0" err="1" smtClean="0">
+              <a:t>IconCache.db</a:t>
+            </a:r>
+            <a:r>
+              <a:rPr lang="en-US" sz="2000" dirty="0">
                 <a:solidFill>
                   <a:schemeClr val="accent5"/>
                 </a:solidFill>
               </a:rPr>
-              <a:t>IconCache.db</a:t>
-            </a:r>
-            <a:r>
-              <a:rPr lang="en-US" sz="2000" dirty="0" smtClean="0">
-                <a:solidFill>
-                  <a:schemeClr val="accent5"/>
-                </a:solidFill>
-              </a:rPr>
               <a:t>  </a:t>
             </a:r>
             <a:r>
-              <a:rPr lang="en-US" sz="2000" dirty="0" smtClean="0"/>
+              <a:rPr lang="en-US" sz="2000" dirty="0"/>
               <a:t> </a:t>
             </a:r>
             <a:r>
@@ -16513,21 +17098,8 @@
                   <a:schemeClr val="accent2"/>
                 </a:solidFill>
               </a:rPr>
-              <a:t>Executable file paths and their icon </a:t>
-            </a:r>
-            <a:r>
-              <a:rPr lang="en-US" sz="2000" dirty="0" smtClean="0">
-                <a:solidFill>
-                  <a:schemeClr val="accent2"/>
-                </a:solidFill>
-              </a:rPr>
-              <a:t>images</a:t>
-            </a:r>
-            <a:endParaRPr lang="en-US" sz="2000" dirty="0">
-              <a:solidFill>
-                <a:schemeClr val="accent2"/>
-              </a:solidFill>
-            </a:endParaRPr>
+              <a:t>Executable file paths and their icon images</a:t>
+            </a:r>
           </a:p>
           <a:p>
             <a:pPr marL="0" indent="0">
@@ -16558,7 +17130,7 @@
               <a:t>] </a:t>
             </a:r>
             <a:r>
-              <a:rPr lang="en-US" sz="2000" u="sng" dirty="0" err="1" smtClean="0">
+              <a:rPr lang="en-US" sz="2000" u="sng" dirty="0" err="1">
                 <a:solidFill>
                   <a:srgbClr val="FF0000"/>
                 </a:solidFill>
@@ -16566,7 +17138,7 @@
               <a:t>UserAssist</a:t>
             </a:r>
             <a:r>
-              <a:rPr lang="en-US" sz="2000" u="sng" dirty="0" smtClean="0">
+              <a:rPr lang="en-US" sz="2000" u="sng" dirty="0">
                 <a:solidFill>
                   <a:srgbClr val="FF0000"/>
                 </a:solidFill>
@@ -16579,89 +17151,60 @@
                   <a:srgbClr val="FF0000"/>
                 </a:solidFill>
               </a:rPr>
+              <a:t>  </a:t>
+            </a:r>
+            <a:r>
+              <a:rPr lang="en-US" sz="2000" dirty="0">
+                <a:solidFill>
+                  <a:schemeClr val="accent5"/>
+                </a:solidFill>
+              </a:rPr>
+              <a:t>HKU\informant\Software\Microsoft\Windows\</a:t>
+            </a:r>
+            <a:r>
+              <a:rPr lang="en-US" sz="2000" dirty="0" err="1">
+                <a:solidFill>
+                  <a:schemeClr val="accent5"/>
+                </a:solidFill>
+              </a:rPr>
+              <a:t>CurrentVersion</a:t>
+            </a:r>
+            <a:r>
+              <a:rPr lang="en-US" sz="2000" dirty="0">
+                <a:solidFill>
+                  <a:schemeClr val="accent5"/>
+                </a:solidFill>
+              </a:rPr>
+              <a:t>\Explorer\</a:t>
+            </a:r>
+            <a:r>
+              <a:rPr lang="en-US" sz="2000" dirty="0" err="1">
+                <a:solidFill>
+                  <a:schemeClr val="accent5"/>
+                </a:solidFill>
+              </a:rPr>
+              <a:t>UserAssist</a:t>
+            </a:r>
+            <a:r>
+              <a:rPr lang="en-US" sz="2000" dirty="0">
+                <a:solidFill>
+                  <a:schemeClr val="accent5"/>
+                </a:solidFill>
+              </a:rPr>
+              <a:t>\*\Count\  </a:t>
+            </a:r>
+            <a:r>
+              <a:rPr lang="en-US" sz="2000" dirty="0"/>
               <a:t> </a:t>
             </a:r>
             <a:r>
-              <a:rPr lang="en-US" sz="2000" dirty="0" smtClean="0">
-                <a:solidFill>
-                  <a:srgbClr val="FF0000"/>
-                </a:solidFill>
-              </a:rPr>
-              <a:t> </a:t>
-            </a:r>
-            <a:r>
               <a:rPr lang="en-US" sz="2000" dirty="0">
                 <a:solidFill>
-                  <a:schemeClr val="accent5"/>
-                </a:solidFill>
-              </a:rPr>
-              <a:t>HKU\informant\Software\Microsoft\Windows\</a:t>
-            </a:r>
-            <a:r>
-              <a:rPr lang="en-US" sz="2000" dirty="0" err="1">
-                <a:solidFill>
-                  <a:schemeClr val="accent5"/>
-                </a:solidFill>
-              </a:rPr>
-              <a:t>CurrentVersion</a:t>
-            </a:r>
-            <a:r>
-              <a:rPr lang="en-US" sz="2000" dirty="0">
-                <a:solidFill>
-                  <a:schemeClr val="accent5"/>
-                </a:solidFill>
-              </a:rPr>
-              <a:t>\Explorer\</a:t>
-            </a:r>
-            <a:r>
-              <a:rPr lang="en-US" sz="2000" dirty="0" err="1">
-                <a:solidFill>
-                  <a:schemeClr val="accent5"/>
-                </a:solidFill>
-              </a:rPr>
-              <a:t>UserAssist</a:t>
-            </a:r>
-            <a:r>
-              <a:rPr lang="en-US" sz="2000" dirty="0">
-                <a:solidFill>
-                  <a:schemeClr val="accent5"/>
-                </a:solidFill>
-              </a:rPr>
-              <a:t>\*\Count</a:t>
-            </a:r>
-            <a:r>
-              <a:rPr lang="en-US" sz="2000" dirty="0" smtClean="0">
-                <a:solidFill>
-                  <a:schemeClr val="accent5"/>
-                </a:solidFill>
-              </a:rPr>
-              <a:t>\  </a:t>
-            </a:r>
-            <a:r>
-              <a:rPr lang="en-US" sz="2000" dirty="0" smtClean="0"/>
-              <a:t> </a:t>
-            </a:r>
-            <a:r>
-              <a:rPr lang="en-US" sz="2000" dirty="0">
-                <a:solidFill>
                   <a:schemeClr val="accent2"/>
                 </a:solidFill>
               </a:rPr>
-              <a:t>Executable file paths and their execution timestamps (+ execution counts</a:t>
-            </a:r>
-            <a:r>
-              <a:rPr lang="en-US" sz="2000" dirty="0" smtClean="0">
-                <a:solidFill>
-                  <a:schemeClr val="accent2"/>
-                </a:solidFill>
-              </a:rPr>
-              <a:t>)</a:t>
-            </a:r>
-            <a:endParaRPr lang="en-US" sz="2000" dirty="0">
-              <a:solidFill>
-                <a:schemeClr val="accent2"/>
-              </a:solidFill>
-            </a:endParaRPr>
+              <a:t>Executable file paths and their execution timestamps (+ execution counts)</a:t>
+            </a:r>
           </a:p>
           <a:p>
             <a:pPr marL="0" indent="0">
@@ -16708,7 +17251,7 @@
               <a:t>Shimcache</a:t>
             </a:r>
             <a:r>
-              <a:rPr lang="en-US" sz="2000" u="sng" dirty="0" smtClean="0">
+              <a:rPr lang="en-US" sz="2000" u="sng" dirty="0">
                 <a:solidFill>
                   <a:srgbClr val="FF0000"/>
                 </a:solidFill>
@@ -16716,7 +17259,7 @@
               <a:t>) </a:t>
             </a:r>
             <a:r>
-              <a:rPr lang="en-US" sz="2000" dirty="0" smtClean="0">
+              <a:rPr lang="en-US" sz="2000" dirty="0">
                 <a:solidFill>
                   <a:schemeClr val="accent5"/>
                 </a:solidFill>
@@ -16724,7 +17267,7 @@
               <a:t>HKLM\SYSTEM\</a:t>
             </a:r>
             <a:r>
-              <a:rPr lang="en-US" sz="2000" dirty="0" err="1" smtClean="0">
+              <a:rPr lang="en-US" sz="2000" dirty="0" err="1">
                 <a:solidFill>
                   <a:schemeClr val="accent5"/>
                 </a:solidFill>
@@ -16748,7 +17291,7 @@
               <a:t>AppCompatCache</a:t>
             </a:r>
             <a:r>
-              <a:rPr lang="en-US" sz="2000" dirty="0" smtClean="0">
+              <a:rPr lang="en-US" sz="2000" dirty="0">
                 <a:solidFill>
                   <a:schemeClr val="accent5"/>
                 </a:solidFill>
@@ -16756,7 +17299,7 @@
               <a:t>\ </a:t>
             </a:r>
             <a:r>
-              <a:rPr lang="en-US" sz="2000" dirty="0" smtClean="0"/>
+              <a:rPr lang="en-US" sz="2000" dirty="0"/>
               <a:t> </a:t>
             </a:r>
             <a:r>
@@ -16765,21 +17308,8 @@
                   <a:schemeClr val="accent2"/>
                 </a:solidFill>
               </a:rPr>
-              <a:t>Executable file paths and their modified </a:t>
-            </a:r>
-            <a:r>
-              <a:rPr lang="en-US" sz="2000" dirty="0" smtClean="0">
-                <a:solidFill>
-                  <a:schemeClr val="accent2"/>
-                </a:solidFill>
-              </a:rPr>
-              <a:t>timestamps</a:t>
-            </a:r>
-            <a:endParaRPr lang="en-US" sz="2000" dirty="0">
-              <a:solidFill>
-                <a:schemeClr val="accent2"/>
-              </a:solidFill>
-            </a:endParaRPr>
+              <a:t>Executable file paths and their modified timestamps</a:t>
+            </a:r>
           </a:p>
           <a:p>
             <a:pPr marL="0" indent="0">
@@ -16811,18 +17341,10 @@
                   <a:srgbClr val="FF0000"/>
                 </a:solidFill>
               </a:rPr>
-              <a:t>Application Compatibility </a:t>
-            </a:r>
-            <a:r>
-              <a:rPr lang="en-US" sz="2000" u="sng" dirty="0" smtClean="0">
-                <a:solidFill>
-                  <a:srgbClr val="FF0000"/>
-                </a:solidFill>
-              </a:rPr>
-              <a:t>Cache </a:t>
-            </a:r>
-            <a:r>
-              <a:rPr lang="en-US" sz="2000" dirty="0" smtClean="0"/>
+              <a:t>Application Compatibility Cache </a:t>
+            </a:r>
+            <a:r>
+              <a:rPr lang="en-US" sz="2000" dirty="0"/>
               <a:t> </a:t>
             </a:r>
             <a:r>
@@ -16863,39 +17385,15 @@
                   <a:schemeClr val="accent5"/>
                 </a:solidFill>
               </a:rPr>
-              <a:t>\Compatibility Assistant</a:t>
-            </a:r>
-            <a:r>
-              <a:rPr lang="en-US" sz="2000" dirty="0" smtClean="0">
-                <a:solidFill>
-                  <a:schemeClr val="accent5"/>
-                </a:solidFill>
-              </a:rPr>
-              <a:t>\  </a:t>
-            </a:r>
-            <a:r>
-              <a:rPr lang="en-US" sz="2000" dirty="0" smtClean="0">
+              <a:t>\Compatibility Assistant\  </a:t>
+            </a:r>
+            <a:r>
+              <a:rPr lang="en-US" sz="2000" dirty="0">
                 <a:solidFill>
                   <a:schemeClr val="accent2"/>
                 </a:solidFill>
               </a:rPr>
-              <a:t>Executable </a:t>
-            </a:r>
-            <a:r>
-              <a:rPr lang="en-US" sz="2000" dirty="0">
-                <a:solidFill>
-                  <a:schemeClr val="accent2"/>
-                </a:solidFill>
-              </a:rPr>
-              <a:t>file paths and their modified </a:t>
-            </a:r>
-            <a:r>
-              <a:rPr lang="en-US" sz="2000" dirty="0" smtClean="0">
-                <a:solidFill>
-                  <a:schemeClr val="accent2"/>
-                </a:solidFill>
-              </a:rPr>
-              <a:t>timestamps  </a:t>
+              <a:t>Executable file paths and their modified timestamps  </a:t>
             </a:r>
           </a:p>
           <a:p>
@@ -16903,7 +17401,7 @@
               <a:buNone/>
             </a:pPr>
             <a:r>
-              <a:rPr lang="en-US" sz="2000" dirty="0" smtClean="0">
+              <a:rPr lang="en-US" sz="2000" dirty="0">
                 <a:solidFill>
                   <a:srgbClr val="FF0000"/>
                 </a:solidFill>
@@ -16927,7 +17425,7 @@
               <a:t>] </a:t>
             </a:r>
             <a:r>
-              <a:rPr lang="en-US" sz="2000" u="sng" dirty="0" err="1" smtClean="0">
+              <a:rPr lang="en-US" sz="2000" u="sng" dirty="0" err="1">
                 <a:solidFill>
                   <a:srgbClr val="FF0000"/>
                 </a:solidFill>
@@ -16935,7 +17433,7 @@
               <a:t>MuiCache</a:t>
             </a:r>
             <a:r>
-              <a:rPr lang="en-US" sz="2000" dirty="0" smtClean="0"/>
+              <a:rPr lang="en-US" sz="2000" dirty="0"/>
               <a:t> </a:t>
             </a:r>
             <a:r>
@@ -16955,7 +17453,7 @@
               <a:t>MuiCache</a:t>
             </a:r>
             <a:r>
-              <a:rPr lang="en-US" sz="2000" dirty="0" smtClean="0">
+              <a:rPr lang="en-US" sz="2000" dirty="0">
                 <a:solidFill>
                   <a:schemeClr val="accent5"/>
                 </a:solidFill>
@@ -16963,7 +17461,7 @@
               <a:t>\ </a:t>
             </a:r>
             <a:r>
-              <a:rPr lang="en-US" sz="2000" dirty="0" smtClean="0"/>
+              <a:rPr lang="en-US" sz="2000" dirty="0"/>
               <a:t> </a:t>
             </a:r>
             <a:r>
@@ -17079,12 +17577,8 @@
           <a:p>
             <a:pPr marL="742950" lvl="1" indent="-285750"/>
             <a:r>
-              <a:rPr lang="en-US" dirty="0" smtClean="0"/>
-              <a:t>Any </a:t>
-            </a:r>
-            <a:r>
-              <a:rPr lang="en-US" dirty="0"/>
-              <a:t>physical space on a hard drive that doesn't belong to a partition. </a:t>
+              <a:rPr lang="en-US" dirty="0"/>
+              <a:t>Any physical space on a hard drive that doesn't belong to a partition. </a:t>
             </a:r>
           </a:p>
           <a:p>
@@ -17105,37 +17599,21 @@
             <a:pPr marL="285750" indent="-285750"/>
             <a:r>
               <a:rPr lang="en-US" dirty="0"/>
-              <a:t>To make use of unallocated </a:t>
-            </a:r>
-            <a:r>
-              <a:rPr lang="en-US" dirty="0" smtClean="0"/>
-              <a:t>space</a:t>
+              <a:t>To make use of unallocated space</a:t>
             </a:r>
           </a:p>
           <a:p>
             <a:pPr marL="742950" lvl="1" indent="-285750"/>
             <a:r>
-              <a:rPr lang="en-US" dirty="0" smtClean="0"/>
-              <a:t>you </a:t>
-            </a:r>
-            <a:r>
-              <a:rPr lang="en-US" dirty="0"/>
-              <a:t>need to either create a new partition using the space or expand an existing partition</a:t>
-            </a:r>
-            <a:r>
-              <a:rPr lang="en-US" dirty="0" smtClean="0"/>
-              <a:t>.</a:t>
+              <a:rPr lang="en-US" dirty="0"/>
+              <a:t>you need to either create a new partition using the space or expand an existing partition.</a:t>
             </a:r>
           </a:p>
           <a:p>
             <a:pPr marL="285750" indent="-285750"/>
             <a:r>
-              <a:rPr lang="en-US" dirty="0" smtClean="0"/>
-              <a:t>Media </a:t>
-            </a:r>
-            <a:r>
-              <a:rPr lang="en-US" dirty="0"/>
-              <a:t>management ls (</a:t>
+              <a:rPr lang="en-US" dirty="0"/>
+              <a:t>Media management ls (</a:t>
             </a:r>
             <a:r>
               <a:rPr lang="en-US" dirty="0" err="1"/>
@@ -17145,17 +17623,12 @@
               <a:rPr lang="en-US" dirty="0"/>
               <a:t>): </a:t>
             </a:r>
-            <a:endParaRPr lang="en-US" dirty="0" smtClean="0"/>
           </a:p>
           <a:p>
             <a:pPr marL="742950" lvl="1" indent="-285750"/>
             <a:r>
-              <a:rPr lang="en-US" dirty="0" smtClean="0"/>
-              <a:t>Can </a:t>
-            </a:r>
-            <a:r>
-              <a:rPr lang="en-US" dirty="0"/>
-              <a:t>show unallocated sectors so it can be used to search for hidden data</a:t>
+              <a:rPr lang="en-US" dirty="0"/>
+              <a:t>Can show unallocated sectors so it can be used to search for hidden data</a:t>
             </a:r>
           </a:p>
           <a:p>
@@ -17492,11 +17965,11 @@
           <a:lstStyle/>
           <a:p>
             <a:r>
-              <a:rPr lang="en-US" dirty="0" smtClean="0"/>
+              <a:rPr lang="en-US" dirty="0"/>
               <a:t>Show partitions and unallocated space using </a:t>
             </a:r>
             <a:r>
-              <a:rPr lang="en-US" i="1" dirty="0" err="1" smtClean="0">
+              <a:rPr lang="en-US" i="1" dirty="0" err="1">
                 <a:solidFill>
                   <a:srgbClr val="007DB5"/>
                 </a:solidFill>
